--- a/0阶运动与1阶运动在图片动画化中的应用/imgs/素材.pptx
+++ b/0阶运动与1阶运动在图片动画化中的应用/imgs/素材.pptx
@@ -6,6 +6,10 @@
   </p:sldMasterIdLst>
   <p:sldIdLst>
     <p:sldId id="256" r:id="rId2"/>
+    <p:sldId id="260" r:id="rId3"/>
+    <p:sldId id="257" r:id="rId4"/>
+    <p:sldId id="259" r:id="rId5"/>
+    <p:sldId id="258" r:id="rId6"/>
   </p:sldIdLst>
   <p:sldSz cx="12192000" cy="6858000"/>
   <p:notesSz cx="6858000" cy="9144000"/>
@@ -104,6 +108,11 @@
       </a:defRPr>
     </a:lvl9pPr>
   </p:defaultTextStyle>
+  <p:extLst>
+    <p:ext uri="{EFAFB233-063F-42B5-8137-9DF3F51BA10A}">
+      <p15:sldGuideLst xmlns:p15="http://schemas.microsoft.com/office/powerpoint/2012/main"/>
+    </p:ext>
+  </p:extLst>
 </p:presentation>
 </file>
 
@@ -254,7 +263,7 @@
           <a:p>
             <a:fld id="{494465B1-8FFF-4C01-B0B6-3B81A6682E51}" type="datetimeFigureOut">
               <a:rPr lang="zh-CN" altLang="en-US" smtClean="0"/>
-              <a:t>2020/9/17 Thursday</a:t>
+              <a:t>2020/9/20 Sunday</a:t>
             </a:fld>
             <a:endParaRPr lang="zh-CN" altLang="en-US"/>
           </a:p>
@@ -452,7 +461,7 @@
           <a:p>
             <a:fld id="{494465B1-8FFF-4C01-B0B6-3B81A6682E51}" type="datetimeFigureOut">
               <a:rPr lang="zh-CN" altLang="en-US" smtClean="0"/>
-              <a:t>2020/9/17 Thursday</a:t>
+              <a:t>2020/9/20 Sunday</a:t>
             </a:fld>
             <a:endParaRPr lang="zh-CN" altLang="en-US"/>
           </a:p>
@@ -660,7 +669,7 @@
           <a:p>
             <a:fld id="{494465B1-8FFF-4C01-B0B6-3B81A6682E51}" type="datetimeFigureOut">
               <a:rPr lang="zh-CN" altLang="en-US" smtClean="0"/>
-              <a:t>2020/9/17 Thursday</a:t>
+              <a:t>2020/9/20 Sunday</a:t>
             </a:fld>
             <a:endParaRPr lang="zh-CN" altLang="en-US"/>
           </a:p>
@@ -858,7 +867,7 @@
           <a:p>
             <a:fld id="{494465B1-8FFF-4C01-B0B6-3B81A6682E51}" type="datetimeFigureOut">
               <a:rPr lang="zh-CN" altLang="en-US" smtClean="0"/>
-              <a:t>2020/9/17 Thursday</a:t>
+              <a:t>2020/9/20 Sunday</a:t>
             </a:fld>
             <a:endParaRPr lang="zh-CN" altLang="en-US"/>
           </a:p>
@@ -1133,7 +1142,7 @@
           <a:p>
             <a:fld id="{494465B1-8FFF-4C01-B0B6-3B81A6682E51}" type="datetimeFigureOut">
               <a:rPr lang="zh-CN" altLang="en-US" smtClean="0"/>
-              <a:t>2020/9/17 Thursday</a:t>
+              <a:t>2020/9/20 Sunday</a:t>
             </a:fld>
             <a:endParaRPr lang="zh-CN" altLang="en-US"/>
           </a:p>
@@ -1398,7 +1407,7 @@
           <a:p>
             <a:fld id="{494465B1-8FFF-4C01-B0B6-3B81A6682E51}" type="datetimeFigureOut">
               <a:rPr lang="zh-CN" altLang="en-US" smtClean="0"/>
-              <a:t>2020/9/17 Thursday</a:t>
+              <a:t>2020/9/20 Sunday</a:t>
             </a:fld>
             <a:endParaRPr lang="zh-CN" altLang="en-US"/>
           </a:p>
@@ -1810,7 +1819,7 @@
           <a:p>
             <a:fld id="{494465B1-8FFF-4C01-B0B6-3B81A6682E51}" type="datetimeFigureOut">
               <a:rPr lang="zh-CN" altLang="en-US" smtClean="0"/>
-              <a:t>2020/9/17 Thursday</a:t>
+              <a:t>2020/9/20 Sunday</a:t>
             </a:fld>
             <a:endParaRPr lang="zh-CN" altLang="en-US"/>
           </a:p>
@@ -1951,7 +1960,7 @@
           <a:p>
             <a:fld id="{494465B1-8FFF-4C01-B0B6-3B81A6682E51}" type="datetimeFigureOut">
               <a:rPr lang="zh-CN" altLang="en-US" smtClean="0"/>
-              <a:t>2020/9/17 Thursday</a:t>
+              <a:t>2020/9/20 Sunday</a:t>
             </a:fld>
             <a:endParaRPr lang="zh-CN" altLang="en-US"/>
           </a:p>
@@ -2064,7 +2073,7 @@
           <a:p>
             <a:fld id="{494465B1-8FFF-4C01-B0B6-3B81A6682E51}" type="datetimeFigureOut">
               <a:rPr lang="zh-CN" altLang="en-US" smtClean="0"/>
-              <a:t>2020/9/17 Thursday</a:t>
+              <a:t>2020/9/20 Sunday</a:t>
             </a:fld>
             <a:endParaRPr lang="zh-CN" altLang="en-US"/>
           </a:p>
@@ -2375,7 +2384,7 @@
           <a:p>
             <a:fld id="{494465B1-8FFF-4C01-B0B6-3B81A6682E51}" type="datetimeFigureOut">
               <a:rPr lang="zh-CN" altLang="en-US" smtClean="0"/>
-              <a:t>2020/9/17 Thursday</a:t>
+              <a:t>2020/9/20 Sunday</a:t>
             </a:fld>
             <a:endParaRPr lang="zh-CN" altLang="en-US"/>
           </a:p>
@@ -2663,7 +2672,7 @@
           <a:p>
             <a:fld id="{494465B1-8FFF-4C01-B0B6-3B81A6682E51}" type="datetimeFigureOut">
               <a:rPr lang="zh-CN" altLang="en-US" smtClean="0"/>
-              <a:t>2020/9/17 Thursday</a:t>
+              <a:t>2020/9/20 Sunday</a:t>
             </a:fld>
             <a:endParaRPr lang="zh-CN" altLang="en-US"/>
           </a:p>
@@ -2904,7 +2913,7 @@
           <a:p>
             <a:fld id="{494465B1-8FFF-4C01-B0B6-3B81A6682E51}" type="datetimeFigureOut">
               <a:rPr lang="zh-CN" altLang="en-US" smtClean="0"/>
-              <a:t>2020/9/17 Thursday</a:t>
+              <a:t>2020/9/20 Sunday</a:t>
             </a:fld>
             <a:endParaRPr lang="zh-CN" altLang="en-US"/>
           </a:p>
@@ -4399,6 +4408,4955 @@
 </p:sld>
 </file>
 
+<file path=ppt/slides/slide2.xml><?xml version="1.0" encoding="utf-8"?>
+<p:sld xmlns:a="http://schemas.openxmlformats.org/drawingml/2006/main" xmlns:r="http://schemas.openxmlformats.org/officeDocument/2006/relationships" xmlns:p="http://schemas.openxmlformats.org/presentationml/2006/main">
+  <p:cSld>
+    <p:spTree>
+      <p:nvGrpSpPr>
+        <p:cNvPr id="1" name=""/>
+        <p:cNvGrpSpPr/>
+        <p:nvPr/>
+      </p:nvGrpSpPr>
+      <p:grpSpPr>
+        <a:xfrm>
+          <a:off x="0" y="0"/>
+          <a:ext cx="0" cy="0"/>
+          <a:chOff x="0" y="0"/>
+          <a:chExt cx="0" cy="0"/>
+        </a:xfrm>
+      </p:grpSpPr>
+      <p:grpSp>
+        <p:nvGrpSpPr>
+          <p:cNvPr id="4" name="组合 3">
+            <a:extLst>
+              <a:ext uri="{FF2B5EF4-FFF2-40B4-BE49-F238E27FC236}">
+                <a16:creationId xmlns:a16="http://schemas.microsoft.com/office/drawing/2014/main" id="{91FADBD9-142B-4E78-B74D-A2D504F22B18}"/>
+              </a:ext>
+            </a:extLst>
+          </p:cNvPr>
+          <p:cNvGrpSpPr/>
+          <p:nvPr/>
+        </p:nvGrpSpPr>
+        <p:grpSpPr>
+          <a:xfrm>
+            <a:off x="3034595" y="2147887"/>
+            <a:ext cx="5849759" cy="2777302"/>
+            <a:chOff x="3034595" y="2147887"/>
+            <a:chExt cx="5849759" cy="2777302"/>
+          </a:xfrm>
+        </p:grpSpPr>
+        <p:pic>
+          <p:nvPicPr>
+            <p:cNvPr id="5" name="图片 4">
+              <a:extLst>
+                <a:ext uri="{FF2B5EF4-FFF2-40B4-BE49-F238E27FC236}">
+                  <a16:creationId xmlns:a16="http://schemas.microsoft.com/office/drawing/2014/main" id="{CD5F6D8D-054B-4762-B34A-0F289D66323D}"/>
+                </a:ext>
+              </a:extLst>
+            </p:cNvPr>
+            <p:cNvPicPr>
+              <a:picLocks noChangeAspect="1"/>
+            </p:cNvPicPr>
+            <p:nvPr/>
+          </p:nvPicPr>
+          <p:blipFill>
+            <a:blip r:embed="rId2"/>
+            <a:stretch>
+              <a:fillRect/>
+            </a:stretch>
+          </p:blipFill>
+          <p:spPr>
+            <a:xfrm>
+              <a:off x="3034595" y="2147887"/>
+              <a:ext cx="2333347" cy="2777302"/>
+            </a:xfrm>
+            <a:prstGeom prst="rect">
+              <a:avLst/>
+            </a:prstGeom>
+          </p:spPr>
+        </p:pic>
+        <p:pic>
+          <p:nvPicPr>
+            <p:cNvPr id="7" name="图片 6">
+              <a:extLst>
+                <a:ext uri="{FF2B5EF4-FFF2-40B4-BE49-F238E27FC236}">
+                  <a16:creationId xmlns:a16="http://schemas.microsoft.com/office/drawing/2014/main" id="{D0F42E47-3678-4A60-9D0B-F1231EA4A224}"/>
+                </a:ext>
+              </a:extLst>
+            </p:cNvPr>
+            <p:cNvPicPr>
+              <a:picLocks noChangeAspect="1"/>
+            </p:cNvPicPr>
+            <p:nvPr/>
+          </p:nvPicPr>
+          <p:blipFill>
+            <a:blip r:embed="rId3"/>
+            <a:stretch>
+              <a:fillRect/>
+            </a:stretch>
+          </p:blipFill>
+          <p:spPr>
+            <a:xfrm>
+              <a:off x="6731705" y="2147887"/>
+              <a:ext cx="2152649" cy="2777302"/>
+            </a:xfrm>
+            <a:prstGeom prst="rect">
+              <a:avLst/>
+            </a:prstGeom>
+          </p:spPr>
+        </p:pic>
+        <p:sp>
+          <p:nvSpPr>
+            <p:cNvPr id="8" name="椭圆 7">
+              <a:extLst>
+                <a:ext uri="{FF2B5EF4-FFF2-40B4-BE49-F238E27FC236}">
+                  <a16:creationId xmlns:a16="http://schemas.microsoft.com/office/drawing/2014/main" id="{C37ABF17-EA5C-47D8-9D89-04647CC8899B}"/>
+                </a:ext>
+              </a:extLst>
+            </p:cNvPr>
+            <p:cNvSpPr/>
+            <p:nvPr/>
+          </p:nvSpPr>
+          <p:spPr>
+            <a:xfrm>
+              <a:off x="3257550" y="2832100"/>
+              <a:ext cx="95250" cy="95250"/>
+            </a:xfrm>
+            <a:prstGeom prst="ellipse">
+              <a:avLst/>
+            </a:prstGeom>
+            <a:solidFill>
+              <a:srgbClr val="0070C0"/>
+            </a:solidFill>
+          </p:spPr>
+          <p:style>
+            <a:lnRef idx="2">
+              <a:schemeClr val="accent1">
+                <a:shade val="50000"/>
+              </a:schemeClr>
+            </a:lnRef>
+            <a:fillRef idx="1">
+              <a:schemeClr val="accent1"/>
+            </a:fillRef>
+            <a:effectRef idx="0">
+              <a:schemeClr val="accent1"/>
+            </a:effectRef>
+            <a:fontRef idx="minor">
+              <a:schemeClr val="lt1"/>
+            </a:fontRef>
+          </p:style>
+          <p:txBody>
+            <a:bodyPr rtlCol="0" anchor="ctr"/>
+            <a:lstStyle/>
+            <a:p>
+              <a:pPr algn="ctr"/>
+              <a:endParaRPr lang="zh-CN" altLang="en-US"/>
+            </a:p>
+          </p:txBody>
+        </p:sp>
+        <p:sp>
+          <p:nvSpPr>
+            <p:cNvPr id="10" name="椭圆 9">
+              <a:extLst>
+                <a:ext uri="{FF2B5EF4-FFF2-40B4-BE49-F238E27FC236}">
+                  <a16:creationId xmlns:a16="http://schemas.microsoft.com/office/drawing/2014/main" id="{566D12BC-5D1B-406E-BC21-547C29279AC6}"/>
+                </a:ext>
+              </a:extLst>
+            </p:cNvPr>
+            <p:cNvSpPr/>
+            <p:nvPr/>
+          </p:nvSpPr>
+          <p:spPr>
+            <a:xfrm>
+              <a:off x="3594100" y="2457450"/>
+              <a:ext cx="95250" cy="95250"/>
+            </a:xfrm>
+            <a:prstGeom prst="ellipse">
+              <a:avLst/>
+            </a:prstGeom>
+            <a:solidFill>
+              <a:srgbClr val="0070C0"/>
+            </a:solidFill>
+          </p:spPr>
+          <p:style>
+            <a:lnRef idx="2">
+              <a:schemeClr val="accent1">
+                <a:shade val="50000"/>
+              </a:schemeClr>
+            </a:lnRef>
+            <a:fillRef idx="1">
+              <a:schemeClr val="accent1"/>
+            </a:fillRef>
+            <a:effectRef idx="0">
+              <a:schemeClr val="accent1"/>
+            </a:effectRef>
+            <a:fontRef idx="minor">
+              <a:schemeClr val="lt1"/>
+            </a:fontRef>
+          </p:style>
+          <p:txBody>
+            <a:bodyPr rtlCol="0" anchor="ctr"/>
+            <a:lstStyle/>
+            <a:p>
+              <a:pPr algn="ctr"/>
+              <a:endParaRPr lang="zh-CN" altLang="en-US"/>
+            </a:p>
+          </p:txBody>
+        </p:sp>
+        <p:sp>
+          <p:nvSpPr>
+            <p:cNvPr id="12" name="椭圆 11">
+              <a:extLst>
+                <a:ext uri="{FF2B5EF4-FFF2-40B4-BE49-F238E27FC236}">
+                  <a16:creationId xmlns:a16="http://schemas.microsoft.com/office/drawing/2014/main" id="{C1307E8D-0286-4F73-97FA-F93C920D86AD}"/>
+                </a:ext>
+              </a:extLst>
+            </p:cNvPr>
+            <p:cNvSpPr/>
+            <p:nvPr/>
+          </p:nvSpPr>
+          <p:spPr>
+            <a:xfrm>
+              <a:off x="3873500" y="2552700"/>
+              <a:ext cx="95250" cy="95250"/>
+            </a:xfrm>
+            <a:prstGeom prst="ellipse">
+              <a:avLst/>
+            </a:prstGeom>
+            <a:solidFill>
+              <a:srgbClr val="0070C0"/>
+            </a:solidFill>
+          </p:spPr>
+          <p:style>
+            <a:lnRef idx="2">
+              <a:schemeClr val="accent1">
+                <a:shade val="50000"/>
+              </a:schemeClr>
+            </a:lnRef>
+            <a:fillRef idx="1">
+              <a:schemeClr val="accent1"/>
+            </a:fillRef>
+            <a:effectRef idx="0">
+              <a:schemeClr val="accent1"/>
+            </a:effectRef>
+            <a:fontRef idx="minor">
+              <a:schemeClr val="lt1"/>
+            </a:fontRef>
+          </p:style>
+          <p:txBody>
+            <a:bodyPr rtlCol="0" anchor="ctr"/>
+            <a:lstStyle/>
+            <a:p>
+              <a:pPr algn="ctr"/>
+              <a:endParaRPr lang="zh-CN" altLang="en-US"/>
+            </a:p>
+          </p:txBody>
+        </p:sp>
+        <p:sp>
+          <p:nvSpPr>
+            <p:cNvPr id="14" name="椭圆 13">
+              <a:extLst>
+                <a:ext uri="{FF2B5EF4-FFF2-40B4-BE49-F238E27FC236}">
+                  <a16:creationId xmlns:a16="http://schemas.microsoft.com/office/drawing/2014/main" id="{71C4666E-6ABD-4725-A268-BD85F8C903DA}"/>
+                </a:ext>
+              </a:extLst>
+            </p:cNvPr>
+            <p:cNvSpPr/>
+            <p:nvPr/>
+          </p:nvSpPr>
+          <p:spPr>
+            <a:xfrm>
+              <a:off x="3873500" y="2917825"/>
+              <a:ext cx="95250" cy="95250"/>
+            </a:xfrm>
+            <a:prstGeom prst="ellipse">
+              <a:avLst/>
+            </a:prstGeom>
+            <a:solidFill>
+              <a:srgbClr val="0070C0"/>
+            </a:solidFill>
+          </p:spPr>
+          <p:style>
+            <a:lnRef idx="2">
+              <a:schemeClr val="accent1">
+                <a:shade val="50000"/>
+              </a:schemeClr>
+            </a:lnRef>
+            <a:fillRef idx="1">
+              <a:schemeClr val="accent1"/>
+            </a:fillRef>
+            <a:effectRef idx="0">
+              <a:schemeClr val="accent1"/>
+            </a:effectRef>
+            <a:fontRef idx="minor">
+              <a:schemeClr val="lt1"/>
+            </a:fontRef>
+          </p:style>
+          <p:txBody>
+            <a:bodyPr rtlCol="0" anchor="ctr"/>
+            <a:lstStyle/>
+            <a:p>
+              <a:pPr algn="ctr"/>
+              <a:endParaRPr lang="zh-CN" altLang="en-US"/>
+            </a:p>
+          </p:txBody>
+        </p:sp>
+        <p:sp>
+          <p:nvSpPr>
+            <p:cNvPr id="16" name="椭圆 15">
+              <a:extLst>
+                <a:ext uri="{FF2B5EF4-FFF2-40B4-BE49-F238E27FC236}">
+                  <a16:creationId xmlns:a16="http://schemas.microsoft.com/office/drawing/2014/main" id="{72E03F25-DD92-4BB7-9763-546A054FA43B}"/>
+                </a:ext>
+              </a:extLst>
+            </p:cNvPr>
+            <p:cNvSpPr/>
+            <p:nvPr/>
+          </p:nvSpPr>
+          <p:spPr>
+            <a:xfrm>
+              <a:off x="3498850" y="3691319"/>
+              <a:ext cx="95250" cy="95250"/>
+            </a:xfrm>
+            <a:prstGeom prst="ellipse">
+              <a:avLst/>
+            </a:prstGeom>
+            <a:solidFill>
+              <a:srgbClr val="0070C0"/>
+            </a:solidFill>
+          </p:spPr>
+          <p:style>
+            <a:lnRef idx="2">
+              <a:schemeClr val="accent1">
+                <a:shade val="50000"/>
+              </a:schemeClr>
+            </a:lnRef>
+            <a:fillRef idx="1">
+              <a:schemeClr val="accent1"/>
+            </a:fillRef>
+            <a:effectRef idx="0">
+              <a:schemeClr val="accent1"/>
+            </a:effectRef>
+            <a:fontRef idx="minor">
+              <a:schemeClr val="lt1"/>
+            </a:fontRef>
+          </p:style>
+          <p:txBody>
+            <a:bodyPr rtlCol="0" anchor="ctr"/>
+            <a:lstStyle/>
+            <a:p>
+              <a:pPr algn="ctr"/>
+              <a:endParaRPr lang="zh-CN" altLang="en-US"/>
+            </a:p>
+          </p:txBody>
+        </p:sp>
+        <p:sp>
+          <p:nvSpPr>
+            <p:cNvPr id="18" name="椭圆 17">
+              <a:extLst>
+                <a:ext uri="{FF2B5EF4-FFF2-40B4-BE49-F238E27FC236}">
+                  <a16:creationId xmlns:a16="http://schemas.microsoft.com/office/drawing/2014/main" id="{D8F70C52-C2CF-4E59-988C-0B3528DCFFB2}"/>
+                </a:ext>
+              </a:extLst>
+            </p:cNvPr>
+            <p:cNvSpPr/>
+            <p:nvPr/>
+          </p:nvSpPr>
+          <p:spPr>
+            <a:xfrm>
+              <a:off x="4233018" y="3812954"/>
+              <a:ext cx="95250" cy="95250"/>
+            </a:xfrm>
+            <a:prstGeom prst="ellipse">
+              <a:avLst/>
+            </a:prstGeom>
+            <a:solidFill>
+              <a:srgbClr val="0070C0"/>
+            </a:solidFill>
+          </p:spPr>
+          <p:style>
+            <a:lnRef idx="2">
+              <a:schemeClr val="accent1">
+                <a:shade val="50000"/>
+              </a:schemeClr>
+            </a:lnRef>
+            <a:fillRef idx="1">
+              <a:schemeClr val="accent1"/>
+            </a:fillRef>
+            <a:effectRef idx="0">
+              <a:schemeClr val="accent1"/>
+            </a:effectRef>
+            <a:fontRef idx="minor">
+              <a:schemeClr val="lt1"/>
+            </a:fontRef>
+          </p:style>
+          <p:txBody>
+            <a:bodyPr rtlCol="0" anchor="ctr"/>
+            <a:lstStyle/>
+            <a:p>
+              <a:pPr algn="ctr"/>
+              <a:endParaRPr lang="zh-CN" altLang="en-US"/>
+            </a:p>
+          </p:txBody>
+        </p:sp>
+        <p:sp>
+          <p:nvSpPr>
+            <p:cNvPr id="20" name="椭圆 19">
+              <a:extLst>
+                <a:ext uri="{FF2B5EF4-FFF2-40B4-BE49-F238E27FC236}">
+                  <a16:creationId xmlns:a16="http://schemas.microsoft.com/office/drawing/2014/main" id="{DE879360-AC63-4180-A688-022DF14BBA40}"/>
+                </a:ext>
+              </a:extLst>
+            </p:cNvPr>
+            <p:cNvSpPr/>
+            <p:nvPr/>
+          </p:nvSpPr>
+          <p:spPr>
+            <a:xfrm>
+              <a:off x="3594100" y="4200526"/>
+              <a:ext cx="95250" cy="95250"/>
+            </a:xfrm>
+            <a:prstGeom prst="ellipse">
+              <a:avLst/>
+            </a:prstGeom>
+            <a:solidFill>
+              <a:srgbClr val="0070C0"/>
+            </a:solidFill>
+          </p:spPr>
+          <p:style>
+            <a:lnRef idx="2">
+              <a:schemeClr val="accent1">
+                <a:shade val="50000"/>
+              </a:schemeClr>
+            </a:lnRef>
+            <a:fillRef idx="1">
+              <a:schemeClr val="accent1"/>
+            </a:fillRef>
+            <a:effectRef idx="0">
+              <a:schemeClr val="accent1"/>
+            </a:effectRef>
+            <a:fontRef idx="minor">
+              <a:schemeClr val="lt1"/>
+            </a:fontRef>
+          </p:style>
+          <p:txBody>
+            <a:bodyPr rtlCol="0" anchor="ctr"/>
+            <a:lstStyle/>
+            <a:p>
+              <a:pPr algn="ctr"/>
+              <a:endParaRPr lang="zh-CN" altLang="en-US"/>
+            </a:p>
+          </p:txBody>
+        </p:sp>
+        <p:sp>
+          <p:nvSpPr>
+            <p:cNvPr id="22" name="椭圆 21">
+              <a:extLst>
+                <a:ext uri="{FF2B5EF4-FFF2-40B4-BE49-F238E27FC236}">
+                  <a16:creationId xmlns:a16="http://schemas.microsoft.com/office/drawing/2014/main" id="{0C188117-0A95-4DBD-850C-28863DD446A9}"/>
+                </a:ext>
+              </a:extLst>
+            </p:cNvPr>
+            <p:cNvSpPr/>
+            <p:nvPr/>
+          </p:nvSpPr>
+          <p:spPr>
+            <a:xfrm>
+              <a:off x="4481021" y="4152901"/>
+              <a:ext cx="95250" cy="95250"/>
+            </a:xfrm>
+            <a:prstGeom prst="ellipse">
+              <a:avLst/>
+            </a:prstGeom>
+            <a:solidFill>
+              <a:srgbClr val="0070C0"/>
+            </a:solidFill>
+          </p:spPr>
+          <p:style>
+            <a:lnRef idx="2">
+              <a:schemeClr val="accent1">
+                <a:shade val="50000"/>
+              </a:schemeClr>
+            </a:lnRef>
+            <a:fillRef idx="1">
+              <a:schemeClr val="accent1"/>
+            </a:fillRef>
+            <a:effectRef idx="0">
+              <a:schemeClr val="accent1"/>
+            </a:effectRef>
+            <a:fontRef idx="minor">
+              <a:schemeClr val="lt1"/>
+            </a:fontRef>
+          </p:style>
+          <p:txBody>
+            <a:bodyPr rtlCol="0" anchor="ctr"/>
+            <a:lstStyle/>
+            <a:p>
+              <a:pPr algn="ctr"/>
+              <a:endParaRPr lang="zh-CN" altLang="en-US"/>
+            </a:p>
+          </p:txBody>
+        </p:sp>
+        <p:sp>
+          <p:nvSpPr>
+            <p:cNvPr id="24" name="椭圆 23">
+              <a:extLst>
+                <a:ext uri="{FF2B5EF4-FFF2-40B4-BE49-F238E27FC236}">
+                  <a16:creationId xmlns:a16="http://schemas.microsoft.com/office/drawing/2014/main" id="{F3838911-0AB5-4751-8C88-F024075BBD78}"/>
+                </a:ext>
+              </a:extLst>
+            </p:cNvPr>
+            <p:cNvSpPr/>
+            <p:nvPr/>
+          </p:nvSpPr>
+          <p:spPr>
+            <a:xfrm>
+              <a:off x="3892550" y="3333750"/>
+              <a:ext cx="95250" cy="95250"/>
+            </a:xfrm>
+            <a:prstGeom prst="ellipse">
+              <a:avLst/>
+            </a:prstGeom>
+            <a:solidFill>
+              <a:srgbClr val="0070C0"/>
+            </a:solidFill>
+          </p:spPr>
+          <p:style>
+            <a:lnRef idx="2">
+              <a:schemeClr val="accent1">
+                <a:shade val="50000"/>
+              </a:schemeClr>
+            </a:lnRef>
+            <a:fillRef idx="1">
+              <a:schemeClr val="accent1"/>
+            </a:fillRef>
+            <a:effectRef idx="0">
+              <a:schemeClr val="accent1"/>
+            </a:effectRef>
+            <a:fontRef idx="minor">
+              <a:schemeClr val="lt1"/>
+            </a:fontRef>
+          </p:style>
+          <p:txBody>
+            <a:bodyPr rtlCol="0" anchor="ctr"/>
+            <a:lstStyle/>
+            <a:p>
+              <a:pPr algn="ctr"/>
+              <a:endParaRPr lang="zh-CN" altLang="en-US"/>
+            </a:p>
+          </p:txBody>
+        </p:sp>
+        <p:sp>
+          <p:nvSpPr>
+            <p:cNvPr id="26" name="椭圆 25">
+              <a:extLst>
+                <a:ext uri="{FF2B5EF4-FFF2-40B4-BE49-F238E27FC236}">
+                  <a16:creationId xmlns:a16="http://schemas.microsoft.com/office/drawing/2014/main" id="{95BED2E1-BBC2-44A5-AB70-272105326BFE}"/>
+                </a:ext>
+              </a:extLst>
+            </p:cNvPr>
+            <p:cNvSpPr/>
+            <p:nvPr/>
+          </p:nvSpPr>
+          <p:spPr>
+            <a:xfrm>
+              <a:off x="7760404" y="2457450"/>
+              <a:ext cx="95250" cy="95250"/>
+            </a:xfrm>
+            <a:prstGeom prst="ellipse">
+              <a:avLst/>
+            </a:prstGeom>
+            <a:solidFill>
+              <a:srgbClr val="0070C0"/>
+            </a:solidFill>
+          </p:spPr>
+          <p:style>
+            <a:lnRef idx="2">
+              <a:schemeClr val="accent1">
+                <a:shade val="50000"/>
+              </a:schemeClr>
+            </a:lnRef>
+            <a:fillRef idx="1">
+              <a:schemeClr val="accent1"/>
+            </a:fillRef>
+            <a:effectRef idx="0">
+              <a:schemeClr val="accent1"/>
+            </a:effectRef>
+            <a:fontRef idx="minor">
+              <a:schemeClr val="lt1"/>
+            </a:fontRef>
+          </p:style>
+          <p:txBody>
+            <a:bodyPr rtlCol="0" anchor="ctr"/>
+            <a:lstStyle/>
+            <a:p>
+              <a:pPr algn="ctr"/>
+              <a:endParaRPr lang="zh-CN" altLang="en-US"/>
+            </a:p>
+          </p:txBody>
+        </p:sp>
+        <p:sp>
+          <p:nvSpPr>
+            <p:cNvPr id="28" name="椭圆 27">
+              <a:extLst>
+                <a:ext uri="{FF2B5EF4-FFF2-40B4-BE49-F238E27FC236}">
+                  <a16:creationId xmlns:a16="http://schemas.microsoft.com/office/drawing/2014/main" id="{2427DDAA-A10E-446C-8E13-4DAEC0258249}"/>
+                </a:ext>
+              </a:extLst>
+            </p:cNvPr>
+            <p:cNvSpPr/>
+            <p:nvPr/>
+          </p:nvSpPr>
+          <p:spPr>
+            <a:xfrm>
+              <a:off x="7712779" y="3209925"/>
+              <a:ext cx="95250" cy="95250"/>
+            </a:xfrm>
+            <a:prstGeom prst="ellipse">
+              <a:avLst/>
+            </a:prstGeom>
+            <a:solidFill>
+              <a:srgbClr val="0070C0"/>
+            </a:solidFill>
+          </p:spPr>
+          <p:style>
+            <a:lnRef idx="2">
+              <a:schemeClr val="accent1">
+                <a:shade val="50000"/>
+              </a:schemeClr>
+            </a:lnRef>
+            <a:fillRef idx="1">
+              <a:schemeClr val="accent1"/>
+            </a:fillRef>
+            <a:effectRef idx="0">
+              <a:schemeClr val="accent1"/>
+            </a:effectRef>
+            <a:fontRef idx="minor">
+              <a:schemeClr val="lt1"/>
+            </a:fontRef>
+          </p:style>
+          <p:txBody>
+            <a:bodyPr rtlCol="0" anchor="ctr"/>
+            <a:lstStyle/>
+            <a:p>
+              <a:pPr algn="ctr"/>
+              <a:endParaRPr lang="zh-CN" altLang="en-US"/>
+            </a:p>
+          </p:txBody>
+        </p:sp>
+        <p:sp>
+          <p:nvSpPr>
+            <p:cNvPr id="30" name="椭圆 29">
+              <a:extLst>
+                <a:ext uri="{FF2B5EF4-FFF2-40B4-BE49-F238E27FC236}">
+                  <a16:creationId xmlns:a16="http://schemas.microsoft.com/office/drawing/2014/main" id="{7B230A93-BA00-49CE-8A19-366E2A62F27F}"/>
+                </a:ext>
+              </a:extLst>
+            </p:cNvPr>
+            <p:cNvSpPr/>
+            <p:nvPr/>
+          </p:nvSpPr>
+          <p:spPr>
+            <a:xfrm>
+              <a:off x="7575902" y="2736850"/>
+              <a:ext cx="95250" cy="95250"/>
+            </a:xfrm>
+            <a:prstGeom prst="ellipse">
+              <a:avLst/>
+            </a:prstGeom>
+            <a:solidFill>
+              <a:srgbClr val="0070C0"/>
+            </a:solidFill>
+          </p:spPr>
+          <p:style>
+            <a:lnRef idx="2">
+              <a:schemeClr val="accent1">
+                <a:shade val="50000"/>
+              </a:schemeClr>
+            </a:lnRef>
+            <a:fillRef idx="1">
+              <a:schemeClr val="accent1"/>
+            </a:fillRef>
+            <a:effectRef idx="0">
+              <a:schemeClr val="accent1"/>
+            </a:effectRef>
+            <a:fontRef idx="minor">
+              <a:schemeClr val="lt1"/>
+            </a:fontRef>
+          </p:style>
+          <p:txBody>
+            <a:bodyPr rtlCol="0" anchor="ctr"/>
+            <a:lstStyle/>
+            <a:p>
+              <a:pPr algn="ctr"/>
+              <a:endParaRPr lang="zh-CN" altLang="en-US"/>
+            </a:p>
+          </p:txBody>
+        </p:sp>
+        <p:sp>
+          <p:nvSpPr>
+            <p:cNvPr id="32" name="椭圆 31">
+              <a:extLst>
+                <a:ext uri="{FF2B5EF4-FFF2-40B4-BE49-F238E27FC236}">
+                  <a16:creationId xmlns:a16="http://schemas.microsoft.com/office/drawing/2014/main" id="{240370B0-ABE5-4B0C-9647-E980A6372A1A}"/>
+                </a:ext>
+              </a:extLst>
+            </p:cNvPr>
+            <p:cNvSpPr/>
+            <p:nvPr/>
+          </p:nvSpPr>
+          <p:spPr>
+            <a:xfrm>
+              <a:off x="7855654" y="2679700"/>
+              <a:ext cx="95250" cy="95250"/>
+            </a:xfrm>
+            <a:prstGeom prst="ellipse">
+              <a:avLst/>
+            </a:prstGeom>
+            <a:solidFill>
+              <a:srgbClr val="0070C0"/>
+            </a:solidFill>
+          </p:spPr>
+          <p:style>
+            <a:lnRef idx="2">
+              <a:schemeClr val="accent1">
+                <a:shade val="50000"/>
+              </a:schemeClr>
+            </a:lnRef>
+            <a:fillRef idx="1">
+              <a:schemeClr val="accent1"/>
+            </a:fillRef>
+            <a:effectRef idx="0">
+              <a:schemeClr val="accent1"/>
+            </a:effectRef>
+            <a:fontRef idx="minor">
+              <a:schemeClr val="lt1"/>
+            </a:fontRef>
+          </p:style>
+          <p:txBody>
+            <a:bodyPr rtlCol="0" anchor="ctr"/>
+            <a:lstStyle/>
+            <a:p>
+              <a:pPr algn="ctr"/>
+              <a:endParaRPr lang="zh-CN" altLang="en-US"/>
+            </a:p>
+          </p:txBody>
+        </p:sp>
+        <p:sp>
+          <p:nvSpPr>
+            <p:cNvPr id="34" name="椭圆 33">
+              <a:extLst>
+                <a:ext uri="{FF2B5EF4-FFF2-40B4-BE49-F238E27FC236}">
+                  <a16:creationId xmlns:a16="http://schemas.microsoft.com/office/drawing/2014/main" id="{6CE0A08B-84ED-4C93-B459-6C9E5BA196AE}"/>
+                </a:ext>
+              </a:extLst>
+            </p:cNvPr>
+            <p:cNvSpPr/>
+            <p:nvPr/>
+          </p:nvSpPr>
+          <p:spPr>
+            <a:xfrm>
+              <a:off x="7528277" y="3596069"/>
+              <a:ext cx="95250" cy="95250"/>
+            </a:xfrm>
+            <a:prstGeom prst="ellipse">
+              <a:avLst/>
+            </a:prstGeom>
+            <a:solidFill>
+              <a:srgbClr val="0070C0"/>
+            </a:solidFill>
+          </p:spPr>
+          <p:style>
+            <a:lnRef idx="2">
+              <a:schemeClr val="accent1">
+                <a:shade val="50000"/>
+              </a:schemeClr>
+            </a:lnRef>
+            <a:fillRef idx="1">
+              <a:schemeClr val="accent1"/>
+            </a:fillRef>
+            <a:effectRef idx="0">
+              <a:schemeClr val="accent1"/>
+            </a:effectRef>
+            <a:fontRef idx="minor">
+              <a:schemeClr val="lt1"/>
+            </a:fontRef>
+          </p:style>
+          <p:txBody>
+            <a:bodyPr rtlCol="0" anchor="ctr"/>
+            <a:lstStyle/>
+            <a:p>
+              <a:pPr algn="ctr"/>
+              <a:endParaRPr lang="zh-CN" altLang="en-US"/>
+            </a:p>
+          </p:txBody>
+        </p:sp>
+        <p:sp>
+          <p:nvSpPr>
+            <p:cNvPr id="36" name="椭圆 35">
+              <a:extLst>
+                <a:ext uri="{FF2B5EF4-FFF2-40B4-BE49-F238E27FC236}">
+                  <a16:creationId xmlns:a16="http://schemas.microsoft.com/office/drawing/2014/main" id="{7D7FDA2D-717A-4609-BAAE-E01B36F017C6}"/>
+                </a:ext>
+              </a:extLst>
+            </p:cNvPr>
+            <p:cNvSpPr/>
+            <p:nvPr/>
+          </p:nvSpPr>
+          <p:spPr>
+            <a:xfrm>
+              <a:off x="7760404" y="4019932"/>
+              <a:ext cx="95250" cy="95250"/>
+            </a:xfrm>
+            <a:prstGeom prst="ellipse">
+              <a:avLst/>
+            </a:prstGeom>
+            <a:solidFill>
+              <a:srgbClr val="0070C0"/>
+            </a:solidFill>
+          </p:spPr>
+          <p:style>
+            <a:lnRef idx="2">
+              <a:schemeClr val="accent1">
+                <a:shade val="50000"/>
+              </a:schemeClr>
+            </a:lnRef>
+            <a:fillRef idx="1">
+              <a:schemeClr val="accent1"/>
+            </a:fillRef>
+            <a:effectRef idx="0">
+              <a:schemeClr val="accent1"/>
+            </a:effectRef>
+            <a:fontRef idx="minor">
+              <a:schemeClr val="lt1"/>
+            </a:fontRef>
+          </p:style>
+          <p:txBody>
+            <a:bodyPr rtlCol="0" anchor="ctr"/>
+            <a:lstStyle/>
+            <a:p>
+              <a:pPr algn="ctr"/>
+              <a:endParaRPr lang="zh-CN" altLang="en-US"/>
+            </a:p>
+          </p:txBody>
+        </p:sp>
+        <p:sp>
+          <p:nvSpPr>
+            <p:cNvPr id="38" name="椭圆 37">
+              <a:extLst>
+                <a:ext uri="{FF2B5EF4-FFF2-40B4-BE49-F238E27FC236}">
+                  <a16:creationId xmlns:a16="http://schemas.microsoft.com/office/drawing/2014/main" id="{DF22EB34-1B42-46DD-8416-4484529A75BC}"/>
+                </a:ext>
+              </a:extLst>
+            </p:cNvPr>
+            <p:cNvSpPr/>
+            <p:nvPr/>
+          </p:nvSpPr>
+          <p:spPr>
+            <a:xfrm>
+              <a:off x="7808029" y="3662553"/>
+              <a:ext cx="95250" cy="95250"/>
+            </a:xfrm>
+            <a:prstGeom prst="ellipse">
+              <a:avLst/>
+            </a:prstGeom>
+            <a:solidFill>
+              <a:srgbClr val="0070C0"/>
+            </a:solidFill>
+          </p:spPr>
+          <p:style>
+            <a:lnRef idx="2">
+              <a:schemeClr val="accent1">
+                <a:shade val="50000"/>
+              </a:schemeClr>
+            </a:lnRef>
+            <a:fillRef idx="1">
+              <a:schemeClr val="accent1"/>
+            </a:fillRef>
+            <a:effectRef idx="0">
+              <a:schemeClr val="accent1"/>
+            </a:effectRef>
+            <a:fontRef idx="minor">
+              <a:schemeClr val="lt1"/>
+            </a:fontRef>
+          </p:style>
+          <p:txBody>
+            <a:bodyPr rtlCol="0" anchor="ctr"/>
+            <a:lstStyle/>
+            <a:p>
+              <a:pPr algn="ctr"/>
+              <a:endParaRPr lang="zh-CN" altLang="en-US"/>
+            </a:p>
+          </p:txBody>
+        </p:sp>
+        <p:sp>
+          <p:nvSpPr>
+            <p:cNvPr id="40" name="椭圆 39">
+              <a:extLst>
+                <a:ext uri="{FF2B5EF4-FFF2-40B4-BE49-F238E27FC236}">
+                  <a16:creationId xmlns:a16="http://schemas.microsoft.com/office/drawing/2014/main" id="{FEB00BE3-039E-4DB8-90DD-7D78BDC6E25C}"/>
+                </a:ext>
+              </a:extLst>
+            </p:cNvPr>
+            <p:cNvSpPr/>
+            <p:nvPr/>
+          </p:nvSpPr>
+          <p:spPr>
+            <a:xfrm>
+              <a:off x="7480652" y="3956433"/>
+              <a:ext cx="95250" cy="95250"/>
+            </a:xfrm>
+            <a:prstGeom prst="ellipse">
+              <a:avLst/>
+            </a:prstGeom>
+            <a:solidFill>
+              <a:srgbClr val="0070C0"/>
+            </a:solidFill>
+          </p:spPr>
+          <p:style>
+            <a:lnRef idx="2">
+              <a:schemeClr val="accent1">
+                <a:shade val="50000"/>
+              </a:schemeClr>
+            </a:lnRef>
+            <a:fillRef idx="1">
+              <a:schemeClr val="accent1"/>
+            </a:fillRef>
+            <a:effectRef idx="0">
+              <a:schemeClr val="accent1"/>
+            </a:effectRef>
+            <a:fontRef idx="minor">
+              <a:schemeClr val="lt1"/>
+            </a:fontRef>
+          </p:style>
+          <p:txBody>
+            <a:bodyPr rtlCol="0" anchor="ctr"/>
+            <a:lstStyle/>
+            <a:p>
+              <a:pPr algn="ctr"/>
+              <a:endParaRPr lang="zh-CN" altLang="en-US"/>
+            </a:p>
+          </p:txBody>
+        </p:sp>
+        <p:sp>
+          <p:nvSpPr>
+            <p:cNvPr id="42" name="椭圆 41">
+              <a:extLst>
+                <a:ext uri="{FF2B5EF4-FFF2-40B4-BE49-F238E27FC236}">
+                  <a16:creationId xmlns:a16="http://schemas.microsoft.com/office/drawing/2014/main" id="{2DFE4B8F-5CD5-4DF3-ADE0-9DF49F8A36C0}"/>
+                </a:ext>
+              </a:extLst>
+            </p:cNvPr>
+            <p:cNvSpPr/>
+            <p:nvPr/>
+          </p:nvSpPr>
+          <p:spPr>
+            <a:xfrm>
+              <a:off x="7760404" y="3084703"/>
+              <a:ext cx="95250" cy="95250"/>
+            </a:xfrm>
+            <a:prstGeom prst="ellipse">
+              <a:avLst/>
+            </a:prstGeom>
+            <a:solidFill>
+              <a:srgbClr val="0070C0"/>
+            </a:solidFill>
+          </p:spPr>
+          <p:style>
+            <a:lnRef idx="2">
+              <a:schemeClr val="accent1">
+                <a:shade val="50000"/>
+              </a:schemeClr>
+            </a:lnRef>
+            <a:fillRef idx="1">
+              <a:schemeClr val="accent1"/>
+            </a:fillRef>
+            <a:effectRef idx="0">
+              <a:schemeClr val="accent1"/>
+            </a:effectRef>
+            <a:fontRef idx="minor">
+              <a:schemeClr val="lt1"/>
+            </a:fontRef>
+          </p:style>
+          <p:txBody>
+            <a:bodyPr rtlCol="0" anchor="ctr"/>
+            <a:lstStyle/>
+            <a:p>
+              <a:pPr algn="ctr"/>
+              <a:endParaRPr lang="zh-CN" altLang="en-US"/>
+            </a:p>
+          </p:txBody>
+        </p:sp>
+        <p:cxnSp>
+          <p:nvCxnSpPr>
+            <p:cNvPr id="47" name="直接连接符 46">
+              <a:extLst>
+                <a:ext uri="{FF2B5EF4-FFF2-40B4-BE49-F238E27FC236}">
+                  <a16:creationId xmlns:a16="http://schemas.microsoft.com/office/drawing/2014/main" id="{652F1C9C-A2CE-4927-BD33-4CAD1B8D7EA6}"/>
+                </a:ext>
+              </a:extLst>
+            </p:cNvPr>
+            <p:cNvCxnSpPr>
+              <a:cxnSpLocks/>
+              <a:stCxn id="34" idx="3"/>
+              <a:endCxn id="16" idx="6"/>
+            </p:cNvCxnSpPr>
+            <p:nvPr/>
+          </p:nvCxnSpPr>
+          <p:spPr>
+            <a:xfrm flipH="1">
+              <a:off x="3594100" y="3677370"/>
+              <a:ext cx="3948126" cy="61574"/>
+            </a:xfrm>
+            <a:prstGeom prst="line">
+              <a:avLst/>
+            </a:prstGeom>
+            <a:ln w="25400">
+              <a:solidFill>
+                <a:schemeClr val="accent4">
+                  <a:lumMod val="60000"/>
+                  <a:lumOff val="40000"/>
+                </a:schemeClr>
+              </a:solidFill>
+              <a:prstDash val="dash"/>
+              <a:headEnd type="triangle"/>
+              <a:tailEnd type="triangle"/>
+            </a:ln>
+          </p:spPr>
+          <p:style>
+            <a:lnRef idx="1">
+              <a:schemeClr val="accent1"/>
+            </a:lnRef>
+            <a:fillRef idx="0">
+              <a:schemeClr val="accent1"/>
+            </a:fillRef>
+            <a:effectRef idx="0">
+              <a:schemeClr val="accent1"/>
+            </a:effectRef>
+            <a:fontRef idx="minor">
+              <a:schemeClr val="tx1"/>
+            </a:fontRef>
+          </p:style>
+        </p:cxnSp>
+        <p:sp>
+          <p:nvSpPr>
+            <p:cNvPr id="2" name="矩形 1">
+              <a:extLst>
+                <a:ext uri="{FF2B5EF4-FFF2-40B4-BE49-F238E27FC236}">
+                  <a16:creationId xmlns:a16="http://schemas.microsoft.com/office/drawing/2014/main" id="{251FED34-E609-4690-923D-9BED08392E53}"/>
+                </a:ext>
+              </a:extLst>
+            </p:cNvPr>
+            <p:cNvSpPr/>
+            <p:nvPr/>
+          </p:nvSpPr>
+          <p:spPr>
+            <a:xfrm>
+              <a:off x="3316287" y="3505200"/>
+              <a:ext cx="576263" cy="451233"/>
+            </a:xfrm>
+            <a:prstGeom prst="rect">
+              <a:avLst/>
+            </a:prstGeom>
+            <a:solidFill>
+              <a:schemeClr val="accent1">
+                <a:alpha val="50000"/>
+              </a:schemeClr>
+            </a:solidFill>
+            <a:ln w="25400">
+              <a:solidFill>
+                <a:srgbClr val="FFC000"/>
+              </a:solidFill>
+              <a:prstDash val="dashDot"/>
+            </a:ln>
+          </p:spPr>
+          <p:style>
+            <a:lnRef idx="2">
+              <a:schemeClr val="accent1">
+                <a:shade val="50000"/>
+              </a:schemeClr>
+            </a:lnRef>
+            <a:fillRef idx="1">
+              <a:schemeClr val="accent1"/>
+            </a:fillRef>
+            <a:effectRef idx="0">
+              <a:schemeClr val="accent1"/>
+            </a:effectRef>
+            <a:fontRef idx="minor">
+              <a:schemeClr val="lt1"/>
+            </a:fontRef>
+          </p:style>
+          <p:txBody>
+            <a:bodyPr rtlCol="0" anchor="ctr"/>
+            <a:lstStyle/>
+            <a:p>
+              <a:pPr algn="ctr"/>
+              <a:endParaRPr lang="zh-CN" altLang="en-US"/>
+            </a:p>
+          </p:txBody>
+        </p:sp>
+        <p:sp>
+          <p:nvSpPr>
+            <p:cNvPr id="3" name="矩形 2">
+              <a:extLst>
+                <a:ext uri="{FF2B5EF4-FFF2-40B4-BE49-F238E27FC236}">
+                  <a16:creationId xmlns:a16="http://schemas.microsoft.com/office/drawing/2014/main" id="{00831AB6-B97B-4A45-A356-1EBFE06B1318}"/>
+                </a:ext>
+              </a:extLst>
+            </p:cNvPr>
+            <p:cNvSpPr/>
+            <p:nvPr/>
+          </p:nvSpPr>
+          <p:spPr>
+            <a:xfrm>
+              <a:off x="7254094" y="3433953"/>
+              <a:ext cx="576263" cy="451233"/>
+            </a:xfrm>
+            <a:prstGeom prst="rect">
+              <a:avLst/>
+            </a:prstGeom>
+            <a:solidFill>
+              <a:schemeClr val="accent1">
+                <a:alpha val="50000"/>
+              </a:schemeClr>
+            </a:solidFill>
+            <a:ln w="25400">
+              <a:solidFill>
+                <a:srgbClr val="FFC000"/>
+              </a:solidFill>
+              <a:prstDash val="dashDot"/>
+            </a:ln>
+          </p:spPr>
+          <p:style>
+            <a:lnRef idx="2">
+              <a:schemeClr val="accent1">
+                <a:shade val="50000"/>
+              </a:schemeClr>
+            </a:lnRef>
+            <a:fillRef idx="1">
+              <a:schemeClr val="accent1"/>
+            </a:fillRef>
+            <a:effectRef idx="0">
+              <a:schemeClr val="accent1"/>
+            </a:effectRef>
+            <a:fontRef idx="minor">
+              <a:schemeClr val="lt1"/>
+            </a:fontRef>
+          </p:style>
+          <p:txBody>
+            <a:bodyPr rtlCol="0" anchor="ctr"/>
+            <a:lstStyle/>
+            <a:p>
+              <a:pPr algn="ctr"/>
+              <a:endParaRPr lang="zh-CN" altLang="en-US"/>
+            </a:p>
+          </p:txBody>
+        </p:sp>
+        <p:cxnSp>
+          <p:nvCxnSpPr>
+            <p:cNvPr id="29" name="直接连接符 28">
+              <a:extLst>
+                <a:ext uri="{FF2B5EF4-FFF2-40B4-BE49-F238E27FC236}">
+                  <a16:creationId xmlns:a16="http://schemas.microsoft.com/office/drawing/2014/main" id="{5E0BA391-A710-4336-B46E-032146E8F2B4}"/>
+                </a:ext>
+              </a:extLst>
+            </p:cNvPr>
+            <p:cNvCxnSpPr>
+              <a:cxnSpLocks/>
+            </p:cNvCxnSpPr>
+            <p:nvPr/>
+          </p:nvCxnSpPr>
+          <p:spPr>
+            <a:xfrm flipH="1">
+              <a:off x="3598862" y="3543258"/>
+              <a:ext cx="3948126" cy="61574"/>
+            </a:xfrm>
+            <a:prstGeom prst="line">
+              <a:avLst/>
+            </a:prstGeom>
+            <a:ln w="12700">
+              <a:solidFill>
+                <a:schemeClr val="accent6">
+                  <a:lumMod val="40000"/>
+                  <a:lumOff val="60000"/>
+                </a:schemeClr>
+              </a:solidFill>
+              <a:prstDash val="dash"/>
+              <a:headEnd type="triangle"/>
+              <a:tailEnd type="triangle"/>
+            </a:ln>
+          </p:spPr>
+          <p:style>
+            <a:lnRef idx="1">
+              <a:schemeClr val="accent1"/>
+            </a:lnRef>
+            <a:fillRef idx="0">
+              <a:schemeClr val="accent1"/>
+            </a:fillRef>
+            <a:effectRef idx="0">
+              <a:schemeClr val="accent1"/>
+            </a:effectRef>
+            <a:fontRef idx="minor">
+              <a:schemeClr val="tx1"/>
+            </a:fontRef>
+          </p:style>
+        </p:cxnSp>
+        <p:cxnSp>
+          <p:nvCxnSpPr>
+            <p:cNvPr id="31" name="直接连接符 30">
+              <a:extLst>
+                <a:ext uri="{FF2B5EF4-FFF2-40B4-BE49-F238E27FC236}">
+                  <a16:creationId xmlns:a16="http://schemas.microsoft.com/office/drawing/2014/main" id="{239639E0-E0FE-4008-ACD5-1EF16DB4839C}"/>
+                </a:ext>
+              </a:extLst>
+            </p:cNvPr>
+            <p:cNvCxnSpPr>
+              <a:cxnSpLocks/>
+            </p:cNvCxnSpPr>
+            <p:nvPr/>
+          </p:nvCxnSpPr>
+          <p:spPr>
+            <a:xfrm flipH="1">
+              <a:off x="3580151" y="3782578"/>
+              <a:ext cx="3948126" cy="61574"/>
+            </a:xfrm>
+            <a:prstGeom prst="line">
+              <a:avLst/>
+            </a:prstGeom>
+            <a:ln w="12700">
+              <a:solidFill>
+                <a:schemeClr val="accent6">
+                  <a:lumMod val="40000"/>
+                  <a:lumOff val="60000"/>
+                </a:schemeClr>
+              </a:solidFill>
+              <a:prstDash val="dash"/>
+              <a:headEnd type="triangle"/>
+              <a:tailEnd type="triangle"/>
+            </a:ln>
+          </p:spPr>
+          <p:style>
+            <a:lnRef idx="1">
+              <a:schemeClr val="accent1"/>
+            </a:lnRef>
+            <a:fillRef idx="0">
+              <a:schemeClr val="accent1"/>
+            </a:fillRef>
+            <a:effectRef idx="0">
+              <a:schemeClr val="accent1"/>
+            </a:effectRef>
+            <a:fontRef idx="minor">
+              <a:schemeClr val="tx1"/>
+            </a:fontRef>
+          </p:style>
+        </p:cxnSp>
+        <p:cxnSp>
+          <p:nvCxnSpPr>
+            <p:cNvPr id="33" name="直接连接符 32">
+              <a:extLst>
+                <a:ext uri="{FF2B5EF4-FFF2-40B4-BE49-F238E27FC236}">
+                  <a16:creationId xmlns:a16="http://schemas.microsoft.com/office/drawing/2014/main" id="{08FA0A99-B41A-479A-9EAF-015771AE9F7C}"/>
+                </a:ext>
+              </a:extLst>
+            </p:cNvPr>
+            <p:cNvCxnSpPr>
+              <a:cxnSpLocks/>
+            </p:cNvCxnSpPr>
+            <p:nvPr/>
+          </p:nvCxnSpPr>
+          <p:spPr>
+            <a:xfrm flipH="1">
+              <a:off x="3738549" y="3490654"/>
+              <a:ext cx="3948126" cy="61574"/>
+            </a:xfrm>
+            <a:prstGeom prst="line">
+              <a:avLst/>
+            </a:prstGeom>
+            <a:ln w="12700">
+              <a:solidFill>
+                <a:schemeClr val="accent6">
+                  <a:lumMod val="40000"/>
+                  <a:lumOff val="60000"/>
+                </a:schemeClr>
+              </a:solidFill>
+              <a:prstDash val="dash"/>
+              <a:headEnd type="triangle"/>
+              <a:tailEnd type="triangle"/>
+            </a:ln>
+          </p:spPr>
+          <p:style>
+            <a:lnRef idx="1">
+              <a:schemeClr val="accent1"/>
+            </a:lnRef>
+            <a:fillRef idx="0">
+              <a:schemeClr val="accent1"/>
+            </a:fillRef>
+            <a:effectRef idx="0">
+              <a:schemeClr val="accent1"/>
+            </a:effectRef>
+            <a:fontRef idx="minor">
+              <a:schemeClr val="tx1"/>
+            </a:fontRef>
+          </p:style>
+        </p:cxnSp>
+      </p:grpSp>
+    </p:spTree>
+    <p:extLst>
+      <p:ext uri="{BB962C8B-B14F-4D97-AF65-F5344CB8AC3E}">
+        <p14:creationId xmlns:p14="http://schemas.microsoft.com/office/powerpoint/2010/main" val="2952143784"/>
+      </p:ext>
+    </p:extLst>
+  </p:cSld>
+  <p:clrMapOvr>
+    <a:masterClrMapping/>
+  </p:clrMapOvr>
+</p:sld>
+</file>
+
+<file path=ppt/slides/slide3.xml><?xml version="1.0" encoding="utf-8"?>
+<p:sld xmlns:a="http://schemas.openxmlformats.org/drawingml/2006/main" xmlns:r="http://schemas.openxmlformats.org/officeDocument/2006/relationships" xmlns:p="http://schemas.openxmlformats.org/presentationml/2006/main">
+  <p:cSld>
+    <p:spTree>
+      <p:nvGrpSpPr>
+        <p:cNvPr id="1" name=""/>
+        <p:cNvGrpSpPr/>
+        <p:nvPr/>
+      </p:nvGrpSpPr>
+      <p:grpSpPr>
+        <a:xfrm>
+          <a:off x="0" y="0"/>
+          <a:ext cx="0" cy="0"/>
+          <a:chOff x="0" y="0"/>
+          <a:chExt cx="0" cy="0"/>
+        </a:xfrm>
+      </p:grpSpPr>
+      <p:grpSp>
+        <p:nvGrpSpPr>
+          <p:cNvPr id="80" name="组合 79">
+            <a:extLst>
+              <a:ext uri="{FF2B5EF4-FFF2-40B4-BE49-F238E27FC236}">
+                <a16:creationId xmlns:a16="http://schemas.microsoft.com/office/drawing/2014/main" id="{09F0CE47-2156-4D93-9D5D-7B45FFFB0BFE}"/>
+              </a:ext>
+            </a:extLst>
+          </p:cNvPr>
+          <p:cNvGrpSpPr/>
+          <p:nvPr/>
+        </p:nvGrpSpPr>
+        <p:grpSpPr>
+          <a:xfrm>
+            <a:off x="-819150" y="585699"/>
+            <a:ext cx="13927461" cy="5686602"/>
+            <a:chOff x="-819150" y="585699"/>
+            <a:chExt cx="13927461" cy="5686602"/>
+          </a:xfrm>
+        </p:grpSpPr>
+        <p:pic>
+          <p:nvPicPr>
+            <p:cNvPr id="3" name="图片 2">
+              <a:extLst>
+                <a:ext uri="{FF2B5EF4-FFF2-40B4-BE49-F238E27FC236}">
+                  <a16:creationId xmlns:a16="http://schemas.microsoft.com/office/drawing/2014/main" id="{A8D5A775-221B-4BA9-A944-DA86BF20E33F}"/>
+                </a:ext>
+              </a:extLst>
+            </p:cNvPr>
+            <p:cNvPicPr>
+              <a:picLocks noChangeAspect="1"/>
+            </p:cNvPicPr>
+            <p:nvPr/>
+          </p:nvPicPr>
+          <p:blipFill>
+            <a:blip r:embed="rId3"/>
+            <a:stretch>
+              <a:fillRect/>
+            </a:stretch>
+          </p:blipFill>
+          <p:spPr>
+            <a:xfrm>
+              <a:off x="-163538" y="585699"/>
+              <a:ext cx="2152650" cy="2562225"/>
+            </a:xfrm>
+            <a:prstGeom prst="rect">
+              <a:avLst/>
+            </a:prstGeom>
+          </p:spPr>
+        </p:pic>
+        <p:pic>
+          <p:nvPicPr>
+            <p:cNvPr id="6" name="图片 5">
+              <a:extLst>
+                <a:ext uri="{FF2B5EF4-FFF2-40B4-BE49-F238E27FC236}">
+                  <a16:creationId xmlns:a16="http://schemas.microsoft.com/office/drawing/2014/main" id="{F9DE2FF7-A5A4-4032-BF2A-869185CFF178}"/>
+                </a:ext>
+              </a:extLst>
+            </p:cNvPr>
+            <p:cNvPicPr>
+              <a:picLocks noChangeAspect="1"/>
+            </p:cNvPicPr>
+            <p:nvPr/>
+          </p:nvPicPr>
+          <p:blipFill>
+            <a:blip r:embed="rId4"/>
+            <a:stretch>
+              <a:fillRect/>
+            </a:stretch>
+          </p:blipFill>
+          <p:spPr>
+            <a:xfrm>
+              <a:off x="-131435" y="3503701"/>
+              <a:ext cx="2155484" cy="2768600"/>
+            </a:xfrm>
+            <a:prstGeom prst="rect">
+              <a:avLst/>
+            </a:prstGeom>
+          </p:spPr>
+        </p:pic>
+        <p:grpSp>
+          <p:nvGrpSpPr>
+            <p:cNvPr id="21" name="组合 20">
+              <a:extLst>
+                <a:ext uri="{FF2B5EF4-FFF2-40B4-BE49-F238E27FC236}">
+                  <a16:creationId xmlns:a16="http://schemas.microsoft.com/office/drawing/2014/main" id="{6D1612C7-34D6-4D7A-9C89-682F792D46C9}"/>
+                </a:ext>
+              </a:extLst>
+            </p:cNvPr>
+            <p:cNvGrpSpPr/>
+            <p:nvPr/>
+          </p:nvGrpSpPr>
+          <p:grpSpPr>
+            <a:xfrm>
+              <a:off x="3394228" y="2625990"/>
+              <a:ext cx="3217328" cy="1505656"/>
+              <a:chOff x="5198535" y="2678289"/>
+              <a:chExt cx="3217328" cy="1505656"/>
+            </a:xfrm>
+          </p:grpSpPr>
+          <p:sp>
+            <p:nvSpPr>
+              <p:cNvPr id="9" name="梯形 8">
+                <a:extLst>
+                  <a:ext uri="{FF2B5EF4-FFF2-40B4-BE49-F238E27FC236}">
+                    <a16:creationId xmlns:a16="http://schemas.microsoft.com/office/drawing/2014/main" id="{42BA3362-66AF-4C8D-8746-732D38148B4A}"/>
+                  </a:ext>
+                </a:extLst>
+              </p:cNvPr>
+              <p:cNvSpPr/>
+              <p:nvPr/>
+            </p:nvSpPr>
+            <p:spPr>
+              <a:xfrm rot="5400000">
+                <a:off x="4910667" y="2970391"/>
+                <a:ext cx="1501422" cy="925685"/>
+              </a:xfrm>
+              <a:prstGeom prst="trapezoid">
+                <a:avLst/>
+              </a:prstGeom>
+              <a:solidFill>
+                <a:schemeClr val="bg1"/>
+              </a:solidFill>
+              <a:ln>
+                <a:solidFill>
+                  <a:schemeClr val="tx1"/>
+                </a:solidFill>
+              </a:ln>
+            </p:spPr>
+            <p:style>
+              <a:lnRef idx="2">
+                <a:schemeClr val="accent1">
+                  <a:shade val="50000"/>
+                </a:schemeClr>
+              </a:lnRef>
+              <a:fillRef idx="1">
+                <a:schemeClr val="accent1"/>
+              </a:fillRef>
+              <a:effectRef idx="0">
+                <a:schemeClr val="accent1"/>
+              </a:effectRef>
+              <a:fontRef idx="minor">
+                <a:schemeClr val="lt1"/>
+              </a:fontRef>
+            </p:style>
+            <p:txBody>
+              <a:bodyPr rtlCol="0" anchor="ctr"/>
+              <a:lstStyle/>
+              <a:p>
+                <a:pPr algn="ctr"/>
+                <a:endParaRPr lang="zh-CN" altLang="en-US"/>
+              </a:p>
+            </p:txBody>
+          </p:sp>
+          <p:sp>
+            <p:nvSpPr>
+              <p:cNvPr id="15" name="矩形 14">
+                <a:extLst>
+                  <a:ext uri="{FF2B5EF4-FFF2-40B4-BE49-F238E27FC236}">
+                    <a16:creationId xmlns:a16="http://schemas.microsoft.com/office/drawing/2014/main" id="{692840EB-C5FF-4591-BD39-1A93B62BD81C}"/>
+                  </a:ext>
+                </a:extLst>
+              </p:cNvPr>
+              <p:cNvSpPr/>
+              <p:nvPr/>
+            </p:nvSpPr>
+            <p:spPr>
+              <a:xfrm>
+                <a:off x="6124221" y="2905478"/>
+                <a:ext cx="1365956" cy="1047044"/>
+              </a:xfrm>
+              <a:prstGeom prst="rect">
+                <a:avLst/>
+              </a:prstGeom>
+              <a:solidFill>
+                <a:schemeClr val="bg1"/>
+              </a:solidFill>
+              <a:ln>
+                <a:solidFill>
+                  <a:schemeClr val="tx1"/>
+                </a:solidFill>
+              </a:ln>
+            </p:spPr>
+            <p:style>
+              <a:lnRef idx="2">
+                <a:schemeClr val="accent1">
+                  <a:shade val="50000"/>
+                </a:schemeClr>
+              </a:lnRef>
+              <a:fillRef idx="1">
+                <a:schemeClr val="accent1"/>
+              </a:fillRef>
+              <a:effectRef idx="0">
+                <a:schemeClr val="accent1"/>
+              </a:effectRef>
+              <a:fontRef idx="minor">
+                <a:schemeClr val="lt1"/>
+              </a:fontRef>
+            </p:style>
+            <p:txBody>
+              <a:bodyPr rtlCol="0" anchor="ctr"/>
+              <a:lstStyle/>
+              <a:p>
+                <a:pPr algn="ctr"/>
+                <a:r>
+                  <a:rPr lang="en-US" altLang="zh-CN" sz="2000" b="1" dirty="0" err="1">
+                    <a:solidFill>
+                      <a:schemeClr val="tx1"/>
+                    </a:solidFill>
+                  </a:rPr>
+                  <a:t>Keypoints</a:t>
+                </a:r>
+                <a:endParaRPr lang="en-US" altLang="zh-CN" sz="2000" b="1" dirty="0">
+                  <a:solidFill>
+                    <a:schemeClr val="tx1"/>
+                  </a:solidFill>
+                </a:endParaRPr>
+              </a:p>
+              <a:p>
+                <a:pPr algn="ctr"/>
+                <a:r>
+                  <a:rPr lang="en-US" altLang="zh-CN" sz="2000" b="1" dirty="0">
+                    <a:solidFill>
+                      <a:schemeClr val="tx1"/>
+                    </a:solidFill>
+                  </a:rPr>
+                  <a:t>Detector</a:t>
+                </a:r>
+                <a:endParaRPr lang="zh-CN" altLang="en-US" sz="2000" b="1" dirty="0">
+                  <a:solidFill>
+                    <a:schemeClr val="tx1"/>
+                  </a:solidFill>
+                </a:endParaRPr>
+              </a:p>
+            </p:txBody>
+          </p:sp>
+          <p:sp>
+            <p:nvSpPr>
+              <p:cNvPr id="19" name="梯形 18">
+                <a:extLst>
+                  <a:ext uri="{FF2B5EF4-FFF2-40B4-BE49-F238E27FC236}">
+                    <a16:creationId xmlns:a16="http://schemas.microsoft.com/office/drawing/2014/main" id="{7707A957-1D49-40E1-93F1-1B0D614D24DB}"/>
+                  </a:ext>
+                </a:extLst>
+              </p:cNvPr>
+              <p:cNvSpPr/>
+              <p:nvPr/>
+            </p:nvSpPr>
+            <p:spPr>
+              <a:xfrm rot="16200000">
+                <a:off x="7202310" y="2966157"/>
+                <a:ext cx="1501422" cy="925685"/>
+              </a:xfrm>
+              <a:prstGeom prst="trapezoid">
+                <a:avLst/>
+              </a:prstGeom>
+              <a:solidFill>
+                <a:schemeClr val="bg1"/>
+              </a:solidFill>
+              <a:ln>
+                <a:solidFill>
+                  <a:schemeClr val="tx1"/>
+                </a:solidFill>
+              </a:ln>
+            </p:spPr>
+            <p:style>
+              <a:lnRef idx="2">
+                <a:schemeClr val="accent1">
+                  <a:shade val="50000"/>
+                </a:schemeClr>
+              </a:lnRef>
+              <a:fillRef idx="1">
+                <a:schemeClr val="accent1"/>
+              </a:fillRef>
+              <a:effectRef idx="0">
+                <a:schemeClr val="accent1"/>
+              </a:effectRef>
+              <a:fontRef idx="minor">
+                <a:schemeClr val="lt1"/>
+              </a:fontRef>
+            </p:style>
+            <p:txBody>
+              <a:bodyPr rtlCol="0" anchor="ctr"/>
+              <a:lstStyle/>
+              <a:p>
+                <a:pPr algn="ctr"/>
+                <a:endParaRPr lang="zh-CN" altLang="en-US"/>
+              </a:p>
+            </p:txBody>
+          </p:sp>
+        </p:grpSp>
+        <p:cxnSp>
+          <p:nvCxnSpPr>
+            <p:cNvPr id="25" name="连接符: 肘形 24">
+              <a:extLst>
+                <a:ext uri="{FF2B5EF4-FFF2-40B4-BE49-F238E27FC236}">
+                  <a16:creationId xmlns:a16="http://schemas.microsoft.com/office/drawing/2014/main" id="{36634BD9-2F87-4F14-A226-048C2709C884}"/>
+                </a:ext>
+              </a:extLst>
+            </p:cNvPr>
+            <p:cNvCxnSpPr>
+              <a:cxnSpLocks/>
+              <a:stCxn id="3" idx="3"/>
+            </p:cNvCxnSpPr>
+            <p:nvPr/>
+          </p:nvCxnSpPr>
+          <p:spPr>
+            <a:xfrm>
+              <a:off x="1989112" y="1866812"/>
+              <a:ext cx="1405115" cy="1216201"/>
+            </a:xfrm>
+            <a:prstGeom prst="bentConnector3">
+              <a:avLst/>
+            </a:prstGeom>
+            <a:ln w="38100">
+              <a:tailEnd type="triangle"/>
+            </a:ln>
+          </p:spPr>
+          <p:style>
+            <a:lnRef idx="3">
+              <a:schemeClr val="accent6"/>
+            </a:lnRef>
+            <a:fillRef idx="0">
+              <a:schemeClr val="accent6"/>
+            </a:fillRef>
+            <a:effectRef idx="2">
+              <a:schemeClr val="accent6"/>
+            </a:effectRef>
+            <a:fontRef idx="minor">
+              <a:schemeClr val="tx1"/>
+            </a:fontRef>
+          </p:style>
+        </p:cxnSp>
+        <p:cxnSp>
+          <p:nvCxnSpPr>
+            <p:cNvPr id="29" name="连接符: 肘形 28">
+              <a:extLst>
+                <a:ext uri="{FF2B5EF4-FFF2-40B4-BE49-F238E27FC236}">
+                  <a16:creationId xmlns:a16="http://schemas.microsoft.com/office/drawing/2014/main" id="{895AC57D-02EA-4967-8DDE-CDE1245D23E4}"/>
+                </a:ext>
+              </a:extLst>
+            </p:cNvPr>
+            <p:cNvCxnSpPr>
+              <a:cxnSpLocks/>
+              <a:stCxn id="6" idx="3"/>
+            </p:cNvCxnSpPr>
+            <p:nvPr/>
+          </p:nvCxnSpPr>
+          <p:spPr>
+            <a:xfrm flipV="1">
+              <a:off x="2024049" y="3732301"/>
+              <a:ext cx="1365957" cy="1155700"/>
+            </a:xfrm>
+            <a:prstGeom prst="bentConnector3">
+              <a:avLst>
+                <a:gd name="adj1" fmla="val 45816"/>
+              </a:avLst>
+            </a:prstGeom>
+            <a:ln w="38100">
+              <a:tailEnd type="triangle"/>
+            </a:ln>
+          </p:spPr>
+          <p:style>
+            <a:lnRef idx="3">
+              <a:schemeClr val="accent5"/>
+            </a:lnRef>
+            <a:fillRef idx="0">
+              <a:schemeClr val="accent5"/>
+            </a:fillRef>
+            <a:effectRef idx="2">
+              <a:schemeClr val="accent5"/>
+            </a:effectRef>
+            <a:fontRef idx="minor">
+              <a:schemeClr val="tx1"/>
+            </a:fontRef>
+          </p:style>
+        </p:cxnSp>
+        <p:pic>
+          <p:nvPicPr>
+            <p:cNvPr id="45" name="图片 44">
+              <a:extLst>
+                <a:ext uri="{FF2B5EF4-FFF2-40B4-BE49-F238E27FC236}">
+                  <a16:creationId xmlns:a16="http://schemas.microsoft.com/office/drawing/2014/main" id="{521590F7-9BEC-4320-BFE0-FD5F599FD6F5}"/>
+                </a:ext>
+              </a:extLst>
+            </p:cNvPr>
+            <p:cNvPicPr>
+              <a:picLocks noChangeAspect="1"/>
+            </p:cNvPicPr>
+            <p:nvPr/>
+          </p:nvPicPr>
+          <p:blipFill>
+            <a:blip r:embed="rId5"/>
+            <a:stretch>
+              <a:fillRect/>
+            </a:stretch>
+          </p:blipFill>
+          <p:spPr>
+            <a:xfrm>
+              <a:off x="7566180" y="1349463"/>
+              <a:ext cx="1628775" cy="1657350"/>
+            </a:xfrm>
+            <a:prstGeom prst="rect">
+              <a:avLst/>
+            </a:prstGeom>
+          </p:spPr>
+        </p:pic>
+        <p:pic>
+          <p:nvPicPr>
+            <p:cNvPr id="48" name="图片 47">
+              <a:extLst>
+                <a:ext uri="{FF2B5EF4-FFF2-40B4-BE49-F238E27FC236}">
+                  <a16:creationId xmlns:a16="http://schemas.microsoft.com/office/drawing/2014/main" id="{81ECC4DF-4371-4A64-A742-95236C63CE45}"/>
+                </a:ext>
+              </a:extLst>
+            </p:cNvPr>
+            <p:cNvPicPr>
+              <a:picLocks noChangeAspect="1"/>
+            </p:cNvPicPr>
+            <p:nvPr/>
+          </p:nvPicPr>
+          <p:blipFill>
+            <a:blip r:embed="rId6"/>
+            <a:stretch>
+              <a:fillRect/>
+            </a:stretch>
+          </p:blipFill>
+          <p:spPr>
+            <a:xfrm>
+              <a:off x="7566180" y="3808501"/>
+              <a:ext cx="1619250" cy="1676400"/>
+            </a:xfrm>
+            <a:prstGeom prst="rect">
+              <a:avLst/>
+            </a:prstGeom>
+          </p:spPr>
+        </p:pic>
+        <p:cxnSp>
+          <p:nvCxnSpPr>
+            <p:cNvPr id="51" name="连接符: 肘形 50">
+              <a:extLst>
+                <a:ext uri="{FF2B5EF4-FFF2-40B4-BE49-F238E27FC236}">
+                  <a16:creationId xmlns:a16="http://schemas.microsoft.com/office/drawing/2014/main" id="{AA6C3718-D7F7-4B7E-B02D-6B920AC44BD9}"/>
+                </a:ext>
+              </a:extLst>
+            </p:cNvPr>
+            <p:cNvCxnSpPr>
+              <a:endCxn id="45" idx="1"/>
+            </p:cNvCxnSpPr>
+            <p:nvPr/>
+          </p:nvCxnSpPr>
+          <p:spPr>
+            <a:xfrm flipV="1">
+              <a:off x="6611557" y="2178138"/>
+              <a:ext cx="954623" cy="904875"/>
+            </a:xfrm>
+            <a:prstGeom prst="bentConnector3">
+              <a:avLst/>
+            </a:prstGeom>
+            <a:ln w="38100">
+              <a:tailEnd type="triangle"/>
+            </a:ln>
+          </p:spPr>
+          <p:style>
+            <a:lnRef idx="3">
+              <a:schemeClr val="accent6"/>
+            </a:lnRef>
+            <a:fillRef idx="0">
+              <a:schemeClr val="accent6"/>
+            </a:fillRef>
+            <a:effectRef idx="2">
+              <a:schemeClr val="accent6"/>
+            </a:effectRef>
+            <a:fontRef idx="minor">
+              <a:schemeClr val="tx1"/>
+            </a:fontRef>
+          </p:style>
+        </p:cxnSp>
+        <p:cxnSp>
+          <p:nvCxnSpPr>
+            <p:cNvPr id="53" name="连接符: 肘形 52">
+              <a:extLst>
+                <a:ext uri="{FF2B5EF4-FFF2-40B4-BE49-F238E27FC236}">
+                  <a16:creationId xmlns:a16="http://schemas.microsoft.com/office/drawing/2014/main" id="{3EBC5D85-630D-408B-8091-092B69D7354A}"/>
+                </a:ext>
+              </a:extLst>
+            </p:cNvPr>
+            <p:cNvCxnSpPr>
+              <a:cxnSpLocks/>
+              <a:endCxn id="48" idx="1"/>
+            </p:cNvCxnSpPr>
+            <p:nvPr/>
+          </p:nvCxnSpPr>
+          <p:spPr>
+            <a:xfrm>
+              <a:off x="6611556" y="3732301"/>
+              <a:ext cx="954624" cy="914400"/>
+            </a:xfrm>
+            <a:prstGeom prst="bentConnector3">
+              <a:avLst/>
+            </a:prstGeom>
+            <a:ln w="38100">
+              <a:tailEnd type="triangle"/>
+            </a:ln>
+          </p:spPr>
+          <p:style>
+            <a:lnRef idx="3">
+              <a:schemeClr val="accent5"/>
+            </a:lnRef>
+            <a:fillRef idx="0">
+              <a:schemeClr val="accent5"/>
+            </a:fillRef>
+            <a:effectRef idx="2">
+              <a:schemeClr val="accent5"/>
+            </a:effectRef>
+            <a:fontRef idx="minor">
+              <a:schemeClr val="tx1"/>
+            </a:fontRef>
+          </p:style>
+        </p:cxnSp>
+        <p:graphicFrame>
+          <p:nvGraphicFramePr>
+            <p:cNvPr id="56" name="对象 55">
+              <a:extLst>
+                <a:ext uri="{FF2B5EF4-FFF2-40B4-BE49-F238E27FC236}">
+                  <a16:creationId xmlns:a16="http://schemas.microsoft.com/office/drawing/2014/main" id="{578189A8-55D5-4662-B583-4BB2DEC97489}"/>
+                </a:ext>
+              </a:extLst>
+            </p:cNvPr>
+            <p:cNvGraphicFramePr>
+              <a:graphicFrameLocks noChangeAspect="1"/>
+            </p:cNvGraphicFramePr>
+            <p:nvPr>
+              <p:extLst>
+                <p:ext uri="{D42A27DB-BD31-4B8C-83A1-F6EECF244321}">
+                  <p14:modId xmlns:p14="http://schemas.microsoft.com/office/powerpoint/2010/main" val="2086542691"/>
+                </p:ext>
+              </p:extLst>
+            </p:nvPr>
+          </p:nvGraphicFramePr>
+          <p:xfrm>
+            <a:off x="4763970" y="3986654"/>
+            <a:ext cx="473622" cy="660047"/>
+          </p:xfrm>
+          <a:graphic>
+            <a:graphicData uri="http://schemas.openxmlformats.org/presentationml/2006/ole">
+              <mc:AlternateContent xmlns:mc="http://schemas.openxmlformats.org/markup-compatibility/2006">
+                <mc:Choice xmlns:v="urn:schemas-microsoft-com:vml" Requires="v">
+                  <p:oleObj spid="_x0000_s2109" name="AxMath" r:id="rId7" imgW="149040" imgH="207360" progId="Equation.AxMath">
+                    <p:embed/>
+                  </p:oleObj>
+                </mc:Choice>
+                <mc:Fallback>
+                  <p:oleObj name="AxMath" r:id="rId7" imgW="149040" imgH="207360" progId="Equation.AxMath">
+                    <p:embed/>
+                    <p:pic>
+                      <p:nvPicPr>
+                        <p:cNvPr id="0" name=""/>
+                        <p:cNvPicPr/>
+                        <p:nvPr/>
+                      </p:nvPicPr>
+                      <p:blipFill>
+                        <a:blip r:embed="rId8"/>
+                        <a:stretch>
+                          <a:fillRect/>
+                        </a:stretch>
+                      </p:blipFill>
+                      <p:spPr>
+                        <a:xfrm>
+                          <a:off x="4763970" y="3986654"/>
+                          <a:ext cx="473622" cy="660047"/>
+                        </a:xfrm>
+                        <a:prstGeom prst="rect">
+                          <a:avLst/>
+                        </a:prstGeom>
+                      </p:spPr>
+                    </p:pic>
+                  </p:oleObj>
+                </mc:Fallback>
+              </mc:AlternateContent>
+            </a:graphicData>
+          </a:graphic>
+        </p:graphicFrame>
+        <p:pic>
+          <p:nvPicPr>
+            <p:cNvPr id="58" name="图片 57">
+              <a:extLst>
+                <a:ext uri="{FF2B5EF4-FFF2-40B4-BE49-F238E27FC236}">
+                  <a16:creationId xmlns:a16="http://schemas.microsoft.com/office/drawing/2014/main" id="{FD3EC0B7-9898-4A09-9CDA-39D184F8B21E}"/>
+                </a:ext>
+              </a:extLst>
+            </p:cNvPr>
+            <p:cNvPicPr>
+              <a:picLocks noChangeAspect="1"/>
+            </p:cNvPicPr>
+            <p:nvPr/>
+          </p:nvPicPr>
+          <p:blipFill>
+            <a:blip r:embed="rId9"/>
+            <a:stretch>
+              <a:fillRect/>
+            </a:stretch>
+          </p:blipFill>
+          <p:spPr>
+            <a:xfrm>
+              <a:off x="10779723" y="2433637"/>
+              <a:ext cx="1943100" cy="1990725"/>
+            </a:xfrm>
+            <a:prstGeom prst="rect">
+              <a:avLst/>
+            </a:prstGeom>
+          </p:spPr>
+        </p:pic>
+        <p:grpSp>
+          <p:nvGrpSpPr>
+            <p:cNvPr id="61" name="组合 60">
+              <a:extLst>
+                <a:ext uri="{FF2B5EF4-FFF2-40B4-BE49-F238E27FC236}">
+                  <a16:creationId xmlns:a16="http://schemas.microsoft.com/office/drawing/2014/main" id="{88207FD5-915D-4DF8-9278-FF0BCA262FAA}"/>
+                </a:ext>
+              </a:extLst>
+            </p:cNvPr>
+            <p:cNvGrpSpPr/>
+            <p:nvPr/>
+          </p:nvGrpSpPr>
+          <p:grpSpPr>
+            <a:xfrm>
+              <a:off x="9488437" y="3095228"/>
+              <a:ext cx="647046" cy="667544"/>
+              <a:chOff x="9280725" y="406513"/>
+              <a:chExt cx="809569" cy="729569"/>
+            </a:xfrm>
+          </p:grpSpPr>
+          <p:sp>
+            <p:nvSpPr>
+              <p:cNvPr id="59" name="减号 58">
+                <a:extLst>
+                  <a:ext uri="{FF2B5EF4-FFF2-40B4-BE49-F238E27FC236}">
+                    <a16:creationId xmlns:a16="http://schemas.microsoft.com/office/drawing/2014/main" id="{542215F1-E22E-4A64-B390-F6977839E1A2}"/>
+                  </a:ext>
+                </a:extLst>
+              </p:cNvPr>
+              <p:cNvSpPr/>
+              <p:nvPr/>
+            </p:nvSpPr>
+            <p:spPr>
+              <a:xfrm>
+                <a:off x="9376022" y="522741"/>
+                <a:ext cx="618977" cy="497114"/>
+              </a:xfrm>
+              <a:prstGeom prst="mathMinus">
+                <a:avLst/>
+              </a:prstGeom>
+            </p:spPr>
+            <p:style>
+              <a:lnRef idx="2">
+                <a:schemeClr val="accent1">
+                  <a:shade val="50000"/>
+                </a:schemeClr>
+              </a:lnRef>
+              <a:fillRef idx="1">
+                <a:schemeClr val="accent1"/>
+              </a:fillRef>
+              <a:effectRef idx="0">
+                <a:schemeClr val="accent1"/>
+              </a:effectRef>
+              <a:fontRef idx="minor">
+                <a:schemeClr val="lt1"/>
+              </a:fontRef>
+            </p:style>
+            <p:txBody>
+              <a:bodyPr rtlCol="0" anchor="ctr"/>
+              <a:lstStyle/>
+              <a:p>
+                <a:pPr algn="ctr"/>
+                <a:endParaRPr lang="zh-CN" altLang="en-US"/>
+              </a:p>
+            </p:txBody>
+          </p:sp>
+          <p:sp>
+            <p:nvSpPr>
+              <p:cNvPr id="60" name="椭圆 59">
+                <a:extLst>
+                  <a:ext uri="{FF2B5EF4-FFF2-40B4-BE49-F238E27FC236}">
+                    <a16:creationId xmlns:a16="http://schemas.microsoft.com/office/drawing/2014/main" id="{C0C71280-D44F-40C6-8DDA-A4A20FDDB95F}"/>
+                  </a:ext>
+                </a:extLst>
+              </p:cNvPr>
+              <p:cNvSpPr/>
+              <p:nvPr/>
+            </p:nvSpPr>
+            <p:spPr>
+              <a:xfrm>
+                <a:off x="9280725" y="406513"/>
+                <a:ext cx="809569" cy="729569"/>
+              </a:xfrm>
+              <a:prstGeom prst="ellipse">
+                <a:avLst/>
+              </a:prstGeom>
+              <a:noFill/>
+            </p:spPr>
+            <p:style>
+              <a:lnRef idx="2">
+                <a:schemeClr val="accent1">
+                  <a:shade val="50000"/>
+                </a:schemeClr>
+              </a:lnRef>
+              <a:fillRef idx="1">
+                <a:schemeClr val="accent1"/>
+              </a:fillRef>
+              <a:effectRef idx="0">
+                <a:schemeClr val="accent1"/>
+              </a:effectRef>
+              <a:fontRef idx="minor">
+                <a:schemeClr val="lt1"/>
+              </a:fontRef>
+            </p:style>
+            <p:txBody>
+              <a:bodyPr rtlCol="0" anchor="ctr"/>
+              <a:lstStyle/>
+              <a:p>
+                <a:pPr algn="ctr"/>
+                <a:endParaRPr lang="zh-CN" altLang="en-US"/>
+              </a:p>
+            </p:txBody>
+          </p:sp>
+        </p:grpSp>
+        <p:cxnSp>
+          <p:nvCxnSpPr>
+            <p:cNvPr id="63" name="连接符: 肘形 62">
+              <a:extLst>
+                <a:ext uri="{FF2B5EF4-FFF2-40B4-BE49-F238E27FC236}">
+                  <a16:creationId xmlns:a16="http://schemas.microsoft.com/office/drawing/2014/main" id="{76593B18-C5C4-40A6-BCAF-062C05F94BC7}"/>
+                </a:ext>
+              </a:extLst>
+            </p:cNvPr>
+            <p:cNvCxnSpPr>
+              <a:stCxn id="45" idx="3"/>
+              <a:endCxn id="60" idx="0"/>
+            </p:cNvCxnSpPr>
+            <p:nvPr/>
+          </p:nvCxnSpPr>
+          <p:spPr>
+            <a:xfrm>
+              <a:off x="9194955" y="2178138"/>
+              <a:ext cx="617005" cy="917090"/>
+            </a:xfrm>
+            <a:prstGeom prst="bentConnector2">
+              <a:avLst/>
+            </a:prstGeom>
+            <a:ln w="38100">
+              <a:solidFill>
+                <a:srgbClr val="70AD47"/>
+              </a:solidFill>
+            </a:ln>
+          </p:spPr>
+          <p:style>
+            <a:lnRef idx="1">
+              <a:schemeClr val="accent1"/>
+            </a:lnRef>
+            <a:fillRef idx="0">
+              <a:schemeClr val="accent1"/>
+            </a:fillRef>
+            <a:effectRef idx="0">
+              <a:schemeClr val="accent1"/>
+            </a:effectRef>
+            <a:fontRef idx="minor">
+              <a:schemeClr val="tx1"/>
+            </a:fontRef>
+          </p:style>
+        </p:cxnSp>
+        <p:cxnSp>
+          <p:nvCxnSpPr>
+            <p:cNvPr id="65" name="连接符: 肘形 64">
+              <a:extLst>
+                <a:ext uri="{FF2B5EF4-FFF2-40B4-BE49-F238E27FC236}">
+                  <a16:creationId xmlns:a16="http://schemas.microsoft.com/office/drawing/2014/main" id="{640A7F58-C3E6-4247-9850-F134E5F045DB}"/>
+                </a:ext>
+              </a:extLst>
+            </p:cNvPr>
+            <p:cNvCxnSpPr>
+              <a:stCxn id="48" idx="3"/>
+              <a:endCxn id="60" idx="4"/>
+            </p:cNvCxnSpPr>
+            <p:nvPr/>
+          </p:nvCxnSpPr>
+          <p:spPr>
+            <a:xfrm flipV="1">
+              <a:off x="9185430" y="3762772"/>
+              <a:ext cx="626530" cy="883929"/>
+            </a:xfrm>
+            <a:prstGeom prst="bentConnector2">
+              <a:avLst/>
+            </a:prstGeom>
+            <a:ln w="38100">
+              <a:solidFill>
+                <a:srgbClr val="5B9BD5"/>
+              </a:solidFill>
+            </a:ln>
+          </p:spPr>
+          <p:style>
+            <a:lnRef idx="1">
+              <a:schemeClr val="accent1"/>
+            </a:lnRef>
+            <a:fillRef idx="0">
+              <a:schemeClr val="accent1"/>
+            </a:fillRef>
+            <a:effectRef idx="0">
+              <a:schemeClr val="accent1"/>
+            </a:effectRef>
+            <a:fontRef idx="minor">
+              <a:schemeClr val="tx1"/>
+            </a:fontRef>
+          </p:style>
+        </p:cxnSp>
+        <p:cxnSp>
+          <p:nvCxnSpPr>
+            <p:cNvPr id="67" name="直接箭头连接符 66">
+              <a:extLst>
+                <a:ext uri="{FF2B5EF4-FFF2-40B4-BE49-F238E27FC236}">
+                  <a16:creationId xmlns:a16="http://schemas.microsoft.com/office/drawing/2014/main" id="{4FF03C80-A74D-4978-A5B3-A91F4AE21374}"/>
+                </a:ext>
+              </a:extLst>
+            </p:cNvPr>
+            <p:cNvCxnSpPr>
+              <a:stCxn id="60" idx="6"/>
+              <a:endCxn id="58" idx="1"/>
+            </p:cNvCxnSpPr>
+            <p:nvPr/>
+          </p:nvCxnSpPr>
+          <p:spPr>
+            <a:xfrm>
+              <a:off x="10135483" y="3429000"/>
+              <a:ext cx="644240" cy="0"/>
+            </a:xfrm>
+            <a:prstGeom prst="straightConnector1">
+              <a:avLst/>
+            </a:prstGeom>
+            <a:ln w="63500">
+              <a:solidFill>
+                <a:schemeClr val="tx1"/>
+              </a:solidFill>
+              <a:tailEnd type="triangle"/>
+            </a:ln>
+          </p:spPr>
+          <p:style>
+            <a:lnRef idx="1">
+              <a:schemeClr val="accent1"/>
+            </a:lnRef>
+            <a:fillRef idx="0">
+              <a:schemeClr val="accent1"/>
+            </a:fillRef>
+            <a:effectRef idx="0">
+              <a:schemeClr val="accent1"/>
+            </a:effectRef>
+            <a:fontRef idx="minor">
+              <a:schemeClr val="tx1"/>
+            </a:fontRef>
+          </p:style>
+        </p:cxnSp>
+        <p:graphicFrame>
+          <p:nvGraphicFramePr>
+            <p:cNvPr id="71" name="对象 70">
+              <a:extLst>
+                <a:ext uri="{FF2B5EF4-FFF2-40B4-BE49-F238E27FC236}">
+                  <a16:creationId xmlns:a16="http://schemas.microsoft.com/office/drawing/2014/main" id="{A59DE0A1-0B30-484B-9392-203C09955EAA}"/>
+                </a:ext>
+              </a:extLst>
+            </p:cNvPr>
+            <p:cNvGraphicFramePr>
+              <a:graphicFrameLocks noChangeAspect="1"/>
+            </p:cNvGraphicFramePr>
+            <p:nvPr>
+              <p:extLst>
+                <p:ext uri="{D42A27DB-BD31-4B8C-83A1-F6EECF244321}">
+                  <p14:modId xmlns:p14="http://schemas.microsoft.com/office/powerpoint/2010/main" val="1216780200"/>
+                </p:ext>
+              </p:extLst>
+            </p:nvPr>
+          </p:nvGraphicFramePr>
+          <p:xfrm>
+            <a:off x="-780543" y="1536611"/>
+            <a:ext cx="366713" cy="660400"/>
+          </p:xfrm>
+          <a:graphic>
+            <a:graphicData uri="http://schemas.openxmlformats.org/presentationml/2006/ole">
+              <mc:AlternateContent xmlns:mc="http://schemas.openxmlformats.org/markup-compatibility/2006">
+                <mc:Choice xmlns:v="urn:schemas-microsoft-com:vml" Requires="v">
+                  <p:oleObj spid="_x0000_s2110" name="AxMath" r:id="rId10" imgW="115200" imgH="207360" progId="Equation.AxMath">
+                    <p:embed/>
+                  </p:oleObj>
+                </mc:Choice>
+                <mc:Fallback>
+                  <p:oleObj name="AxMath" r:id="rId10" imgW="115200" imgH="207360" progId="Equation.AxMath">
+                    <p:embed/>
+                    <p:pic>
+                      <p:nvPicPr>
+                        <p:cNvPr id="56" name="对象 55">
+                          <a:extLst>
+                            <a:ext uri="{FF2B5EF4-FFF2-40B4-BE49-F238E27FC236}">
+                              <a16:creationId xmlns:a16="http://schemas.microsoft.com/office/drawing/2014/main" id="{578189A8-55D5-4662-B583-4BB2DEC97489}"/>
+                            </a:ext>
+                          </a:extLst>
+                        </p:cNvPr>
+                        <p:cNvPicPr/>
+                        <p:nvPr/>
+                      </p:nvPicPr>
+                      <p:blipFill>
+                        <a:blip r:embed="rId11"/>
+                        <a:stretch>
+                          <a:fillRect/>
+                        </a:stretch>
+                      </p:blipFill>
+                      <p:spPr>
+                        <a:xfrm>
+                          <a:off x="-780543" y="1536611"/>
+                          <a:ext cx="366713" cy="660400"/>
+                        </a:xfrm>
+                        <a:prstGeom prst="rect">
+                          <a:avLst/>
+                        </a:prstGeom>
+                      </p:spPr>
+                    </p:pic>
+                  </p:oleObj>
+                </mc:Fallback>
+              </mc:AlternateContent>
+            </a:graphicData>
+          </a:graphic>
+        </p:graphicFrame>
+        <p:graphicFrame>
+          <p:nvGraphicFramePr>
+            <p:cNvPr id="73" name="对象 72">
+              <a:extLst>
+                <a:ext uri="{FF2B5EF4-FFF2-40B4-BE49-F238E27FC236}">
+                  <a16:creationId xmlns:a16="http://schemas.microsoft.com/office/drawing/2014/main" id="{D93F724D-C5CA-48A1-98F1-535FF5983341}"/>
+                </a:ext>
+              </a:extLst>
+            </p:cNvPr>
+            <p:cNvGraphicFramePr>
+              <a:graphicFrameLocks noChangeAspect="1"/>
+            </p:cNvGraphicFramePr>
+            <p:nvPr>
+              <p:extLst>
+                <p:ext uri="{D42A27DB-BD31-4B8C-83A1-F6EECF244321}">
+                  <p14:modId xmlns:p14="http://schemas.microsoft.com/office/powerpoint/2010/main" val="1652516994"/>
+                </p:ext>
+              </p:extLst>
+            </p:nvPr>
+          </p:nvGraphicFramePr>
+          <p:xfrm>
+            <a:off x="-819150" y="4556125"/>
+            <a:ext cx="441325" cy="665163"/>
+          </p:xfrm>
+          <a:graphic>
+            <a:graphicData uri="http://schemas.openxmlformats.org/presentationml/2006/ole">
+              <mc:AlternateContent xmlns:mc="http://schemas.openxmlformats.org/markup-compatibility/2006">
+                <mc:Choice xmlns:v="urn:schemas-microsoft-com:vml" Requires="v">
+                  <p:oleObj spid="_x0000_s2111" name="AxMath" r:id="rId12" imgW="138960" imgH="208800" progId="Equation.AxMath">
+                    <p:embed/>
+                  </p:oleObj>
+                </mc:Choice>
+                <mc:Fallback>
+                  <p:oleObj name="AxMath" r:id="rId12" imgW="138960" imgH="208800" progId="Equation.AxMath">
+                    <p:embed/>
+                    <p:pic>
+                      <p:nvPicPr>
+                        <p:cNvPr id="71" name="对象 70">
+                          <a:extLst>
+                            <a:ext uri="{FF2B5EF4-FFF2-40B4-BE49-F238E27FC236}">
+                              <a16:creationId xmlns:a16="http://schemas.microsoft.com/office/drawing/2014/main" id="{A59DE0A1-0B30-484B-9392-203C09955EAA}"/>
+                            </a:ext>
+                          </a:extLst>
+                        </p:cNvPr>
+                        <p:cNvPicPr/>
+                        <p:nvPr/>
+                      </p:nvPicPr>
+                      <p:blipFill>
+                        <a:blip r:embed="rId13"/>
+                        <a:stretch>
+                          <a:fillRect/>
+                        </a:stretch>
+                      </p:blipFill>
+                      <p:spPr>
+                        <a:xfrm>
+                          <a:off x="-819150" y="4556125"/>
+                          <a:ext cx="441325" cy="665163"/>
+                        </a:xfrm>
+                        <a:prstGeom prst="rect">
+                          <a:avLst/>
+                        </a:prstGeom>
+                      </p:spPr>
+                    </p:pic>
+                  </p:oleObj>
+                </mc:Fallback>
+              </mc:AlternateContent>
+            </a:graphicData>
+          </a:graphic>
+        </p:graphicFrame>
+        <p:graphicFrame>
+          <p:nvGraphicFramePr>
+            <p:cNvPr id="75" name="对象 74">
+              <a:extLst>
+                <a:ext uri="{FF2B5EF4-FFF2-40B4-BE49-F238E27FC236}">
+                  <a16:creationId xmlns:a16="http://schemas.microsoft.com/office/drawing/2014/main" id="{9C24C853-37A4-4D78-A433-E37EF725286A}"/>
+                </a:ext>
+              </a:extLst>
+            </p:cNvPr>
+            <p:cNvGraphicFramePr>
+              <a:graphicFrameLocks noChangeAspect="1"/>
+            </p:cNvGraphicFramePr>
+            <p:nvPr>
+              <p:extLst>
+                <p:ext uri="{D42A27DB-BD31-4B8C-83A1-F6EECF244321}">
+                  <p14:modId xmlns:p14="http://schemas.microsoft.com/office/powerpoint/2010/main" val="4222396234"/>
+                </p:ext>
+              </p:extLst>
+            </p:nvPr>
+          </p:nvGraphicFramePr>
+          <p:xfrm>
+            <a:off x="5888192" y="661987"/>
+            <a:ext cx="4975225" cy="684212"/>
+          </p:xfrm>
+          <a:graphic>
+            <a:graphicData uri="http://schemas.openxmlformats.org/presentationml/2006/ole">
+              <mc:AlternateContent xmlns:mc="http://schemas.openxmlformats.org/markup-compatibility/2006">
+                <mc:Choice xmlns:v="urn:schemas-microsoft-com:vml" Requires="v">
+                  <p:oleObj spid="_x0000_s2112" name="AxMath" r:id="rId14" imgW="1573560" imgH="215640" progId="Equation.AxMath">
+                    <p:embed/>
+                  </p:oleObj>
+                </mc:Choice>
+                <mc:Fallback>
+                  <p:oleObj name="AxMath" r:id="rId14" imgW="1573560" imgH="215640" progId="Equation.AxMath">
+                    <p:embed/>
+                    <p:pic>
+                      <p:nvPicPr>
+                        <p:cNvPr id="71" name="对象 70">
+                          <a:extLst>
+                            <a:ext uri="{FF2B5EF4-FFF2-40B4-BE49-F238E27FC236}">
+                              <a16:creationId xmlns:a16="http://schemas.microsoft.com/office/drawing/2014/main" id="{A59DE0A1-0B30-484B-9392-203C09955EAA}"/>
+                            </a:ext>
+                          </a:extLst>
+                        </p:cNvPr>
+                        <p:cNvPicPr/>
+                        <p:nvPr/>
+                      </p:nvPicPr>
+                      <p:blipFill>
+                        <a:blip r:embed="rId15"/>
+                        <a:stretch>
+                          <a:fillRect/>
+                        </a:stretch>
+                      </p:blipFill>
+                      <p:spPr>
+                        <a:xfrm>
+                          <a:off x="5888192" y="661987"/>
+                          <a:ext cx="4975225" cy="684212"/>
+                        </a:xfrm>
+                        <a:prstGeom prst="rect">
+                          <a:avLst/>
+                        </a:prstGeom>
+                      </p:spPr>
+                    </p:pic>
+                  </p:oleObj>
+                </mc:Fallback>
+              </mc:AlternateContent>
+            </a:graphicData>
+          </a:graphic>
+        </p:graphicFrame>
+        <p:graphicFrame>
+          <p:nvGraphicFramePr>
+            <p:cNvPr id="77" name="对象 76">
+              <a:extLst>
+                <a:ext uri="{FF2B5EF4-FFF2-40B4-BE49-F238E27FC236}">
+                  <a16:creationId xmlns:a16="http://schemas.microsoft.com/office/drawing/2014/main" id="{96F3C14E-3603-4AA7-BB19-15BBF0F09F41}"/>
+                </a:ext>
+              </a:extLst>
+            </p:cNvPr>
+            <p:cNvGraphicFramePr>
+              <a:graphicFrameLocks noChangeAspect="1"/>
+            </p:cNvGraphicFramePr>
+            <p:nvPr>
+              <p:extLst>
+                <p:ext uri="{D42A27DB-BD31-4B8C-83A1-F6EECF244321}">
+                  <p14:modId xmlns:p14="http://schemas.microsoft.com/office/powerpoint/2010/main" val="7432390"/>
+                </p:ext>
+              </p:extLst>
+            </p:nvPr>
+          </p:nvGraphicFramePr>
+          <p:xfrm>
+            <a:off x="5888192" y="5530630"/>
+            <a:ext cx="5473700" cy="693738"/>
+          </p:xfrm>
+          <a:graphic>
+            <a:graphicData uri="http://schemas.openxmlformats.org/presentationml/2006/ole">
+              <mc:AlternateContent xmlns:mc="http://schemas.openxmlformats.org/markup-compatibility/2006">
+                <mc:Choice xmlns:v="urn:schemas-microsoft-com:vml" Requires="v">
+                  <p:oleObj spid="_x0000_s2113" name="AxMath" r:id="rId16" imgW="1728360" imgH="218880" progId="Equation.AxMath">
+                    <p:embed/>
+                  </p:oleObj>
+                </mc:Choice>
+                <mc:Fallback>
+                  <p:oleObj name="AxMath" r:id="rId16" imgW="1728360" imgH="218880" progId="Equation.AxMath">
+                    <p:embed/>
+                    <p:pic>
+                      <p:nvPicPr>
+                        <p:cNvPr id="75" name="对象 74">
+                          <a:extLst>
+                            <a:ext uri="{FF2B5EF4-FFF2-40B4-BE49-F238E27FC236}">
+                              <a16:creationId xmlns:a16="http://schemas.microsoft.com/office/drawing/2014/main" id="{9C24C853-37A4-4D78-A433-E37EF725286A}"/>
+                            </a:ext>
+                          </a:extLst>
+                        </p:cNvPr>
+                        <p:cNvPicPr/>
+                        <p:nvPr/>
+                      </p:nvPicPr>
+                      <p:blipFill>
+                        <a:blip r:embed="rId17"/>
+                        <a:stretch>
+                          <a:fillRect/>
+                        </a:stretch>
+                      </p:blipFill>
+                      <p:spPr>
+                        <a:xfrm>
+                          <a:off x="5888192" y="5530630"/>
+                          <a:ext cx="5473700" cy="693738"/>
+                        </a:xfrm>
+                        <a:prstGeom prst="rect">
+                          <a:avLst/>
+                        </a:prstGeom>
+                      </p:spPr>
+                    </p:pic>
+                  </p:oleObj>
+                </mc:Fallback>
+              </mc:AlternateContent>
+            </a:graphicData>
+          </a:graphic>
+        </p:graphicFrame>
+        <p:graphicFrame>
+          <p:nvGraphicFramePr>
+            <p:cNvPr id="79" name="对象 78">
+              <a:extLst>
+                <a:ext uri="{FF2B5EF4-FFF2-40B4-BE49-F238E27FC236}">
+                  <a16:creationId xmlns:a16="http://schemas.microsoft.com/office/drawing/2014/main" id="{340D1636-BC83-4BF3-9F53-0704DF627F9F}"/>
+                </a:ext>
+              </a:extLst>
+            </p:cNvPr>
+            <p:cNvGraphicFramePr>
+              <a:graphicFrameLocks noChangeAspect="1"/>
+            </p:cNvGraphicFramePr>
+            <p:nvPr>
+              <p:extLst>
+                <p:ext uri="{D42A27DB-BD31-4B8C-83A1-F6EECF244321}">
+                  <p14:modId xmlns:p14="http://schemas.microsoft.com/office/powerpoint/2010/main" val="3123992499"/>
+                </p:ext>
+              </p:extLst>
+            </p:nvPr>
+          </p:nvGraphicFramePr>
+          <p:xfrm>
+            <a:off x="10641336" y="4499969"/>
+            <a:ext cx="2466975" cy="779463"/>
+          </p:xfrm>
+          <a:graphic>
+            <a:graphicData uri="http://schemas.openxmlformats.org/presentationml/2006/ole">
+              <mc:AlternateContent xmlns:mc="http://schemas.openxmlformats.org/markup-compatibility/2006">
+                <mc:Choice xmlns:v="urn:schemas-microsoft-com:vml" Requires="v">
+                  <p:oleObj spid="_x0000_s2114" name="AxMath" r:id="rId18" imgW="780120" imgH="246240" progId="Equation.AxMath">
+                    <p:embed/>
+                  </p:oleObj>
+                </mc:Choice>
+                <mc:Fallback>
+                  <p:oleObj name="AxMath" r:id="rId18" imgW="780120" imgH="246240" progId="Equation.AxMath">
+                    <p:embed/>
+                    <p:pic>
+                      <p:nvPicPr>
+                        <p:cNvPr id="77" name="对象 76">
+                          <a:extLst>
+                            <a:ext uri="{FF2B5EF4-FFF2-40B4-BE49-F238E27FC236}">
+                              <a16:creationId xmlns:a16="http://schemas.microsoft.com/office/drawing/2014/main" id="{96F3C14E-3603-4AA7-BB19-15BBF0F09F41}"/>
+                            </a:ext>
+                          </a:extLst>
+                        </p:cNvPr>
+                        <p:cNvPicPr/>
+                        <p:nvPr/>
+                      </p:nvPicPr>
+                      <p:blipFill>
+                        <a:blip r:embed="rId19"/>
+                        <a:stretch>
+                          <a:fillRect/>
+                        </a:stretch>
+                      </p:blipFill>
+                      <p:spPr>
+                        <a:xfrm>
+                          <a:off x="10641336" y="4499969"/>
+                          <a:ext cx="2466975" cy="779463"/>
+                        </a:xfrm>
+                        <a:prstGeom prst="rect">
+                          <a:avLst/>
+                        </a:prstGeom>
+                      </p:spPr>
+                    </p:pic>
+                  </p:oleObj>
+                </mc:Fallback>
+              </mc:AlternateContent>
+            </a:graphicData>
+          </a:graphic>
+        </p:graphicFrame>
+      </p:grpSp>
+    </p:spTree>
+    <p:extLst>
+      <p:ext uri="{BB962C8B-B14F-4D97-AF65-F5344CB8AC3E}">
+        <p14:creationId xmlns:p14="http://schemas.microsoft.com/office/powerpoint/2010/main" val="2392595941"/>
+      </p:ext>
+    </p:extLst>
+  </p:cSld>
+  <p:clrMapOvr>
+    <a:masterClrMapping/>
+  </p:clrMapOvr>
+</p:sld>
+</file>
+
+<file path=ppt/slides/slide4.xml><?xml version="1.0" encoding="utf-8"?>
+<p:sld xmlns:a="http://schemas.openxmlformats.org/drawingml/2006/main" xmlns:r="http://schemas.openxmlformats.org/officeDocument/2006/relationships" xmlns:p="http://schemas.openxmlformats.org/presentationml/2006/main">
+  <p:cSld>
+    <p:spTree>
+      <p:nvGrpSpPr>
+        <p:cNvPr id="1" name=""/>
+        <p:cNvGrpSpPr/>
+        <p:nvPr/>
+      </p:nvGrpSpPr>
+      <p:grpSpPr>
+        <a:xfrm>
+          <a:off x="0" y="0"/>
+          <a:ext cx="0" cy="0"/>
+          <a:chOff x="0" y="0"/>
+          <a:chExt cx="0" cy="0"/>
+        </a:xfrm>
+      </p:grpSpPr>
+      <p:grpSp>
+        <p:nvGrpSpPr>
+          <p:cNvPr id="17" name="组合 16">
+            <a:extLst>
+              <a:ext uri="{FF2B5EF4-FFF2-40B4-BE49-F238E27FC236}">
+                <a16:creationId xmlns:a16="http://schemas.microsoft.com/office/drawing/2014/main" id="{4247CF66-7E9F-4D3A-B75C-1266A8F80541}"/>
+              </a:ext>
+            </a:extLst>
+          </p:cNvPr>
+          <p:cNvGrpSpPr/>
+          <p:nvPr/>
+        </p:nvGrpSpPr>
+        <p:grpSpPr>
+          <a:xfrm>
+            <a:off x="-3153485" y="1493276"/>
+            <a:ext cx="17444831" cy="4533812"/>
+            <a:chOff x="-3153485" y="1493276"/>
+            <a:chExt cx="17444831" cy="4533812"/>
+          </a:xfrm>
+        </p:grpSpPr>
+        <p:pic>
+          <p:nvPicPr>
+            <p:cNvPr id="3" name="图片 2">
+              <a:extLst>
+                <a:ext uri="{FF2B5EF4-FFF2-40B4-BE49-F238E27FC236}">
+                  <a16:creationId xmlns:a16="http://schemas.microsoft.com/office/drawing/2014/main" id="{A8D5A775-221B-4BA9-A944-DA86BF20E33F}"/>
+                </a:ext>
+              </a:extLst>
+            </p:cNvPr>
+            <p:cNvPicPr>
+              <a:picLocks noChangeAspect="1"/>
+            </p:cNvPicPr>
+            <p:nvPr/>
+          </p:nvPicPr>
+          <p:blipFill>
+            <a:blip r:embed="rId3"/>
+            <a:stretch>
+              <a:fillRect/>
+            </a:stretch>
+          </p:blipFill>
+          <p:spPr>
+            <a:xfrm>
+              <a:off x="-2583728" y="1493276"/>
+              <a:ext cx="1870751" cy="2042810"/>
+            </a:xfrm>
+            <a:prstGeom prst="rect">
+              <a:avLst/>
+            </a:prstGeom>
+          </p:spPr>
+        </p:pic>
+        <p:pic>
+          <p:nvPicPr>
+            <p:cNvPr id="6" name="图片 5">
+              <a:extLst>
+                <a:ext uri="{FF2B5EF4-FFF2-40B4-BE49-F238E27FC236}">
+                  <a16:creationId xmlns:a16="http://schemas.microsoft.com/office/drawing/2014/main" id="{F9DE2FF7-A5A4-4032-BF2A-869185CFF178}"/>
+                </a:ext>
+              </a:extLst>
+            </p:cNvPr>
+            <p:cNvPicPr>
+              <a:picLocks noChangeAspect="1"/>
+            </p:cNvPicPr>
+            <p:nvPr/>
+          </p:nvPicPr>
+          <p:blipFill>
+            <a:blip r:embed="rId4"/>
+            <a:stretch>
+              <a:fillRect/>
+            </a:stretch>
+          </p:blipFill>
+          <p:spPr>
+            <a:xfrm>
+              <a:off x="-2555829" y="3819740"/>
+              <a:ext cx="1873214" cy="2207348"/>
+            </a:xfrm>
+            <a:prstGeom prst="rect">
+              <a:avLst/>
+            </a:prstGeom>
+          </p:spPr>
+        </p:pic>
+        <p:grpSp>
+          <p:nvGrpSpPr>
+            <p:cNvPr id="21" name="组合 20">
+              <a:extLst>
+                <a:ext uri="{FF2B5EF4-FFF2-40B4-BE49-F238E27FC236}">
+                  <a16:creationId xmlns:a16="http://schemas.microsoft.com/office/drawing/2014/main" id="{6D1612C7-34D6-4D7A-9C89-682F792D46C9}"/>
+                </a:ext>
+              </a:extLst>
+            </p:cNvPr>
+            <p:cNvGrpSpPr/>
+            <p:nvPr/>
+          </p:nvGrpSpPr>
+          <p:grpSpPr>
+            <a:xfrm>
+              <a:off x="508133" y="3119958"/>
+              <a:ext cx="2796005" cy="1200429"/>
+              <a:chOff x="5198535" y="2678289"/>
+              <a:chExt cx="3217328" cy="1505656"/>
+            </a:xfrm>
+          </p:grpSpPr>
+          <p:sp>
+            <p:nvSpPr>
+              <p:cNvPr id="9" name="梯形 8">
+                <a:extLst>
+                  <a:ext uri="{FF2B5EF4-FFF2-40B4-BE49-F238E27FC236}">
+                    <a16:creationId xmlns:a16="http://schemas.microsoft.com/office/drawing/2014/main" id="{42BA3362-66AF-4C8D-8746-732D38148B4A}"/>
+                  </a:ext>
+                </a:extLst>
+              </p:cNvPr>
+              <p:cNvSpPr/>
+              <p:nvPr/>
+            </p:nvSpPr>
+            <p:spPr>
+              <a:xfrm rot="5400000">
+                <a:off x="4910667" y="2970391"/>
+                <a:ext cx="1501422" cy="925685"/>
+              </a:xfrm>
+              <a:prstGeom prst="trapezoid">
+                <a:avLst/>
+              </a:prstGeom>
+              <a:solidFill>
+                <a:schemeClr val="bg1"/>
+              </a:solidFill>
+              <a:ln>
+                <a:solidFill>
+                  <a:schemeClr val="tx1"/>
+                </a:solidFill>
+              </a:ln>
+            </p:spPr>
+            <p:style>
+              <a:lnRef idx="2">
+                <a:schemeClr val="accent1">
+                  <a:shade val="50000"/>
+                </a:schemeClr>
+              </a:lnRef>
+              <a:fillRef idx="1">
+                <a:schemeClr val="accent1"/>
+              </a:fillRef>
+              <a:effectRef idx="0">
+                <a:schemeClr val="accent1"/>
+              </a:effectRef>
+              <a:fontRef idx="minor">
+                <a:schemeClr val="lt1"/>
+              </a:fontRef>
+            </p:style>
+            <p:txBody>
+              <a:bodyPr rtlCol="0" anchor="ctr"/>
+              <a:lstStyle/>
+              <a:p>
+                <a:pPr algn="ctr"/>
+                <a:endParaRPr lang="zh-CN" altLang="en-US"/>
+              </a:p>
+            </p:txBody>
+          </p:sp>
+          <p:sp>
+            <p:nvSpPr>
+              <p:cNvPr id="15" name="矩形 14">
+                <a:extLst>
+                  <a:ext uri="{FF2B5EF4-FFF2-40B4-BE49-F238E27FC236}">
+                    <a16:creationId xmlns:a16="http://schemas.microsoft.com/office/drawing/2014/main" id="{692840EB-C5FF-4591-BD39-1A93B62BD81C}"/>
+                  </a:ext>
+                </a:extLst>
+              </p:cNvPr>
+              <p:cNvSpPr/>
+              <p:nvPr/>
+            </p:nvSpPr>
+            <p:spPr>
+              <a:xfrm>
+                <a:off x="6124221" y="2905478"/>
+                <a:ext cx="1365956" cy="1047044"/>
+              </a:xfrm>
+              <a:prstGeom prst="rect">
+                <a:avLst/>
+              </a:prstGeom>
+              <a:solidFill>
+                <a:schemeClr val="bg1"/>
+              </a:solidFill>
+              <a:ln>
+                <a:solidFill>
+                  <a:schemeClr val="tx1"/>
+                </a:solidFill>
+              </a:ln>
+            </p:spPr>
+            <p:style>
+              <a:lnRef idx="2">
+                <a:schemeClr val="accent1">
+                  <a:shade val="50000"/>
+                </a:schemeClr>
+              </a:lnRef>
+              <a:fillRef idx="1">
+                <a:schemeClr val="accent1"/>
+              </a:fillRef>
+              <a:effectRef idx="0">
+                <a:schemeClr val="accent1"/>
+              </a:effectRef>
+              <a:fontRef idx="minor">
+                <a:schemeClr val="lt1"/>
+              </a:fontRef>
+            </p:style>
+            <p:txBody>
+              <a:bodyPr rtlCol="0" anchor="ctr"/>
+              <a:lstStyle/>
+              <a:p>
+                <a:pPr algn="ctr"/>
+                <a:r>
+                  <a:rPr lang="en-US" altLang="zh-CN" sz="1600" b="1" dirty="0" err="1">
+                    <a:solidFill>
+                      <a:schemeClr val="tx1"/>
+                    </a:solidFill>
+                  </a:rPr>
+                  <a:t>Keypoints</a:t>
+                </a:r>
+                <a:endParaRPr lang="en-US" altLang="zh-CN" sz="1600" b="1" dirty="0">
+                  <a:solidFill>
+                    <a:schemeClr val="tx1"/>
+                  </a:solidFill>
+                </a:endParaRPr>
+              </a:p>
+              <a:p>
+                <a:pPr algn="ctr"/>
+                <a:r>
+                  <a:rPr lang="en-US" altLang="zh-CN" sz="1600" b="1" dirty="0">
+                    <a:solidFill>
+                      <a:schemeClr val="tx1"/>
+                    </a:solidFill>
+                  </a:rPr>
+                  <a:t>Detector</a:t>
+                </a:r>
+                <a:endParaRPr lang="zh-CN" altLang="en-US" sz="1600" b="1" dirty="0">
+                  <a:solidFill>
+                    <a:schemeClr val="tx1"/>
+                  </a:solidFill>
+                </a:endParaRPr>
+              </a:p>
+            </p:txBody>
+          </p:sp>
+          <p:sp>
+            <p:nvSpPr>
+              <p:cNvPr id="19" name="梯形 18">
+                <a:extLst>
+                  <a:ext uri="{FF2B5EF4-FFF2-40B4-BE49-F238E27FC236}">
+                    <a16:creationId xmlns:a16="http://schemas.microsoft.com/office/drawing/2014/main" id="{7707A957-1D49-40E1-93F1-1B0D614D24DB}"/>
+                  </a:ext>
+                </a:extLst>
+              </p:cNvPr>
+              <p:cNvSpPr/>
+              <p:nvPr/>
+            </p:nvSpPr>
+            <p:spPr>
+              <a:xfrm rot="16200000">
+                <a:off x="7202310" y="2966157"/>
+                <a:ext cx="1501422" cy="925685"/>
+              </a:xfrm>
+              <a:prstGeom prst="trapezoid">
+                <a:avLst/>
+              </a:prstGeom>
+              <a:solidFill>
+                <a:schemeClr val="bg1"/>
+              </a:solidFill>
+              <a:ln>
+                <a:solidFill>
+                  <a:schemeClr val="tx1"/>
+                </a:solidFill>
+              </a:ln>
+            </p:spPr>
+            <p:style>
+              <a:lnRef idx="2">
+                <a:schemeClr val="accent1">
+                  <a:shade val="50000"/>
+                </a:schemeClr>
+              </a:lnRef>
+              <a:fillRef idx="1">
+                <a:schemeClr val="accent1"/>
+              </a:fillRef>
+              <a:effectRef idx="0">
+                <a:schemeClr val="accent1"/>
+              </a:effectRef>
+              <a:fontRef idx="minor">
+                <a:schemeClr val="lt1"/>
+              </a:fontRef>
+            </p:style>
+            <p:txBody>
+              <a:bodyPr rtlCol="0" anchor="ctr"/>
+              <a:lstStyle/>
+              <a:p>
+                <a:pPr algn="ctr"/>
+                <a:endParaRPr lang="zh-CN" altLang="en-US"/>
+              </a:p>
+            </p:txBody>
+          </p:sp>
+        </p:grpSp>
+        <p:cxnSp>
+          <p:nvCxnSpPr>
+            <p:cNvPr id="25" name="连接符: 肘形 24">
+              <a:extLst>
+                <a:ext uri="{FF2B5EF4-FFF2-40B4-BE49-F238E27FC236}">
+                  <a16:creationId xmlns:a16="http://schemas.microsoft.com/office/drawing/2014/main" id="{36634BD9-2F87-4F14-A226-048C2709C884}"/>
+                </a:ext>
+              </a:extLst>
+            </p:cNvPr>
+            <p:cNvCxnSpPr>
+              <a:cxnSpLocks/>
+              <a:stCxn id="3" idx="3"/>
+            </p:cNvCxnSpPr>
+            <p:nvPr/>
+          </p:nvCxnSpPr>
+          <p:spPr>
+            <a:xfrm>
+              <a:off x="-712977" y="2514681"/>
+              <a:ext cx="1221109" cy="969652"/>
+            </a:xfrm>
+            <a:prstGeom prst="bentConnector3">
+              <a:avLst/>
+            </a:prstGeom>
+            <a:ln w="38100">
+              <a:tailEnd type="triangle"/>
+            </a:ln>
+          </p:spPr>
+          <p:style>
+            <a:lnRef idx="3">
+              <a:schemeClr val="accent6"/>
+            </a:lnRef>
+            <a:fillRef idx="0">
+              <a:schemeClr val="accent6"/>
+            </a:fillRef>
+            <a:effectRef idx="2">
+              <a:schemeClr val="accent6"/>
+            </a:effectRef>
+            <a:fontRef idx="minor">
+              <a:schemeClr val="tx1"/>
+            </a:fontRef>
+          </p:style>
+        </p:cxnSp>
+        <p:cxnSp>
+          <p:nvCxnSpPr>
+            <p:cNvPr id="29" name="连接符: 肘形 28">
+              <a:extLst>
+                <a:ext uri="{FF2B5EF4-FFF2-40B4-BE49-F238E27FC236}">
+                  <a16:creationId xmlns:a16="http://schemas.microsoft.com/office/drawing/2014/main" id="{895AC57D-02EA-4967-8DDE-CDE1245D23E4}"/>
+                </a:ext>
+              </a:extLst>
+            </p:cNvPr>
+            <p:cNvCxnSpPr>
+              <a:cxnSpLocks/>
+              <a:stCxn id="6" idx="3"/>
+            </p:cNvCxnSpPr>
+            <p:nvPr/>
+          </p:nvCxnSpPr>
+          <p:spPr>
+            <a:xfrm flipV="1">
+              <a:off x="-682615" y="4001998"/>
+              <a:ext cx="1187079" cy="921416"/>
+            </a:xfrm>
+            <a:prstGeom prst="bentConnector3">
+              <a:avLst>
+                <a:gd name="adj1" fmla="val 45816"/>
+              </a:avLst>
+            </a:prstGeom>
+            <a:ln w="38100">
+              <a:tailEnd type="triangle"/>
+            </a:ln>
+          </p:spPr>
+          <p:style>
+            <a:lnRef idx="3">
+              <a:schemeClr val="accent5"/>
+            </a:lnRef>
+            <a:fillRef idx="0">
+              <a:schemeClr val="accent5"/>
+            </a:fillRef>
+            <a:effectRef idx="2">
+              <a:schemeClr val="accent5"/>
+            </a:effectRef>
+            <a:fontRef idx="minor">
+              <a:schemeClr val="tx1"/>
+            </a:fontRef>
+          </p:style>
+        </p:cxnSp>
+        <p:pic>
+          <p:nvPicPr>
+            <p:cNvPr id="45" name="图片 44">
+              <a:extLst>
+                <a:ext uri="{FF2B5EF4-FFF2-40B4-BE49-F238E27FC236}">
+                  <a16:creationId xmlns:a16="http://schemas.microsoft.com/office/drawing/2014/main" id="{521590F7-9BEC-4320-BFE0-FD5F599FD6F5}"/>
+                </a:ext>
+              </a:extLst>
+            </p:cNvPr>
+            <p:cNvPicPr>
+              <a:picLocks noChangeAspect="1"/>
+            </p:cNvPicPr>
+            <p:nvPr/>
+          </p:nvPicPr>
+          <p:blipFill>
+            <a:blip r:embed="rId5"/>
+            <a:stretch>
+              <a:fillRect/>
+            </a:stretch>
+          </p:blipFill>
+          <p:spPr>
+            <a:xfrm>
+              <a:off x="4133750" y="2102209"/>
+              <a:ext cx="1415480" cy="1321371"/>
+            </a:xfrm>
+            <a:prstGeom prst="rect">
+              <a:avLst/>
+            </a:prstGeom>
+          </p:spPr>
+        </p:pic>
+        <p:pic>
+          <p:nvPicPr>
+            <p:cNvPr id="48" name="图片 47">
+              <a:extLst>
+                <a:ext uri="{FF2B5EF4-FFF2-40B4-BE49-F238E27FC236}">
+                  <a16:creationId xmlns:a16="http://schemas.microsoft.com/office/drawing/2014/main" id="{81ECC4DF-4371-4A64-A742-95236C63CE45}"/>
+                </a:ext>
+              </a:extLst>
+            </p:cNvPr>
+            <p:cNvPicPr>
+              <a:picLocks noChangeAspect="1"/>
+            </p:cNvPicPr>
+            <p:nvPr/>
+          </p:nvPicPr>
+          <p:blipFill>
+            <a:blip r:embed="rId6"/>
+            <a:stretch>
+              <a:fillRect/>
+            </a:stretch>
+          </p:blipFill>
+          <p:spPr>
+            <a:xfrm>
+              <a:off x="4133750" y="4062750"/>
+              <a:ext cx="1407202" cy="1336560"/>
+            </a:xfrm>
+            <a:prstGeom prst="rect">
+              <a:avLst/>
+            </a:prstGeom>
+          </p:spPr>
+        </p:pic>
+        <p:cxnSp>
+          <p:nvCxnSpPr>
+            <p:cNvPr id="51" name="连接符: 肘形 50">
+              <a:extLst>
+                <a:ext uri="{FF2B5EF4-FFF2-40B4-BE49-F238E27FC236}">
+                  <a16:creationId xmlns:a16="http://schemas.microsoft.com/office/drawing/2014/main" id="{AA6C3718-D7F7-4B7E-B02D-6B920AC44BD9}"/>
+                </a:ext>
+              </a:extLst>
+            </p:cNvPr>
+            <p:cNvCxnSpPr>
+              <a:endCxn id="45" idx="1"/>
+            </p:cNvCxnSpPr>
+            <p:nvPr/>
+          </p:nvCxnSpPr>
+          <p:spPr>
+            <a:xfrm flipV="1">
+              <a:off x="3304139" y="2762895"/>
+              <a:ext cx="829611" cy="721438"/>
+            </a:xfrm>
+            <a:prstGeom prst="bentConnector3">
+              <a:avLst/>
+            </a:prstGeom>
+            <a:ln w="38100">
+              <a:tailEnd type="triangle"/>
+            </a:ln>
+          </p:spPr>
+          <p:style>
+            <a:lnRef idx="3">
+              <a:schemeClr val="accent6"/>
+            </a:lnRef>
+            <a:fillRef idx="0">
+              <a:schemeClr val="accent6"/>
+            </a:fillRef>
+            <a:effectRef idx="2">
+              <a:schemeClr val="accent6"/>
+            </a:effectRef>
+            <a:fontRef idx="minor">
+              <a:schemeClr val="tx1"/>
+            </a:fontRef>
+          </p:style>
+        </p:cxnSp>
+        <p:cxnSp>
+          <p:nvCxnSpPr>
+            <p:cNvPr id="53" name="连接符: 肘形 52">
+              <a:extLst>
+                <a:ext uri="{FF2B5EF4-FFF2-40B4-BE49-F238E27FC236}">
+                  <a16:creationId xmlns:a16="http://schemas.microsoft.com/office/drawing/2014/main" id="{3EBC5D85-630D-408B-8091-092B69D7354A}"/>
+                </a:ext>
+              </a:extLst>
+            </p:cNvPr>
+            <p:cNvCxnSpPr>
+              <a:cxnSpLocks/>
+              <a:endCxn id="48" idx="1"/>
+            </p:cNvCxnSpPr>
+            <p:nvPr/>
+          </p:nvCxnSpPr>
+          <p:spPr>
+            <a:xfrm>
+              <a:off x="3304138" y="4001998"/>
+              <a:ext cx="829612" cy="729033"/>
+            </a:xfrm>
+            <a:prstGeom prst="bentConnector3">
+              <a:avLst/>
+            </a:prstGeom>
+            <a:ln w="38100">
+              <a:tailEnd type="triangle"/>
+            </a:ln>
+          </p:spPr>
+          <p:style>
+            <a:lnRef idx="3">
+              <a:schemeClr val="accent5"/>
+            </a:lnRef>
+            <a:fillRef idx="0">
+              <a:schemeClr val="accent5"/>
+            </a:fillRef>
+            <a:effectRef idx="2">
+              <a:schemeClr val="accent5"/>
+            </a:effectRef>
+            <a:fontRef idx="minor">
+              <a:schemeClr val="tx1"/>
+            </a:fontRef>
+          </p:style>
+        </p:cxnSp>
+        <p:graphicFrame>
+          <p:nvGraphicFramePr>
+            <p:cNvPr id="56" name="对象 55">
+              <a:extLst>
+                <a:ext uri="{FF2B5EF4-FFF2-40B4-BE49-F238E27FC236}">
+                  <a16:creationId xmlns:a16="http://schemas.microsoft.com/office/drawing/2014/main" id="{578189A8-55D5-4662-B583-4BB2DEC97489}"/>
+                </a:ext>
+              </a:extLst>
+            </p:cNvPr>
+            <p:cNvGraphicFramePr>
+              <a:graphicFrameLocks noChangeAspect="1"/>
+            </p:cNvGraphicFramePr>
+            <p:nvPr>
+              <p:extLst>
+                <p:ext uri="{D42A27DB-BD31-4B8C-83A1-F6EECF244321}">
+                  <p14:modId xmlns:p14="http://schemas.microsoft.com/office/powerpoint/2010/main" val="3108767609"/>
+                </p:ext>
+              </p:extLst>
+            </p:nvPr>
+          </p:nvGraphicFramePr>
+          <p:xfrm>
+            <a:off x="1698501" y="4204788"/>
+            <a:ext cx="411599" cy="526242"/>
+          </p:xfrm>
+          <a:graphic>
+            <a:graphicData uri="http://schemas.openxmlformats.org/presentationml/2006/ole">
+              <mc:AlternateContent xmlns:mc="http://schemas.openxmlformats.org/markup-compatibility/2006">
+                <mc:Choice xmlns:v="urn:schemas-microsoft-com:vml" Requires="v">
+                  <p:oleObj spid="_x0000_s3104" name="AxMath" r:id="rId7" imgW="149040" imgH="207360" progId="Equation.AxMath">
+                    <p:embed/>
+                  </p:oleObj>
+                </mc:Choice>
+                <mc:Fallback>
+                  <p:oleObj name="AxMath" r:id="rId7" imgW="149040" imgH="207360" progId="Equation.AxMath">
+                    <p:embed/>
+                    <p:pic>
+                      <p:nvPicPr>
+                        <p:cNvPr id="56" name="对象 55">
+                          <a:extLst>
+                            <a:ext uri="{FF2B5EF4-FFF2-40B4-BE49-F238E27FC236}">
+                              <a16:creationId xmlns:a16="http://schemas.microsoft.com/office/drawing/2014/main" id="{578189A8-55D5-4662-B583-4BB2DEC97489}"/>
+                            </a:ext>
+                          </a:extLst>
+                        </p:cNvPr>
+                        <p:cNvPicPr/>
+                        <p:nvPr/>
+                      </p:nvPicPr>
+                      <p:blipFill>
+                        <a:blip r:embed="rId8"/>
+                        <a:stretch>
+                          <a:fillRect/>
+                        </a:stretch>
+                      </p:blipFill>
+                      <p:spPr>
+                        <a:xfrm>
+                          <a:off x="1698501" y="4204788"/>
+                          <a:ext cx="411599" cy="526242"/>
+                        </a:xfrm>
+                        <a:prstGeom prst="rect">
+                          <a:avLst/>
+                        </a:prstGeom>
+                      </p:spPr>
+                    </p:pic>
+                  </p:oleObj>
+                </mc:Fallback>
+              </mc:AlternateContent>
+            </a:graphicData>
+          </a:graphic>
+        </p:graphicFrame>
+        <p:pic>
+          <p:nvPicPr>
+            <p:cNvPr id="58" name="图片 57">
+              <a:extLst>
+                <a:ext uri="{FF2B5EF4-FFF2-40B4-BE49-F238E27FC236}">
+                  <a16:creationId xmlns:a16="http://schemas.microsoft.com/office/drawing/2014/main" id="{FD3EC0B7-9898-4A09-9CDA-39D184F8B21E}"/>
+                </a:ext>
+              </a:extLst>
+            </p:cNvPr>
+            <p:cNvPicPr>
+              <a:picLocks noChangeAspect="1"/>
+            </p:cNvPicPr>
+            <p:nvPr/>
+          </p:nvPicPr>
+          <p:blipFill>
+            <a:blip r:embed="rId9"/>
+            <a:stretch>
+              <a:fillRect/>
+            </a:stretch>
+          </p:blipFill>
+          <p:spPr>
+            <a:xfrm>
+              <a:off x="6926466" y="2966599"/>
+              <a:ext cx="1688643" cy="1587165"/>
+            </a:xfrm>
+            <a:prstGeom prst="rect">
+              <a:avLst/>
+            </a:prstGeom>
+          </p:spPr>
+        </p:pic>
+        <p:grpSp>
+          <p:nvGrpSpPr>
+            <p:cNvPr id="61" name="组合 60">
+              <a:extLst>
+                <a:ext uri="{FF2B5EF4-FFF2-40B4-BE49-F238E27FC236}">
+                  <a16:creationId xmlns:a16="http://schemas.microsoft.com/office/drawing/2014/main" id="{88207FD5-915D-4DF8-9278-FF0BCA262FAA}"/>
+                </a:ext>
+              </a:extLst>
+            </p:cNvPr>
+            <p:cNvGrpSpPr/>
+            <p:nvPr/>
+          </p:nvGrpSpPr>
+          <p:grpSpPr>
+            <a:xfrm>
+              <a:off x="5804279" y="3494072"/>
+              <a:ext cx="562313" cy="532219"/>
+              <a:chOff x="9280725" y="406513"/>
+              <a:chExt cx="809569" cy="729569"/>
+            </a:xfrm>
+          </p:grpSpPr>
+          <p:sp>
+            <p:nvSpPr>
+              <p:cNvPr id="59" name="减号 58">
+                <a:extLst>
+                  <a:ext uri="{FF2B5EF4-FFF2-40B4-BE49-F238E27FC236}">
+                    <a16:creationId xmlns:a16="http://schemas.microsoft.com/office/drawing/2014/main" id="{542215F1-E22E-4A64-B390-F6977839E1A2}"/>
+                  </a:ext>
+                </a:extLst>
+              </p:cNvPr>
+              <p:cNvSpPr/>
+              <p:nvPr/>
+            </p:nvSpPr>
+            <p:spPr>
+              <a:xfrm>
+                <a:off x="9376022" y="522741"/>
+                <a:ext cx="618977" cy="497114"/>
+              </a:xfrm>
+              <a:prstGeom prst="mathMinus">
+                <a:avLst/>
+              </a:prstGeom>
+            </p:spPr>
+            <p:style>
+              <a:lnRef idx="2">
+                <a:schemeClr val="accent1">
+                  <a:shade val="50000"/>
+                </a:schemeClr>
+              </a:lnRef>
+              <a:fillRef idx="1">
+                <a:schemeClr val="accent1"/>
+              </a:fillRef>
+              <a:effectRef idx="0">
+                <a:schemeClr val="accent1"/>
+              </a:effectRef>
+              <a:fontRef idx="minor">
+                <a:schemeClr val="lt1"/>
+              </a:fontRef>
+            </p:style>
+            <p:txBody>
+              <a:bodyPr rtlCol="0" anchor="ctr"/>
+              <a:lstStyle/>
+              <a:p>
+                <a:pPr algn="ctr"/>
+                <a:endParaRPr lang="zh-CN" altLang="en-US"/>
+              </a:p>
+            </p:txBody>
+          </p:sp>
+          <p:sp>
+            <p:nvSpPr>
+              <p:cNvPr id="60" name="椭圆 59">
+                <a:extLst>
+                  <a:ext uri="{FF2B5EF4-FFF2-40B4-BE49-F238E27FC236}">
+                    <a16:creationId xmlns:a16="http://schemas.microsoft.com/office/drawing/2014/main" id="{C0C71280-D44F-40C6-8DDA-A4A20FDDB95F}"/>
+                  </a:ext>
+                </a:extLst>
+              </p:cNvPr>
+              <p:cNvSpPr/>
+              <p:nvPr/>
+            </p:nvSpPr>
+            <p:spPr>
+              <a:xfrm>
+                <a:off x="9280725" y="406513"/>
+                <a:ext cx="809569" cy="729569"/>
+              </a:xfrm>
+              <a:prstGeom prst="ellipse">
+                <a:avLst/>
+              </a:prstGeom>
+              <a:noFill/>
+            </p:spPr>
+            <p:style>
+              <a:lnRef idx="2">
+                <a:schemeClr val="accent1">
+                  <a:shade val="50000"/>
+                </a:schemeClr>
+              </a:lnRef>
+              <a:fillRef idx="1">
+                <a:schemeClr val="accent1"/>
+              </a:fillRef>
+              <a:effectRef idx="0">
+                <a:schemeClr val="accent1"/>
+              </a:effectRef>
+              <a:fontRef idx="minor">
+                <a:schemeClr val="lt1"/>
+              </a:fontRef>
+            </p:style>
+            <p:txBody>
+              <a:bodyPr rtlCol="0" anchor="ctr"/>
+              <a:lstStyle/>
+              <a:p>
+                <a:pPr algn="ctr"/>
+                <a:endParaRPr lang="zh-CN" altLang="en-US"/>
+              </a:p>
+            </p:txBody>
+          </p:sp>
+        </p:grpSp>
+        <p:cxnSp>
+          <p:nvCxnSpPr>
+            <p:cNvPr id="63" name="连接符: 肘形 62">
+              <a:extLst>
+                <a:ext uri="{FF2B5EF4-FFF2-40B4-BE49-F238E27FC236}">
+                  <a16:creationId xmlns:a16="http://schemas.microsoft.com/office/drawing/2014/main" id="{76593B18-C5C4-40A6-BCAF-062C05F94BC7}"/>
+                </a:ext>
+              </a:extLst>
+            </p:cNvPr>
+            <p:cNvCxnSpPr>
+              <a:stCxn id="45" idx="3"/>
+              <a:endCxn id="60" idx="0"/>
+            </p:cNvCxnSpPr>
+            <p:nvPr/>
+          </p:nvCxnSpPr>
+          <p:spPr>
+            <a:xfrm>
+              <a:off x="5549230" y="2762895"/>
+              <a:ext cx="536206" cy="731177"/>
+            </a:xfrm>
+            <a:prstGeom prst="bentConnector2">
+              <a:avLst/>
+            </a:prstGeom>
+            <a:ln w="38100">
+              <a:solidFill>
+                <a:srgbClr val="70AD47"/>
+              </a:solidFill>
+            </a:ln>
+          </p:spPr>
+          <p:style>
+            <a:lnRef idx="1">
+              <a:schemeClr val="accent1"/>
+            </a:lnRef>
+            <a:fillRef idx="0">
+              <a:schemeClr val="accent1"/>
+            </a:fillRef>
+            <a:effectRef idx="0">
+              <a:schemeClr val="accent1"/>
+            </a:effectRef>
+            <a:fontRef idx="minor">
+              <a:schemeClr val="tx1"/>
+            </a:fontRef>
+          </p:style>
+        </p:cxnSp>
+        <p:cxnSp>
+          <p:nvCxnSpPr>
+            <p:cNvPr id="65" name="连接符: 肘形 64">
+              <a:extLst>
+                <a:ext uri="{FF2B5EF4-FFF2-40B4-BE49-F238E27FC236}">
+                  <a16:creationId xmlns:a16="http://schemas.microsoft.com/office/drawing/2014/main" id="{640A7F58-C3E6-4247-9850-F134E5F045DB}"/>
+                </a:ext>
+              </a:extLst>
+            </p:cNvPr>
+            <p:cNvCxnSpPr>
+              <a:stCxn id="48" idx="3"/>
+              <a:endCxn id="60" idx="4"/>
+            </p:cNvCxnSpPr>
+            <p:nvPr/>
+          </p:nvCxnSpPr>
+          <p:spPr>
+            <a:xfrm flipV="1">
+              <a:off x="5540952" y="4026292"/>
+              <a:ext cx="544483" cy="704739"/>
+            </a:xfrm>
+            <a:prstGeom prst="bentConnector2">
+              <a:avLst/>
+            </a:prstGeom>
+            <a:ln w="38100">
+              <a:solidFill>
+                <a:srgbClr val="5B9BD5"/>
+              </a:solidFill>
+            </a:ln>
+          </p:spPr>
+          <p:style>
+            <a:lnRef idx="1">
+              <a:schemeClr val="accent1"/>
+            </a:lnRef>
+            <a:fillRef idx="0">
+              <a:schemeClr val="accent1"/>
+            </a:fillRef>
+            <a:effectRef idx="0">
+              <a:schemeClr val="accent1"/>
+            </a:effectRef>
+            <a:fontRef idx="minor">
+              <a:schemeClr val="tx1"/>
+            </a:fontRef>
+          </p:style>
+        </p:cxnSp>
+        <p:cxnSp>
+          <p:nvCxnSpPr>
+            <p:cNvPr id="67" name="直接箭头连接符 66">
+              <a:extLst>
+                <a:ext uri="{FF2B5EF4-FFF2-40B4-BE49-F238E27FC236}">
+                  <a16:creationId xmlns:a16="http://schemas.microsoft.com/office/drawing/2014/main" id="{4FF03C80-A74D-4978-A5B3-A91F4AE21374}"/>
+                </a:ext>
+              </a:extLst>
+            </p:cNvPr>
+            <p:cNvCxnSpPr>
+              <a:stCxn id="60" idx="6"/>
+              <a:endCxn id="58" idx="1"/>
+            </p:cNvCxnSpPr>
+            <p:nvPr/>
+          </p:nvCxnSpPr>
+          <p:spPr>
+            <a:xfrm>
+              <a:off x="6366592" y="3760182"/>
+              <a:ext cx="559874" cy="0"/>
+            </a:xfrm>
+            <a:prstGeom prst="straightConnector1">
+              <a:avLst/>
+            </a:prstGeom>
+            <a:ln w="63500">
+              <a:solidFill>
+                <a:schemeClr val="tx1"/>
+              </a:solidFill>
+              <a:tailEnd type="triangle"/>
+            </a:ln>
+          </p:spPr>
+          <p:style>
+            <a:lnRef idx="1">
+              <a:schemeClr val="accent1"/>
+            </a:lnRef>
+            <a:fillRef idx="0">
+              <a:schemeClr val="accent1"/>
+            </a:fillRef>
+            <a:effectRef idx="0">
+              <a:schemeClr val="accent1"/>
+            </a:effectRef>
+            <a:fontRef idx="minor">
+              <a:schemeClr val="tx1"/>
+            </a:fontRef>
+          </p:style>
+        </p:cxnSp>
+        <p:graphicFrame>
+          <p:nvGraphicFramePr>
+            <p:cNvPr id="71" name="对象 70">
+              <a:extLst>
+                <a:ext uri="{FF2B5EF4-FFF2-40B4-BE49-F238E27FC236}">
+                  <a16:creationId xmlns:a16="http://schemas.microsoft.com/office/drawing/2014/main" id="{A59DE0A1-0B30-484B-9392-203C09955EAA}"/>
+                </a:ext>
+              </a:extLst>
+            </p:cNvPr>
+            <p:cNvGraphicFramePr>
+              <a:graphicFrameLocks noChangeAspect="1"/>
+            </p:cNvGraphicFramePr>
+            <p:nvPr>
+              <p:extLst>
+                <p:ext uri="{D42A27DB-BD31-4B8C-83A1-F6EECF244321}">
+                  <p14:modId xmlns:p14="http://schemas.microsoft.com/office/powerpoint/2010/main" val="2561505882"/>
+                </p:ext>
+              </p:extLst>
+            </p:nvPr>
+          </p:nvGraphicFramePr>
+          <p:xfrm>
+            <a:off x="-3119934" y="2251419"/>
+            <a:ext cx="318690" cy="526523"/>
+          </p:xfrm>
+          <a:graphic>
+            <a:graphicData uri="http://schemas.openxmlformats.org/presentationml/2006/ole">
+              <mc:AlternateContent xmlns:mc="http://schemas.openxmlformats.org/markup-compatibility/2006">
+                <mc:Choice xmlns:v="urn:schemas-microsoft-com:vml" Requires="v">
+                  <p:oleObj spid="_x0000_s3105" name="AxMath" r:id="rId10" imgW="115200" imgH="207360" progId="Equation.AxMath">
+                    <p:embed/>
+                  </p:oleObj>
+                </mc:Choice>
+                <mc:Fallback>
+                  <p:oleObj name="AxMath" r:id="rId10" imgW="115200" imgH="207360" progId="Equation.AxMath">
+                    <p:embed/>
+                    <p:pic>
+                      <p:nvPicPr>
+                        <p:cNvPr id="71" name="对象 70">
+                          <a:extLst>
+                            <a:ext uri="{FF2B5EF4-FFF2-40B4-BE49-F238E27FC236}">
+                              <a16:creationId xmlns:a16="http://schemas.microsoft.com/office/drawing/2014/main" id="{A59DE0A1-0B30-484B-9392-203C09955EAA}"/>
+                            </a:ext>
+                          </a:extLst>
+                        </p:cNvPr>
+                        <p:cNvPicPr/>
+                        <p:nvPr/>
+                      </p:nvPicPr>
+                      <p:blipFill>
+                        <a:blip r:embed="rId11"/>
+                        <a:stretch>
+                          <a:fillRect/>
+                        </a:stretch>
+                      </p:blipFill>
+                      <p:spPr>
+                        <a:xfrm>
+                          <a:off x="-3119934" y="2251419"/>
+                          <a:ext cx="318690" cy="526523"/>
+                        </a:xfrm>
+                        <a:prstGeom prst="rect">
+                          <a:avLst/>
+                        </a:prstGeom>
+                      </p:spPr>
+                    </p:pic>
+                  </p:oleObj>
+                </mc:Fallback>
+              </mc:AlternateContent>
+            </a:graphicData>
+          </a:graphic>
+        </p:graphicFrame>
+        <p:graphicFrame>
+          <p:nvGraphicFramePr>
+            <p:cNvPr id="73" name="对象 72">
+              <a:extLst>
+                <a:ext uri="{FF2B5EF4-FFF2-40B4-BE49-F238E27FC236}">
+                  <a16:creationId xmlns:a16="http://schemas.microsoft.com/office/drawing/2014/main" id="{D93F724D-C5CA-48A1-98F1-535FF5983341}"/>
+                </a:ext>
+              </a:extLst>
+            </p:cNvPr>
+            <p:cNvGraphicFramePr>
+              <a:graphicFrameLocks noChangeAspect="1"/>
+            </p:cNvGraphicFramePr>
+            <p:nvPr>
+              <p:extLst>
+                <p:ext uri="{D42A27DB-BD31-4B8C-83A1-F6EECF244321}">
+                  <p14:modId xmlns:p14="http://schemas.microsoft.com/office/powerpoint/2010/main" val="2255073755"/>
+                </p:ext>
+              </p:extLst>
+            </p:nvPr>
+          </p:nvGraphicFramePr>
+          <p:xfrm>
+            <a:off x="-3153485" y="4658816"/>
+            <a:ext cx="383532" cy="530321"/>
+          </p:xfrm>
+          <a:graphic>
+            <a:graphicData uri="http://schemas.openxmlformats.org/presentationml/2006/ole">
+              <mc:AlternateContent xmlns:mc="http://schemas.openxmlformats.org/markup-compatibility/2006">
+                <mc:Choice xmlns:v="urn:schemas-microsoft-com:vml" Requires="v">
+                  <p:oleObj spid="_x0000_s3106" name="AxMath" r:id="rId12" imgW="138960" imgH="208800" progId="Equation.AxMath">
+                    <p:embed/>
+                  </p:oleObj>
+                </mc:Choice>
+                <mc:Fallback>
+                  <p:oleObj name="AxMath" r:id="rId12" imgW="138960" imgH="208800" progId="Equation.AxMath">
+                    <p:embed/>
+                    <p:pic>
+                      <p:nvPicPr>
+                        <p:cNvPr id="73" name="对象 72">
+                          <a:extLst>
+                            <a:ext uri="{FF2B5EF4-FFF2-40B4-BE49-F238E27FC236}">
+                              <a16:creationId xmlns:a16="http://schemas.microsoft.com/office/drawing/2014/main" id="{D93F724D-C5CA-48A1-98F1-535FF5983341}"/>
+                            </a:ext>
+                          </a:extLst>
+                        </p:cNvPr>
+                        <p:cNvPicPr/>
+                        <p:nvPr/>
+                      </p:nvPicPr>
+                      <p:blipFill>
+                        <a:blip r:embed="rId13"/>
+                        <a:stretch>
+                          <a:fillRect/>
+                        </a:stretch>
+                      </p:blipFill>
+                      <p:spPr>
+                        <a:xfrm>
+                          <a:off x="-3153485" y="4658816"/>
+                          <a:ext cx="383532" cy="530321"/>
+                        </a:xfrm>
+                        <a:prstGeom prst="rect">
+                          <a:avLst/>
+                        </a:prstGeom>
+                      </p:spPr>
+                    </p:pic>
+                  </p:oleObj>
+                </mc:Fallback>
+              </mc:AlternateContent>
+            </a:graphicData>
+          </a:graphic>
+        </p:graphicFrame>
+        <p:graphicFrame>
+          <p:nvGraphicFramePr>
+            <p:cNvPr id="75" name="对象 74">
+              <a:extLst>
+                <a:ext uri="{FF2B5EF4-FFF2-40B4-BE49-F238E27FC236}">
+                  <a16:creationId xmlns:a16="http://schemas.microsoft.com/office/drawing/2014/main" id="{9C24C853-37A4-4D78-A433-E37EF725286A}"/>
+                </a:ext>
+              </a:extLst>
+            </p:cNvPr>
+            <p:cNvGraphicFramePr>
+              <a:graphicFrameLocks noChangeAspect="1"/>
+            </p:cNvGraphicFramePr>
+            <p:nvPr>
+              <p:extLst>
+                <p:ext uri="{D42A27DB-BD31-4B8C-83A1-F6EECF244321}">
+                  <p14:modId xmlns:p14="http://schemas.microsoft.com/office/powerpoint/2010/main" val="927974303"/>
+                </p:ext>
+              </p:extLst>
+            </p:nvPr>
+          </p:nvGraphicFramePr>
+          <p:xfrm>
+            <a:off x="2675502" y="1554099"/>
+            <a:ext cx="4323698" cy="545508"/>
+          </p:xfrm>
+          <a:graphic>
+            <a:graphicData uri="http://schemas.openxmlformats.org/presentationml/2006/ole">
+              <mc:AlternateContent xmlns:mc="http://schemas.openxmlformats.org/markup-compatibility/2006">
+                <mc:Choice xmlns:v="urn:schemas-microsoft-com:vml" Requires="v">
+                  <p:oleObj spid="_x0000_s3107" name="AxMath" r:id="rId14" imgW="1573560" imgH="215640" progId="Equation.AxMath">
+                    <p:embed/>
+                  </p:oleObj>
+                </mc:Choice>
+                <mc:Fallback>
+                  <p:oleObj name="AxMath" r:id="rId14" imgW="1573560" imgH="215640" progId="Equation.AxMath">
+                    <p:embed/>
+                    <p:pic>
+                      <p:nvPicPr>
+                        <p:cNvPr id="75" name="对象 74">
+                          <a:extLst>
+                            <a:ext uri="{FF2B5EF4-FFF2-40B4-BE49-F238E27FC236}">
+                              <a16:creationId xmlns:a16="http://schemas.microsoft.com/office/drawing/2014/main" id="{9C24C853-37A4-4D78-A433-E37EF725286A}"/>
+                            </a:ext>
+                          </a:extLst>
+                        </p:cNvPr>
+                        <p:cNvPicPr/>
+                        <p:nvPr/>
+                      </p:nvPicPr>
+                      <p:blipFill>
+                        <a:blip r:embed="rId15"/>
+                        <a:stretch>
+                          <a:fillRect/>
+                        </a:stretch>
+                      </p:blipFill>
+                      <p:spPr>
+                        <a:xfrm>
+                          <a:off x="2675502" y="1554099"/>
+                          <a:ext cx="4323698" cy="545508"/>
+                        </a:xfrm>
+                        <a:prstGeom prst="rect">
+                          <a:avLst/>
+                        </a:prstGeom>
+                      </p:spPr>
+                    </p:pic>
+                  </p:oleObj>
+                </mc:Fallback>
+              </mc:AlternateContent>
+            </a:graphicData>
+          </a:graphic>
+        </p:graphicFrame>
+        <p:graphicFrame>
+          <p:nvGraphicFramePr>
+            <p:cNvPr id="77" name="对象 76">
+              <a:extLst>
+                <a:ext uri="{FF2B5EF4-FFF2-40B4-BE49-F238E27FC236}">
+                  <a16:creationId xmlns:a16="http://schemas.microsoft.com/office/drawing/2014/main" id="{96F3C14E-3603-4AA7-BB19-15BBF0F09F41}"/>
+                </a:ext>
+              </a:extLst>
+            </p:cNvPr>
+            <p:cNvGraphicFramePr>
+              <a:graphicFrameLocks noChangeAspect="1"/>
+            </p:cNvGraphicFramePr>
+            <p:nvPr>
+              <p:extLst>
+                <p:ext uri="{D42A27DB-BD31-4B8C-83A1-F6EECF244321}">
+                  <p14:modId xmlns:p14="http://schemas.microsoft.com/office/powerpoint/2010/main" val="4173543280"/>
+                </p:ext>
+              </p:extLst>
+            </p:nvPr>
+          </p:nvGraphicFramePr>
+          <p:xfrm>
+            <a:off x="2675502" y="5435769"/>
+            <a:ext cx="4756895" cy="553103"/>
+          </p:xfrm>
+          <a:graphic>
+            <a:graphicData uri="http://schemas.openxmlformats.org/presentationml/2006/ole">
+              <mc:AlternateContent xmlns:mc="http://schemas.openxmlformats.org/markup-compatibility/2006">
+                <mc:Choice xmlns:v="urn:schemas-microsoft-com:vml" Requires="v">
+                  <p:oleObj spid="_x0000_s3108" name="AxMath" r:id="rId16" imgW="1728360" imgH="218880" progId="Equation.AxMath">
+                    <p:embed/>
+                  </p:oleObj>
+                </mc:Choice>
+                <mc:Fallback>
+                  <p:oleObj name="AxMath" r:id="rId16" imgW="1728360" imgH="218880" progId="Equation.AxMath">
+                    <p:embed/>
+                    <p:pic>
+                      <p:nvPicPr>
+                        <p:cNvPr id="77" name="对象 76">
+                          <a:extLst>
+                            <a:ext uri="{FF2B5EF4-FFF2-40B4-BE49-F238E27FC236}">
+                              <a16:creationId xmlns:a16="http://schemas.microsoft.com/office/drawing/2014/main" id="{96F3C14E-3603-4AA7-BB19-15BBF0F09F41}"/>
+                            </a:ext>
+                          </a:extLst>
+                        </p:cNvPr>
+                        <p:cNvPicPr/>
+                        <p:nvPr/>
+                      </p:nvPicPr>
+                      <p:blipFill>
+                        <a:blip r:embed="rId17"/>
+                        <a:stretch>
+                          <a:fillRect/>
+                        </a:stretch>
+                      </p:blipFill>
+                      <p:spPr>
+                        <a:xfrm>
+                          <a:off x="2675502" y="5435769"/>
+                          <a:ext cx="4756895" cy="553103"/>
+                        </a:xfrm>
+                        <a:prstGeom prst="rect">
+                          <a:avLst/>
+                        </a:prstGeom>
+                      </p:spPr>
+                    </p:pic>
+                  </p:oleObj>
+                </mc:Fallback>
+              </mc:AlternateContent>
+            </a:graphicData>
+          </a:graphic>
+        </p:graphicFrame>
+        <p:graphicFrame>
+          <p:nvGraphicFramePr>
+            <p:cNvPr id="79" name="对象 78">
+              <a:extLst>
+                <a:ext uri="{FF2B5EF4-FFF2-40B4-BE49-F238E27FC236}">
+                  <a16:creationId xmlns:a16="http://schemas.microsoft.com/office/drawing/2014/main" id="{340D1636-BC83-4BF3-9F53-0704DF627F9F}"/>
+                </a:ext>
+              </a:extLst>
+            </p:cNvPr>
+            <p:cNvGraphicFramePr>
+              <a:graphicFrameLocks noChangeAspect="1"/>
+            </p:cNvGraphicFramePr>
+            <p:nvPr>
+              <p:extLst>
+                <p:ext uri="{D42A27DB-BD31-4B8C-83A1-F6EECF244321}">
+                  <p14:modId xmlns:p14="http://schemas.microsoft.com/office/powerpoint/2010/main" val="2748677495"/>
+                </p:ext>
+              </p:extLst>
+            </p:nvPr>
+          </p:nvGraphicFramePr>
+          <p:xfrm>
+            <a:off x="6806201" y="4614044"/>
+            <a:ext cx="2143914" cy="621450"/>
+          </p:xfrm>
+          <a:graphic>
+            <a:graphicData uri="http://schemas.openxmlformats.org/presentationml/2006/ole">
+              <mc:AlternateContent xmlns:mc="http://schemas.openxmlformats.org/markup-compatibility/2006">
+                <mc:Choice xmlns:v="urn:schemas-microsoft-com:vml" Requires="v">
+                  <p:oleObj spid="_x0000_s3109" name="AxMath" r:id="rId18" imgW="780120" imgH="246240" progId="Equation.AxMath">
+                    <p:embed/>
+                  </p:oleObj>
+                </mc:Choice>
+                <mc:Fallback>
+                  <p:oleObj name="AxMath" r:id="rId18" imgW="780120" imgH="246240" progId="Equation.AxMath">
+                    <p:embed/>
+                    <p:pic>
+                      <p:nvPicPr>
+                        <p:cNvPr id="79" name="对象 78">
+                          <a:extLst>
+                            <a:ext uri="{FF2B5EF4-FFF2-40B4-BE49-F238E27FC236}">
+                              <a16:creationId xmlns:a16="http://schemas.microsoft.com/office/drawing/2014/main" id="{340D1636-BC83-4BF3-9F53-0704DF627F9F}"/>
+                            </a:ext>
+                          </a:extLst>
+                        </p:cNvPr>
+                        <p:cNvPicPr/>
+                        <p:nvPr/>
+                      </p:nvPicPr>
+                      <p:blipFill>
+                        <a:blip r:embed="rId19"/>
+                        <a:stretch>
+                          <a:fillRect/>
+                        </a:stretch>
+                      </p:blipFill>
+                      <p:spPr>
+                        <a:xfrm>
+                          <a:off x="6806201" y="4614044"/>
+                          <a:ext cx="2143914" cy="621450"/>
+                        </a:xfrm>
+                        <a:prstGeom prst="rect">
+                          <a:avLst/>
+                        </a:prstGeom>
+                      </p:spPr>
+                    </p:pic>
+                  </p:oleObj>
+                </mc:Fallback>
+              </mc:AlternateContent>
+            </a:graphicData>
+          </a:graphic>
+        </p:graphicFrame>
+        <p:pic>
+          <p:nvPicPr>
+            <p:cNvPr id="4" name="图片 3">
+              <a:extLst>
+                <a:ext uri="{FF2B5EF4-FFF2-40B4-BE49-F238E27FC236}">
+                  <a16:creationId xmlns:a16="http://schemas.microsoft.com/office/drawing/2014/main" id="{DF2A81F3-55EA-4383-BBFD-B0567285D7E1}"/>
+                </a:ext>
+              </a:extLst>
+            </p:cNvPr>
+            <p:cNvPicPr>
+              <a:picLocks noChangeAspect="1"/>
+            </p:cNvPicPr>
+            <p:nvPr/>
+          </p:nvPicPr>
+          <p:blipFill>
+            <a:blip r:embed="rId20"/>
+            <a:stretch>
+              <a:fillRect/>
+            </a:stretch>
+          </p:blipFill>
+          <p:spPr>
+            <a:xfrm>
+              <a:off x="12358013" y="2762894"/>
+              <a:ext cx="1933333" cy="2000000"/>
+            </a:xfrm>
+            <a:prstGeom prst="rect">
+              <a:avLst/>
+            </a:prstGeom>
+          </p:spPr>
+        </p:pic>
+        <p:sp>
+          <p:nvSpPr>
+            <p:cNvPr id="5" name="矩形 4">
+              <a:extLst>
+                <a:ext uri="{FF2B5EF4-FFF2-40B4-BE49-F238E27FC236}">
+                  <a16:creationId xmlns:a16="http://schemas.microsoft.com/office/drawing/2014/main" id="{C627E1BD-79A1-4190-A87D-41567AFB612D}"/>
+                </a:ext>
+              </a:extLst>
+            </p:cNvPr>
+            <p:cNvSpPr/>
+            <p:nvPr/>
+          </p:nvSpPr>
+          <p:spPr>
+            <a:xfrm>
+              <a:off x="9399622" y="3043277"/>
+              <a:ext cx="2173878" cy="1433807"/>
+            </a:xfrm>
+            <a:prstGeom prst="rect">
+              <a:avLst/>
+            </a:prstGeom>
+          </p:spPr>
+          <p:style>
+            <a:lnRef idx="1">
+              <a:schemeClr val="accent6"/>
+            </a:lnRef>
+            <a:fillRef idx="2">
+              <a:schemeClr val="accent6"/>
+            </a:fillRef>
+            <a:effectRef idx="1">
+              <a:schemeClr val="accent6"/>
+            </a:effectRef>
+            <a:fontRef idx="minor">
+              <a:schemeClr val="dk1"/>
+            </a:fontRef>
+          </p:style>
+          <p:txBody>
+            <a:bodyPr rtlCol="0" anchor="ctr"/>
+            <a:lstStyle/>
+            <a:p>
+              <a:pPr algn="ctr"/>
+              <a:r>
+                <a:rPr lang="en-US" altLang="zh-CN" sz="2400" b="1" dirty="0"/>
+                <a:t>Dense Motion Network</a:t>
+              </a:r>
+              <a:endParaRPr lang="zh-CN" altLang="en-US" sz="2400" b="1" dirty="0"/>
+            </a:p>
+          </p:txBody>
+        </p:sp>
+        <p:cxnSp>
+          <p:nvCxnSpPr>
+            <p:cNvPr id="8" name="直接箭头连接符 7">
+              <a:extLst>
+                <a:ext uri="{FF2B5EF4-FFF2-40B4-BE49-F238E27FC236}">
+                  <a16:creationId xmlns:a16="http://schemas.microsoft.com/office/drawing/2014/main" id="{B3CE21C4-315E-4EC9-81F1-4EB94E9BCC90}"/>
+                </a:ext>
+              </a:extLst>
+            </p:cNvPr>
+            <p:cNvCxnSpPr>
+              <a:stCxn id="58" idx="3"/>
+              <a:endCxn id="5" idx="1"/>
+            </p:cNvCxnSpPr>
+            <p:nvPr/>
+          </p:nvCxnSpPr>
+          <p:spPr>
+            <a:xfrm flipV="1">
+              <a:off x="8615109" y="3760181"/>
+              <a:ext cx="784513" cy="1"/>
+            </a:xfrm>
+            <a:prstGeom prst="straightConnector1">
+              <a:avLst/>
+            </a:prstGeom>
+            <a:ln w="50800">
+              <a:solidFill>
+                <a:schemeClr val="tx1"/>
+              </a:solidFill>
+              <a:tailEnd type="triangle"/>
+            </a:ln>
+          </p:spPr>
+          <p:style>
+            <a:lnRef idx="1">
+              <a:schemeClr val="accent1"/>
+            </a:lnRef>
+            <a:fillRef idx="0">
+              <a:schemeClr val="accent1"/>
+            </a:fillRef>
+            <a:effectRef idx="0">
+              <a:schemeClr val="accent1"/>
+            </a:effectRef>
+            <a:fontRef idx="minor">
+              <a:schemeClr val="tx1"/>
+            </a:fontRef>
+          </p:style>
+        </p:cxnSp>
+        <p:cxnSp>
+          <p:nvCxnSpPr>
+            <p:cNvPr id="12" name="直接箭头连接符 11">
+              <a:extLst>
+                <a:ext uri="{FF2B5EF4-FFF2-40B4-BE49-F238E27FC236}">
+                  <a16:creationId xmlns:a16="http://schemas.microsoft.com/office/drawing/2014/main" id="{D8070F64-B163-42BB-B2D2-377DDC37DF3B}"/>
+                </a:ext>
+              </a:extLst>
+            </p:cNvPr>
+            <p:cNvCxnSpPr>
+              <a:stCxn id="5" idx="3"/>
+              <a:endCxn id="4" idx="1"/>
+            </p:cNvCxnSpPr>
+            <p:nvPr/>
+          </p:nvCxnSpPr>
+          <p:spPr>
+            <a:xfrm>
+              <a:off x="11573500" y="3760181"/>
+              <a:ext cx="784513" cy="2713"/>
+            </a:xfrm>
+            <a:prstGeom prst="straightConnector1">
+              <a:avLst/>
+            </a:prstGeom>
+            <a:ln w="50800">
+              <a:solidFill>
+                <a:schemeClr val="tx1"/>
+              </a:solidFill>
+              <a:tailEnd type="triangle"/>
+            </a:ln>
+          </p:spPr>
+          <p:style>
+            <a:lnRef idx="1">
+              <a:schemeClr val="accent1"/>
+            </a:lnRef>
+            <a:fillRef idx="0">
+              <a:schemeClr val="accent1"/>
+            </a:fillRef>
+            <a:effectRef idx="0">
+              <a:schemeClr val="accent1"/>
+            </a:effectRef>
+            <a:fontRef idx="minor">
+              <a:schemeClr val="tx1"/>
+            </a:fontRef>
+          </p:style>
+        </p:cxnSp>
+        <p:graphicFrame>
+          <p:nvGraphicFramePr>
+            <p:cNvPr id="14" name="对象 13">
+              <a:extLst>
+                <a:ext uri="{FF2B5EF4-FFF2-40B4-BE49-F238E27FC236}">
+                  <a16:creationId xmlns:a16="http://schemas.microsoft.com/office/drawing/2014/main" id="{F8E6DCB3-44BB-451C-B503-14619C03DA80}"/>
+                </a:ext>
+              </a:extLst>
+            </p:cNvPr>
+            <p:cNvGraphicFramePr>
+              <a:graphicFrameLocks noChangeAspect="1"/>
+            </p:cNvGraphicFramePr>
+            <p:nvPr>
+              <p:extLst>
+                <p:ext uri="{D42A27DB-BD31-4B8C-83A1-F6EECF244321}">
+                  <p14:modId xmlns:p14="http://schemas.microsoft.com/office/powerpoint/2010/main" val="797387569"/>
+                </p:ext>
+              </p:extLst>
+            </p:nvPr>
+          </p:nvGraphicFramePr>
+          <p:xfrm>
+            <a:off x="10249024" y="4663674"/>
+            <a:ext cx="488950" cy="525463"/>
+          </p:xfrm>
+          <a:graphic>
+            <a:graphicData uri="http://schemas.openxmlformats.org/presentationml/2006/ole">
+              <mc:AlternateContent xmlns:mc="http://schemas.openxmlformats.org/markup-compatibility/2006">
+                <mc:Choice xmlns:v="urn:schemas-microsoft-com:vml" Requires="v">
+                  <p:oleObj spid="_x0000_s3110" name="AxMath" r:id="rId21" imgW="177840" imgH="207360" progId="Equation.AxMath">
+                    <p:embed/>
+                  </p:oleObj>
+                </mc:Choice>
+                <mc:Fallback>
+                  <p:oleObj name="AxMath" r:id="rId21" imgW="177840" imgH="207360" progId="Equation.AxMath">
+                    <p:embed/>
+                    <p:pic>
+                      <p:nvPicPr>
+                        <p:cNvPr id="79" name="对象 78">
+                          <a:extLst>
+                            <a:ext uri="{FF2B5EF4-FFF2-40B4-BE49-F238E27FC236}">
+                              <a16:creationId xmlns:a16="http://schemas.microsoft.com/office/drawing/2014/main" id="{340D1636-BC83-4BF3-9F53-0704DF627F9F}"/>
+                            </a:ext>
+                          </a:extLst>
+                        </p:cNvPr>
+                        <p:cNvPicPr/>
+                        <p:nvPr/>
+                      </p:nvPicPr>
+                      <p:blipFill>
+                        <a:blip r:embed="rId22"/>
+                        <a:stretch>
+                          <a:fillRect/>
+                        </a:stretch>
+                      </p:blipFill>
+                      <p:spPr>
+                        <a:xfrm>
+                          <a:off x="10249024" y="4663674"/>
+                          <a:ext cx="488950" cy="525463"/>
+                        </a:xfrm>
+                        <a:prstGeom prst="rect">
+                          <a:avLst/>
+                        </a:prstGeom>
+                      </p:spPr>
+                    </p:pic>
+                  </p:oleObj>
+                </mc:Fallback>
+              </mc:AlternateContent>
+            </a:graphicData>
+          </a:graphic>
+        </p:graphicFrame>
+        <p:graphicFrame>
+          <p:nvGraphicFramePr>
+            <p:cNvPr id="16" name="对象 15">
+              <a:extLst>
+                <a:ext uri="{FF2B5EF4-FFF2-40B4-BE49-F238E27FC236}">
+                  <a16:creationId xmlns:a16="http://schemas.microsoft.com/office/drawing/2014/main" id="{B40D422B-51AC-4D28-8353-EEE247EE3985}"/>
+                </a:ext>
+              </a:extLst>
+            </p:cNvPr>
+            <p:cNvGraphicFramePr>
+              <a:graphicFrameLocks noChangeAspect="1"/>
+            </p:cNvGraphicFramePr>
+            <p:nvPr>
+              <p:extLst>
+                <p:ext uri="{D42A27DB-BD31-4B8C-83A1-F6EECF244321}">
+                  <p14:modId xmlns:p14="http://schemas.microsoft.com/office/powerpoint/2010/main" val="334442735"/>
+                </p:ext>
+              </p:extLst>
+            </p:nvPr>
+          </p:nvGraphicFramePr>
+          <p:xfrm>
+            <a:off x="13080204" y="4923414"/>
+            <a:ext cx="488950" cy="666577"/>
+          </p:xfrm>
+          <a:graphic>
+            <a:graphicData uri="http://schemas.openxmlformats.org/presentationml/2006/ole">
+              <mc:AlternateContent xmlns:mc="http://schemas.openxmlformats.org/markup-compatibility/2006">
+                <mc:Choice xmlns:v="urn:schemas-microsoft-com:vml" Requires="v">
+                  <p:oleObj spid="_x0000_s3111" name="AxMath" r:id="rId23" imgW="146880" imgH="218520" progId="Equation.AxMath">
+                    <p:embed/>
+                  </p:oleObj>
+                </mc:Choice>
+                <mc:Fallback>
+                  <p:oleObj name="AxMath" r:id="rId23" imgW="146880" imgH="218520" progId="Equation.AxMath">
+                    <p:embed/>
+                    <p:pic>
+                      <p:nvPicPr>
+                        <p:cNvPr id="14" name="对象 13">
+                          <a:extLst>
+                            <a:ext uri="{FF2B5EF4-FFF2-40B4-BE49-F238E27FC236}">
+                              <a16:creationId xmlns:a16="http://schemas.microsoft.com/office/drawing/2014/main" id="{F8E6DCB3-44BB-451C-B503-14619C03DA80}"/>
+                            </a:ext>
+                          </a:extLst>
+                        </p:cNvPr>
+                        <p:cNvPicPr/>
+                        <p:nvPr/>
+                      </p:nvPicPr>
+                      <p:blipFill>
+                        <a:blip r:embed="rId24"/>
+                        <a:stretch>
+                          <a:fillRect/>
+                        </a:stretch>
+                      </p:blipFill>
+                      <p:spPr>
+                        <a:xfrm>
+                          <a:off x="13080204" y="4923414"/>
+                          <a:ext cx="488950" cy="666577"/>
+                        </a:xfrm>
+                        <a:prstGeom prst="rect">
+                          <a:avLst/>
+                        </a:prstGeom>
+                      </p:spPr>
+                    </p:pic>
+                  </p:oleObj>
+                </mc:Fallback>
+              </mc:AlternateContent>
+            </a:graphicData>
+          </a:graphic>
+        </p:graphicFrame>
+      </p:grpSp>
+    </p:spTree>
+    <p:extLst>
+      <p:ext uri="{BB962C8B-B14F-4D97-AF65-F5344CB8AC3E}">
+        <p14:creationId xmlns:p14="http://schemas.microsoft.com/office/powerpoint/2010/main" val="1501933662"/>
+      </p:ext>
+    </p:extLst>
+  </p:cSld>
+  <p:clrMapOvr>
+    <a:masterClrMapping/>
+  </p:clrMapOvr>
+</p:sld>
+</file>
+
+<file path=ppt/slides/slide5.xml><?xml version="1.0" encoding="utf-8"?>
+<p:sld xmlns:a="http://schemas.openxmlformats.org/drawingml/2006/main" xmlns:r="http://schemas.openxmlformats.org/officeDocument/2006/relationships" xmlns:p="http://schemas.openxmlformats.org/presentationml/2006/main">
+  <p:cSld>
+    <p:spTree>
+      <p:nvGrpSpPr>
+        <p:cNvPr id="1" name=""/>
+        <p:cNvGrpSpPr/>
+        <p:nvPr/>
+      </p:nvGrpSpPr>
+      <p:grpSpPr>
+        <a:xfrm>
+          <a:off x="0" y="0"/>
+          <a:ext cx="0" cy="0"/>
+          <a:chOff x="0" y="0"/>
+          <a:chExt cx="0" cy="0"/>
+        </a:xfrm>
+      </p:grpSpPr>
+      <p:grpSp>
+        <p:nvGrpSpPr>
+          <p:cNvPr id="32" name="组合 31">
+            <a:extLst>
+              <a:ext uri="{FF2B5EF4-FFF2-40B4-BE49-F238E27FC236}">
+                <a16:creationId xmlns:a16="http://schemas.microsoft.com/office/drawing/2014/main" id="{16C7DB8F-5606-430D-9551-758A3C758A9A}"/>
+              </a:ext>
+            </a:extLst>
+          </p:cNvPr>
+          <p:cNvGrpSpPr/>
+          <p:nvPr/>
+        </p:nvGrpSpPr>
+        <p:grpSpPr>
+          <a:xfrm>
+            <a:off x="674914" y="-758372"/>
+            <a:ext cx="9710058" cy="5007428"/>
+            <a:chOff x="1240971" y="925286"/>
+            <a:chExt cx="9710058" cy="5007428"/>
+          </a:xfrm>
+        </p:grpSpPr>
+        <p:sp>
+          <p:nvSpPr>
+            <p:cNvPr id="2" name="矩形 1">
+              <a:extLst>
+                <a:ext uri="{FF2B5EF4-FFF2-40B4-BE49-F238E27FC236}">
+                  <a16:creationId xmlns:a16="http://schemas.microsoft.com/office/drawing/2014/main" id="{64CAD6D7-9565-4BD7-BBD9-CFC0D1E80880}"/>
+                </a:ext>
+              </a:extLst>
+            </p:cNvPr>
+            <p:cNvSpPr/>
+            <p:nvPr/>
+          </p:nvSpPr>
+          <p:spPr>
+            <a:xfrm>
+              <a:off x="1240971" y="925286"/>
+              <a:ext cx="9710058" cy="5007428"/>
+            </a:xfrm>
+            <a:prstGeom prst="rect">
+              <a:avLst/>
+            </a:prstGeom>
+          </p:spPr>
+          <p:style>
+            <a:lnRef idx="1">
+              <a:schemeClr val="accent6"/>
+            </a:lnRef>
+            <a:fillRef idx="2">
+              <a:schemeClr val="accent6"/>
+            </a:fillRef>
+            <a:effectRef idx="1">
+              <a:schemeClr val="accent6"/>
+            </a:effectRef>
+            <a:fontRef idx="minor">
+              <a:schemeClr val="dk1"/>
+            </a:fontRef>
+          </p:style>
+          <p:txBody>
+            <a:bodyPr rtlCol="0" anchor="ctr"/>
+            <a:lstStyle/>
+            <a:p>
+              <a:pPr algn="ctr"/>
+              <a:endParaRPr lang="zh-CN" altLang="en-US"/>
+            </a:p>
+          </p:txBody>
+        </p:sp>
+        <p:graphicFrame>
+          <p:nvGraphicFramePr>
+            <p:cNvPr id="4" name="对象 3">
+              <a:extLst>
+                <a:ext uri="{FF2B5EF4-FFF2-40B4-BE49-F238E27FC236}">
+                  <a16:creationId xmlns:a16="http://schemas.microsoft.com/office/drawing/2014/main" id="{1AB3CD09-6E76-4DE7-8214-56F07817CFE5}"/>
+                </a:ext>
+              </a:extLst>
+            </p:cNvPr>
+            <p:cNvGraphicFramePr>
+              <a:graphicFrameLocks noChangeAspect="1"/>
+            </p:cNvGraphicFramePr>
+            <p:nvPr>
+              <p:extLst>
+                <p:ext uri="{D42A27DB-BD31-4B8C-83A1-F6EECF244321}">
+                  <p14:modId xmlns:p14="http://schemas.microsoft.com/office/powerpoint/2010/main" val="80436340"/>
+                </p:ext>
+              </p:extLst>
+            </p:nvPr>
+          </p:nvGraphicFramePr>
+          <p:xfrm>
+            <a:off x="1354592" y="925286"/>
+            <a:ext cx="764494" cy="827157"/>
+          </p:xfrm>
+          <a:graphic>
+            <a:graphicData uri="http://schemas.openxmlformats.org/presentationml/2006/ole">
+              <mc:AlternateContent xmlns:mc="http://schemas.openxmlformats.org/markup-compatibility/2006">
+                <mc:Choice xmlns:v="urn:schemas-microsoft-com:vml" Requires="v">
+                  <p:oleObj spid="_x0000_s1069" name="AxMath" r:id="rId3" imgW="193680" imgH="208800" progId="Equation.AxMath">
+                    <p:embed/>
+                  </p:oleObj>
+                </mc:Choice>
+                <mc:Fallback>
+                  <p:oleObj name="AxMath" r:id="rId3" imgW="193680" imgH="208800" progId="Equation.AxMath">
+                    <p:embed/>
+                    <p:pic>
+                      <p:nvPicPr>
+                        <p:cNvPr id="0" name=""/>
+                        <p:cNvPicPr/>
+                        <p:nvPr/>
+                      </p:nvPicPr>
+                      <p:blipFill>
+                        <a:blip r:embed="rId4"/>
+                        <a:stretch>
+                          <a:fillRect/>
+                        </a:stretch>
+                      </p:blipFill>
+                      <p:spPr>
+                        <a:xfrm>
+                          <a:off x="1354592" y="925286"/>
+                          <a:ext cx="764494" cy="827157"/>
+                        </a:xfrm>
+                        <a:prstGeom prst="rect">
+                          <a:avLst/>
+                        </a:prstGeom>
+                      </p:spPr>
+                    </p:pic>
+                  </p:oleObj>
+                </mc:Fallback>
+              </mc:AlternateContent>
+            </a:graphicData>
+          </a:graphic>
+        </p:graphicFrame>
+        <p:sp>
+          <p:nvSpPr>
+            <p:cNvPr id="5" name="椭圆 4">
+              <a:extLst>
+                <a:ext uri="{FF2B5EF4-FFF2-40B4-BE49-F238E27FC236}">
+                  <a16:creationId xmlns:a16="http://schemas.microsoft.com/office/drawing/2014/main" id="{8DA8094F-4FB7-4ACB-A395-E84203176D79}"/>
+                </a:ext>
+              </a:extLst>
+            </p:cNvPr>
+            <p:cNvSpPr/>
+            <p:nvPr/>
+          </p:nvSpPr>
+          <p:spPr>
+            <a:xfrm>
+              <a:off x="4310743" y="2743200"/>
+              <a:ext cx="319315" cy="301172"/>
+            </a:xfrm>
+            <a:prstGeom prst="ellipse">
+              <a:avLst/>
+            </a:prstGeom>
+          </p:spPr>
+          <p:style>
+            <a:lnRef idx="2">
+              <a:schemeClr val="accent1">
+                <a:shade val="50000"/>
+              </a:schemeClr>
+            </a:lnRef>
+            <a:fillRef idx="1">
+              <a:schemeClr val="accent1"/>
+            </a:fillRef>
+            <a:effectRef idx="0">
+              <a:schemeClr val="accent1"/>
+            </a:effectRef>
+            <a:fontRef idx="minor">
+              <a:schemeClr val="lt1"/>
+            </a:fontRef>
+          </p:style>
+          <p:txBody>
+            <a:bodyPr rtlCol="0" anchor="ctr"/>
+            <a:lstStyle/>
+            <a:p>
+              <a:pPr algn="ctr"/>
+              <a:endParaRPr lang="zh-CN" altLang="en-US"/>
+            </a:p>
+          </p:txBody>
+        </p:sp>
+        <p:sp>
+          <p:nvSpPr>
+            <p:cNvPr id="7" name="椭圆 6">
+              <a:extLst>
+                <a:ext uri="{FF2B5EF4-FFF2-40B4-BE49-F238E27FC236}">
+                  <a16:creationId xmlns:a16="http://schemas.microsoft.com/office/drawing/2014/main" id="{B031B128-A789-450E-AA49-D60098BC325D}"/>
+                </a:ext>
+              </a:extLst>
+            </p:cNvPr>
+            <p:cNvSpPr/>
+            <p:nvPr/>
+          </p:nvSpPr>
+          <p:spPr>
+            <a:xfrm>
+              <a:off x="5406572" y="1865086"/>
+              <a:ext cx="319315" cy="301172"/>
+            </a:xfrm>
+            <a:prstGeom prst="ellipse">
+              <a:avLst/>
+            </a:prstGeom>
+          </p:spPr>
+          <p:style>
+            <a:lnRef idx="2">
+              <a:schemeClr val="accent1">
+                <a:shade val="50000"/>
+              </a:schemeClr>
+            </a:lnRef>
+            <a:fillRef idx="1">
+              <a:schemeClr val="accent1"/>
+            </a:fillRef>
+            <a:effectRef idx="0">
+              <a:schemeClr val="accent1"/>
+            </a:effectRef>
+            <a:fontRef idx="minor">
+              <a:schemeClr val="lt1"/>
+            </a:fontRef>
+          </p:style>
+          <p:txBody>
+            <a:bodyPr rtlCol="0" anchor="ctr"/>
+            <a:lstStyle/>
+            <a:p>
+              <a:pPr algn="ctr"/>
+              <a:endParaRPr lang="zh-CN" altLang="en-US"/>
+            </a:p>
+          </p:txBody>
+        </p:sp>
+        <p:sp>
+          <p:nvSpPr>
+            <p:cNvPr id="8" name="椭圆 7">
+              <a:extLst>
+                <a:ext uri="{FF2B5EF4-FFF2-40B4-BE49-F238E27FC236}">
+                  <a16:creationId xmlns:a16="http://schemas.microsoft.com/office/drawing/2014/main" id="{5CB7B682-8B4A-4BAD-BE2A-1695D5386CBA}"/>
+                </a:ext>
+              </a:extLst>
+            </p:cNvPr>
+            <p:cNvSpPr/>
+            <p:nvPr/>
+          </p:nvSpPr>
+          <p:spPr>
+            <a:xfrm>
+              <a:off x="5406572" y="2893786"/>
+              <a:ext cx="319315" cy="301172"/>
+            </a:xfrm>
+            <a:prstGeom prst="ellipse">
+              <a:avLst/>
+            </a:prstGeom>
+          </p:spPr>
+          <p:style>
+            <a:lnRef idx="2">
+              <a:schemeClr val="accent1">
+                <a:shade val="50000"/>
+              </a:schemeClr>
+            </a:lnRef>
+            <a:fillRef idx="1">
+              <a:schemeClr val="accent1"/>
+            </a:fillRef>
+            <a:effectRef idx="0">
+              <a:schemeClr val="accent1"/>
+            </a:effectRef>
+            <a:fontRef idx="minor">
+              <a:schemeClr val="lt1"/>
+            </a:fontRef>
+          </p:style>
+          <p:txBody>
+            <a:bodyPr rtlCol="0" anchor="ctr"/>
+            <a:lstStyle/>
+            <a:p>
+              <a:pPr algn="ctr"/>
+              <a:endParaRPr lang="zh-CN" altLang="en-US"/>
+            </a:p>
+          </p:txBody>
+        </p:sp>
+        <p:sp>
+          <p:nvSpPr>
+            <p:cNvPr id="10" name="椭圆 9">
+              <a:extLst>
+                <a:ext uri="{FF2B5EF4-FFF2-40B4-BE49-F238E27FC236}">
+                  <a16:creationId xmlns:a16="http://schemas.microsoft.com/office/drawing/2014/main" id="{23945397-79FB-4880-A6F0-3984B4C002FD}"/>
+                </a:ext>
+              </a:extLst>
+            </p:cNvPr>
+            <p:cNvSpPr/>
+            <p:nvPr/>
+          </p:nvSpPr>
+          <p:spPr>
+            <a:xfrm>
+              <a:off x="5406571" y="3922486"/>
+              <a:ext cx="319315" cy="301172"/>
+            </a:xfrm>
+            <a:prstGeom prst="ellipse">
+              <a:avLst/>
+            </a:prstGeom>
+          </p:spPr>
+          <p:style>
+            <a:lnRef idx="2">
+              <a:schemeClr val="accent1">
+                <a:shade val="50000"/>
+              </a:schemeClr>
+            </a:lnRef>
+            <a:fillRef idx="1">
+              <a:schemeClr val="accent1"/>
+            </a:fillRef>
+            <a:effectRef idx="0">
+              <a:schemeClr val="accent1"/>
+            </a:effectRef>
+            <a:fontRef idx="minor">
+              <a:schemeClr val="lt1"/>
+            </a:fontRef>
+          </p:style>
+          <p:txBody>
+            <a:bodyPr rtlCol="0" anchor="ctr"/>
+            <a:lstStyle/>
+            <a:p>
+              <a:pPr algn="ctr"/>
+              <a:endParaRPr lang="zh-CN" altLang="en-US"/>
+            </a:p>
+          </p:txBody>
+        </p:sp>
+        <p:sp>
+          <p:nvSpPr>
+            <p:cNvPr id="11" name="椭圆 10">
+              <a:extLst>
+                <a:ext uri="{FF2B5EF4-FFF2-40B4-BE49-F238E27FC236}">
+                  <a16:creationId xmlns:a16="http://schemas.microsoft.com/office/drawing/2014/main" id="{0DFEE95C-28C2-4449-B3F2-CF2129FB67BE}"/>
+                </a:ext>
+              </a:extLst>
+            </p:cNvPr>
+            <p:cNvSpPr/>
+            <p:nvPr/>
+          </p:nvSpPr>
+          <p:spPr>
+            <a:xfrm>
+              <a:off x="6756400" y="3739243"/>
+              <a:ext cx="319315" cy="301172"/>
+            </a:xfrm>
+            <a:prstGeom prst="ellipse">
+              <a:avLst/>
+            </a:prstGeom>
+          </p:spPr>
+          <p:style>
+            <a:lnRef idx="2">
+              <a:schemeClr val="accent1">
+                <a:shade val="50000"/>
+              </a:schemeClr>
+            </a:lnRef>
+            <a:fillRef idx="1">
+              <a:schemeClr val="accent1"/>
+            </a:fillRef>
+            <a:effectRef idx="0">
+              <a:schemeClr val="accent1"/>
+            </a:effectRef>
+            <a:fontRef idx="minor">
+              <a:schemeClr val="lt1"/>
+            </a:fontRef>
+          </p:style>
+          <p:txBody>
+            <a:bodyPr rtlCol="0" anchor="ctr"/>
+            <a:lstStyle/>
+            <a:p>
+              <a:pPr algn="ctr"/>
+              <a:endParaRPr lang="zh-CN" altLang="en-US"/>
+            </a:p>
+          </p:txBody>
+        </p:sp>
+        <p:sp>
+          <p:nvSpPr>
+            <p:cNvPr id="12" name="椭圆 11">
+              <a:extLst>
+                <a:ext uri="{FF2B5EF4-FFF2-40B4-BE49-F238E27FC236}">
+                  <a16:creationId xmlns:a16="http://schemas.microsoft.com/office/drawing/2014/main" id="{C2D0298A-D01C-4AA9-AE73-69F14754EE64}"/>
+                </a:ext>
+              </a:extLst>
+            </p:cNvPr>
+            <p:cNvSpPr/>
+            <p:nvPr/>
+          </p:nvSpPr>
+          <p:spPr>
+            <a:xfrm>
+              <a:off x="6596742" y="2148116"/>
+              <a:ext cx="319315" cy="301172"/>
+            </a:xfrm>
+            <a:prstGeom prst="ellipse">
+              <a:avLst/>
+            </a:prstGeom>
+          </p:spPr>
+          <p:style>
+            <a:lnRef idx="2">
+              <a:schemeClr val="accent1">
+                <a:shade val="50000"/>
+              </a:schemeClr>
+            </a:lnRef>
+            <a:fillRef idx="1">
+              <a:schemeClr val="accent1"/>
+            </a:fillRef>
+            <a:effectRef idx="0">
+              <a:schemeClr val="accent1"/>
+            </a:effectRef>
+            <a:fontRef idx="minor">
+              <a:schemeClr val="lt1"/>
+            </a:fontRef>
+          </p:style>
+          <p:txBody>
+            <a:bodyPr rtlCol="0" anchor="ctr"/>
+            <a:lstStyle/>
+            <a:p>
+              <a:pPr algn="ctr"/>
+              <a:endParaRPr lang="zh-CN" altLang="en-US"/>
+            </a:p>
+          </p:txBody>
+        </p:sp>
+        <p:sp>
+          <p:nvSpPr>
+            <p:cNvPr id="13" name="椭圆 12">
+              <a:extLst>
+                <a:ext uri="{FF2B5EF4-FFF2-40B4-BE49-F238E27FC236}">
+                  <a16:creationId xmlns:a16="http://schemas.microsoft.com/office/drawing/2014/main" id="{0A06100F-5909-4670-A7A9-D1D035029CF6}"/>
+                </a:ext>
+              </a:extLst>
+            </p:cNvPr>
+            <p:cNvSpPr/>
+            <p:nvPr/>
+          </p:nvSpPr>
+          <p:spPr>
+            <a:xfrm>
+              <a:off x="4034971" y="1219200"/>
+              <a:ext cx="3889829" cy="3526971"/>
+            </a:xfrm>
+            <a:prstGeom prst="ellipse">
+              <a:avLst/>
+            </a:prstGeom>
+            <a:noFill/>
+            <a:ln>
+              <a:solidFill>
+                <a:srgbClr val="FF0000"/>
+              </a:solidFill>
+            </a:ln>
+          </p:spPr>
+          <p:style>
+            <a:lnRef idx="2">
+              <a:schemeClr val="accent1">
+                <a:shade val="50000"/>
+              </a:schemeClr>
+            </a:lnRef>
+            <a:fillRef idx="1">
+              <a:schemeClr val="accent1"/>
+            </a:fillRef>
+            <a:effectRef idx="0">
+              <a:schemeClr val="accent1"/>
+            </a:effectRef>
+            <a:fontRef idx="minor">
+              <a:schemeClr val="lt1"/>
+            </a:fontRef>
+          </p:style>
+          <p:txBody>
+            <a:bodyPr rtlCol="0" anchor="ctr"/>
+            <a:lstStyle/>
+            <a:p>
+              <a:pPr algn="ctr"/>
+              <a:endParaRPr lang="zh-CN" altLang="en-US"/>
+            </a:p>
+          </p:txBody>
+        </p:sp>
+        <p:sp>
+          <p:nvSpPr>
+            <p:cNvPr id="14" name="椭圆 13">
+              <a:extLst>
+                <a:ext uri="{FF2B5EF4-FFF2-40B4-BE49-F238E27FC236}">
+                  <a16:creationId xmlns:a16="http://schemas.microsoft.com/office/drawing/2014/main" id="{75663AB4-E63A-40B1-8BD7-0B6EC36A753C}"/>
+                </a:ext>
+              </a:extLst>
+            </p:cNvPr>
+            <p:cNvSpPr/>
+            <p:nvPr/>
+          </p:nvSpPr>
+          <p:spPr>
+            <a:xfrm>
+              <a:off x="5936342" y="2832101"/>
+              <a:ext cx="319315" cy="301172"/>
+            </a:xfrm>
+            <a:prstGeom prst="ellipse">
+              <a:avLst/>
+            </a:prstGeom>
+            <a:solidFill>
+              <a:srgbClr val="FF0000"/>
+            </a:solidFill>
+            <a:ln>
+              <a:solidFill>
+                <a:srgbClr val="FF0000"/>
+              </a:solidFill>
+            </a:ln>
+          </p:spPr>
+          <p:style>
+            <a:lnRef idx="2">
+              <a:schemeClr val="accent1">
+                <a:shade val="50000"/>
+              </a:schemeClr>
+            </a:lnRef>
+            <a:fillRef idx="1">
+              <a:schemeClr val="accent1"/>
+            </a:fillRef>
+            <a:effectRef idx="0">
+              <a:schemeClr val="accent1"/>
+            </a:effectRef>
+            <a:fontRef idx="minor">
+              <a:schemeClr val="lt1"/>
+            </a:fontRef>
+          </p:style>
+          <p:txBody>
+            <a:bodyPr rtlCol="0" anchor="ctr"/>
+            <a:lstStyle/>
+            <a:p>
+              <a:pPr algn="ctr"/>
+              <a:endParaRPr lang="zh-CN" altLang="en-US"/>
+            </a:p>
+          </p:txBody>
+        </p:sp>
+        <p:grpSp>
+          <p:nvGrpSpPr>
+            <p:cNvPr id="27" name="组合 26">
+              <a:extLst>
+                <a:ext uri="{FF2B5EF4-FFF2-40B4-BE49-F238E27FC236}">
+                  <a16:creationId xmlns:a16="http://schemas.microsoft.com/office/drawing/2014/main" id="{90983BFA-1681-4B02-8B63-2914D49EE95E}"/>
+                </a:ext>
+              </a:extLst>
+            </p:cNvPr>
+            <p:cNvGrpSpPr/>
+            <p:nvPr/>
+          </p:nvGrpSpPr>
+          <p:grpSpPr>
+            <a:xfrm>
+              <a:off x="6255657" y="1219200"/>
+              <a:ext cx="2670629" cy="1524000"/>
+              <a:chOff x="6255657" y="1219200"/>
+              <a:chExt cx="2670629" cy="1524000"/>
+            </a:xfrm>
+          </p:grpSpPr>
+          <p:cxnSp>
+            <p:nvCxnSpPr>
+              <p:cNvPr id="17" name="直接连接符 16">
+                <a:extLst>
+                  <a:ext uri="{FF2B5EF4-FFF2-40B4-BE49-F238E27FC236}">
+                    <a16:creationId xmlns:a16="http://schemas.microsoft.com/office/drawing/2014/main" id="{CDDFD22A-066E-4C87-9EC1-380C01B5C201}"/>
+                  </a:ext>
+                </a:extLst>
+              </p:cNvPr>
+              <p:cNvCxnSpPr/>
+              <p:nvPr/>
+            </p:nvCxnSpPr>
+            <p:spPr>
+              <a:xfrm flipV="1">
+                <a:off x="6255657" y="1219200"/>
+                <a:ext cx="341085" cy="1524000"/>
+              </a:xfrm>
+              <a:prstGeom prst="line">
+                <a:avLst/>
+              </a:prstGeom>
+              <a:ln w="38100">
+                <a:solidFill>
+                  <a:schemeClr val="tx1"/>
+                </a:solidFill>
+                <a:prstDash val="dash"/>
+              </a:ln>
+            </p:spPr>
+            <p:style>
+              <a:lnRef idx="1">
+                <a:schemeClr val="accent1"/>
+              </a:lnRef>
+              <a:fillRef idx="0">
+                <a:schemeClr val="accent1"/>
+              </a:fillRef>
+              <a:effectRef idx="0">
+                <a:schemeClr val="accent1"/>
+              </a:effectRef>
+              <a:fontRef idx="minor">
+                <a:schemeClr val="tx1"/>
+              </a:fontRef>
+            </p:style>
+          </p:cxnSp>
+          <p:cxnSp>
+            <p:nvCxnSpPr>
+              <p:cNvPr id="33" name="直接连接符 32">
+                <a:extLst>
+                  <a:ext uri="{FF2B5EF4-FFF2-40B4-BE49-F238E27FC236}">
+                    <a16:creationId xmlns:a16="http://schemas.microsoft.com/office/drawing/2014/main" id="{9AD03DFC-5F6B-4729-9A8E-51A917047C5D}"/>
+                  </a:ext>
+                </a:extLst>
+              </p:cNvPr>
+              <p:cNvCxnSpPr>
+                <a:cxnSpLocks/>
+              </p:cNvCxnSpPr>
+              <p:nvPr/>
+            </p:nvCxnSpPr>
+            <p:spPr>
+              <a:xfrm>
+                <a:off x="6596742" y="1219200"/>
+                <a:ext cx="2329544" cy="0"/>
+              </a:xfrm>
+              <a:prstGeom prst="line">
+                <a:avLst/>
+              </a:prstGeom>
+              <a:ln w="38100">
+                <a:solidFill>
+                  <a:schemeClr val="tx1"/>
+                </a:solidFill>
+                <a:prstDash val="dash"/>
+              </a:ln>
+            </p:spPr>
+            <p:style>
+              <a:lnRef idx="1">
+                <a:schemeClr val="accent1"/>
+              </a:lnRef>
+              <a:fillRef idx="0">
+                <a:schemeClr val="accent1"/>
+              </a:fillRef>
+              <a:effectRef idx="0">
+                <a:schemeClr val="accent1"/>
+              </a:effectRef>
+              <a:fontRef idx="minor">
+                <a:schemeClr val="tx1"/>
+              </a:fontRef>
+            </p:style>
+          </p:cxnSp>
+        </p:grpSp>
+        <p:graphicFrame>
+          <p:nvGraphicFramePr>
+            <p:cNvPr id="28" name="对象 27">
+              <a:extLst>
+                <a:ext uri="{FF2B5EF4-FFF2-40B4-BE49-F238E27FC236}">
+                  <a16:creationId xmlns:a16="http://schemas.microsoft.com/office/drawing/2014/main" id="{F3EC1B3D-2B1B-47EA-A09B-8D083DC79E24}"/>
+                </a:ext>
+              </a:extLst>
+            </p:cNvPr>
+            <p:cNvGraphicFramePr>
+              <a:graphicFrameLocks noChangeAspect="1"/>
+            </p:cNvGraphicFramePr>
+            <p:nvPr>
+              <p:extLst>
+                <p:ext uri="{D42A27DB-BD31-4B8C-83A1-F6EECF244321}">
+                  <p14:modId xmlns:p14="http://schemas.microsoft.com/office/powerpoint/2010/main" val="881814190"/>
+                </p:ext>
+              </p:extLst>
+            </p:nvPr>
+          </p:nvGraphicFramePr>
+          <p:xfrm>
+            <a:off x="8366125" y="1338864"/>
+            <a:ext cx="2114550" cy="752475"/>
+          </p:xfrm>
+          <a:graphic>
+            <a:graphicData uri="http://schemas.openxmlformats.org/presentationml/2006/ole">
+              <mc:AlternateContent xmlns:mc="http://schemas.openxmlformats.org/markup-compatibility/2006">
+                <mc:Choice xmlns:v="urn:schemas-microsoft-com:vml" Requires="v">
+                  <p:oleObj spid="_x0000_s1070" name="AxMath" r:id="rId5" imgW="1057680" imgH="376560" progId="Equation.AxMath">
+                    <p:embed/>
+                  </p:oleObj>
+                </mc:Choice>
+                <mc:Fallback>
+                  <p:oleObj name="AxMath" r:id="rId5" imgW="1057680" imgH="376560" progId="Equation.AxMath">
+                    <p:embed/>
+                    <p:pic>
+                      <p:nvPicPr>
+                        <p:cNvPr id="0" name=""/>
+                        <p:cNvPicPr/>
+                        <p:nvPr/>
+                      </p:nvPicPr>
+                      <p:blipFill>
+                        <a:blip r:embed="rId6"/>
+                        <a:stretch>
+                          <a:fillRect/>
+                        </a:stretch>
+                      </p:blipFill>
+                      <p:spPr>
+                        <a:xfrm>
+                          <a:off x="8366125" y="1338864"/>
+                          <a:ext cx="2114550" cy="752475"/>
+                        </a:xfrm>
+                        <a:prstGeom prst="rect">
+                          <a:avLst/>
+                        </a:prstGeom>
+                      </p:spPr>
+                    </p:pic>
+                  </p:oleObj>
+                </mc:Fallback>
+              </mc:AlternateContent>
+            </a:graphicData>
+          </a:graphic>
+        </p:graphicFrame>
+        <p:graphicFrame>
+          <p:nvGraphicFramePr>
+            <p:cNvPr id="31" name="对象 30">
+              <a:extLst>
+                <a:ext uri="{FF2B5EF4-FFF2-40B4-BE49-F238E27FC236}">
+                  <a16:creationId xmlns:a16="http://schemas.microsoft.com/office/drawing/2014/main" id="{9D4FFB50-19B3-4AF3-95A4-16A0AD6CDBA4}"/>
+                </a:ext>
+              </a:extLst>
+            </p:cNvPr>
+            <p:cNvGraphicFramePr>
+              <a:graphicFrameLocks noChangeAspect="1"/>
+            </p:cNvGraphicFramePr>
+            <p:nvPr>
+              <p:extLst>
+                <p:ext uri="{D42A27DB-BD31-4B8C-83A1-F6EECF244321}">
+                  <p14:modId xmlns:p14="http://schemas.microsoft.com/office/powerpoint/2010/main" val="3801215800"/>
+                </p:ext>
+              </p:extLst>
+            </p:nvPr>
+          </p:nvGraphicFramePr>
+          <p:xfrm>
+            <a:off x="3879850" y="4950958"/>
+            <a:ext cx="4486275" cy="752475"/>
+          </p:xfrm>
+          <a:graphic>
+            <a:graphicData uri="http://schemas.openxmlformats.org/presentationml/2006/ole">
+              <mc:AlternateContent xmlns:mc="http://schemas.openxmlformats.org/markup-compatibility/2006">
+                <mc:Choice xmlns:v="urn:schemas-microsoft-com:vml" Requires="v">
+                  <p:oleObj spid="_x0000_s1071" name="AxMath" r:id="rId7" imgW="2243880" imgH="376560" progId="Equation.AxMath">
+                    <p:embed/>
+                  </p:oleObj>
+                </mc:Choice>
+                <mc:Fallback>
+                  <p:oleObj name="AxMath" r:id="rId7" imgW="2243880" imgH="376560" progId="Equation.AxMath">
+                    <p:embed/>
+                    <p:pic>
+                      <p:nvPicPr>
+                        <p:cNvPr id="28" name="对象 27">
+                          <a:extLst>
+                            <a:ext uri="{FF2B5EF4-FFF2-40B4-BE49-F238E27FC236}">
+                              <a16:creationId xmlns:a16="http://schemas.microsoft.com/office/drawing/2014/main" id="{F3EC1B3D-2B1B-47EA-A09B-8D083DC79E24}"/>
+                            </a:ext>
+                          </a:extLst>
+                        </p:cNvPr>
+                        <p:cNvPicPr/>
+                        <p:nvPr/>
+                      </p:nvPicPr>
+                      <p:blipFill>
+                        <a:blip r:embed="rId8"/>
+                        <a:stretch>
+                          <a:fillRect/>
+                        </a:stretch>
+                      </p:blipFill>
+                      <p:spPr>
+                        <a:xfrm>
+                          <a:off x="3879850" y="4950958"/>
+                          <a:ext cx="4486275" cy="752475"/>
+                        </a:xfrm>
+                        <a:prstGeom prst="rect">
+                          <a:avLst/>
+                        </a:prstGeom>
+                      </p:spPr>
+                    </p:pic>
+                  </p:oleObj>
+                </mc:Fallback>
+              </mc:AlternateContent>
+            </a:graphicData>
+          </a:graphic>
+        </p:graphicFrame>
+      </p:grpSp>
+      <p:grpSp>
+        <p:nvGrpSpPr>
+          <p:cNvPr id="39" name="组合 38">
+            <a:extLst>
+              <a:ext uri="{FF2B5EF4-FFF2-40B4-BE49-F238E27FC236}">
+                <a16:creationId xmlns:a16="http://schemas.microsoft.com/office/drawing/2014/main" id="{6F70AE71-A0D3-4721-84BF-9349116489C9}"/>
+              </a:ext>
+            </a:extLst>
+          </p:cNvPr>
+          <p:cNvGrpSpPr/>
+          <p:nvPr/>
+        </p:nvGrpSpPr>
+        <p:grpSpPr>
+          <a:xfrm>
+            <a:off x="1911351" y="4550226"/>
+            <a:ext cx="8577715" cy="2266950"/>
+            <a:chOff x="1911351" y="4550226"/>
+            <a:chExt cx="8577715" cy="2266950"/>
+          </a:xfrm>
+        </p:grpSpPr>
+        <p:pic>
+          <p:nvPicPr>
+            <p:cNvPr id="35" name="图片 34">
+              <a:extLst>
+                <a:ext uri="{FF2B5EF4-FFF2-40B4-BE49-F238E27FC236}">
+                  <a16:creationId xmlns:a16="http://schemas.microsoft.com/office/drawing/2014/main" id="{854D530D-BD75-4BBA-9DEA-161C92238E0D}"/>
+                </a:ext>
+              </a:extLst>
+            </p:cNvPr>
+            <p:cNvPicPr>
+              <a:picLocks noChangeAspect="1"/>
+            </p:cNvPicPr>
+            <p:nvPr/>
+          </p:nvPicPr>
+          <p:blipFill>
+            <a:blip r:embed="rId9"/>
+            <a:stretch>
+              <a:fillRect/>
+            </a:stretch>
+          </p:blipFill>
+          <p:spPr>
+            <a:xfrm>
+              <a:off x="1911351" y="4550226"/>
+              <a:ext cx="4305300" cy="2266950"/>
+            </a:xfrm>
+            <a:prstGeom prst="rect">
+              <a:avLst/>
+            </a:prstGeom>
+          </p:spPr>
+        </p:pic>
+        <p:pic>
+          <p:nvPicPr>
+            <p:cNvPr id="38" name="图片 37">
+              <a:extLst>
+                <a:ext uri="{FF2B5EF4-FFF2-40B4-BE49-F238E27FC236}">
+                  <a16:creationId xmlns:a16="http://schemas.microsoft.com/office/drawing/2014/main" id="{25A28A8B-7CB0-4302-AE8E-ADEC30B60EA7}"/>
+                </a:ext>
+              </a:extLst>
+            </p:cNvPr>
+            <p:cNvPicPr>
+              <a:picLocks noChangeAspect="1"/>
+            </p:cNvPicPr>
+            <p:nvPr/>
+          </p:nvPicPr>
+          <p:blipFill>
+            <a:blip r:embed="rId10"/>
+            <a:stretch>
+              <a:fillRect/>
+            </a:stretch>
+          </p:blipFill>
+          <p:spPr>
+            <a:xfrm>
+              <a:off x="6231391" y="4559442"/>
+              <a:ext cx="4257675" cy="2257734"/>
+            </a:xfrm>
+            <a:prstGeom prst="rect">
+              <a:avLst/>
+            </a:prstGeom>
+          </p:spPr>
+        </p:pic>
+      </p:grpSp>
+    </p:spTree>
+    <p:extLst>
+      <p:ext uri="{BB962C8B-B14F-4D97-AF65-F5344CB8AC3E}">
+        <p14:creationId xmlns:p14="http://schemas.microsoft.com/office/powerpoint/2010/main" val="372262374"/>
+      </p:ext>
+    </p:extLst>
+  </p:cSld>
+  <p:clrMapOvr>
+    <a:masterClrMapping/>
+  </p:clrMapOvr>
+</p:sld>
+</file>
+
 <file path=ppt/theme/theme1.xml><?xml version="1.0" encoding="utf-8"?>
 <a:theme xmlns:a="http://schemas.openxmlformats.org/drawingml/2006/main" name="Office 主题​​">
   <a:themeElements>

--- a/0阶运动与1阶运动在图片动画化中的应用/imgs/素材.pptx
+++ b/0阶运动与1阶运动在图片动画化中的应用/imgs/素材.pptx
@@ -10,6 +10,9 @@
     <p:sldId id="257" r:id="rId4"/>
     <p:sldId id="259" r:id="rId5"/>
     <p:sldId id="258" r:id="rId6"/>
+    <p:sldId id="261" r:id="rId7"/>
+    <p:sldId id="262" r:id="rId8"/>
+    <p:sldId id="263" r:id="rId9"/>
   </p:sldIdLst>
   <p:sldSz cx="12192000" cy="6858000"/>
   <p:notesSz cx="6858000" cy="9144000"/>
@@ -3344,7 +3347,7 @@
         </p:nvGrpSpPr>
         <p:grpSpPr>
           <a:xfrm>
-            <a:off x="3034595" y="2147887"/>
+            <a:off x="2041172" y="220119"/>
             <a:ext cx="5849759" cy="2777302"/>
             <a:chOff x="3034595" y="2147887"/>
             <a:chExt cx="5849759" cy="2777302"/>
@@ -3365,7 +3368,7 @@
             <p:nvPr/>
           </p:nvPicPr>
           <p:blipFill>
-            <a:blip r:embed="rId2"/>
+            <a:blip r:embed="rId3"/>
             <a:stretch>
               <a:fillRect/>
             </a:stretch>
@@ -3395,7 +3398,7 @@
             <p:nvPr/>
           </p:nvPicPr>
           <p:blipFill>
-            <a:blip r:embed="rId3"/>
+            <a:blip r:embed="rId4"/>
             <a:stretch>
               <a:fillRect/>
             </a:stretch>
@@ -4394,6 +4397,189 @@
             </a:fontRef>
           </p:style>
         </p:cxnSp>
+      </p:grpSp>
+      <p:grpSp>
+        <p:nvGrpSpPr>
+          <p:cNvPr id="15" name="组合 14">
+            <a:extLst>
+              <a:ext uri="{FF2B5EF4-FFF2-40B4-BE49-F238E27FC236}">
+                <a16:creationId xmlns:a16="http://schemas.microsoft.com/office/drawing/2014/main" id="{D8FBF2D0-4068-4B41-8360-C0CABBF9C8EA}"/>
+              </a:ext>
+            </a:extLst>
+          </p:cNvPr>
+          <p:cNvGrpSpPr/>
+          <p:nvPr/>
+        </p:nvGrpSpPr>
+        <p:grpSpPr>
+          <a:xfrm>
+            <a:off x="1423151" y="3459003"/>
+            <a:ext cx="9781142" cy="3113408"/>
+            <a:chOff x="-428798" y="3259550"/>
+            <a:chExt cx="10892729" cy="3622431"/>
+          </a:xfrm>
+        </p:grpSpPr>
+        <p:pic>
+          <p:nvPicPr>
+            <p:cNvPr id="3" name="图片 2">
+              <a:extLst>
+                <a:ext uri="{FF2B5EF4-FFF2-40B4-BE49-F238E27FC236}">
+                  <a16:creationId xmlns:a16="http://schemas.microsoft.com/office/drawing/2014/main" id="{FD1FB168-1732-4675-948B-8541053E45C6}"/>
+                </a:ext>
+              </a:extLst>
+            </p:cNvPr>
+            <p:cNvPicPr>
+              <a:picLocks noChangeAspect="1"/>
+            </p:cNvPicPr>
+            <p:nvPr/>
+          </p:nvPicPr>
+          <p:blipFill>
+            <a:blip r:embed="rId5"/>
+            <a:stretch>
+              <a:fillRect/>
+            </a:stretch>
+          </p:blipFill>
+          <p:spPr>
+            <a:xfrm>
+              <a:off x="6186312" y="3259550"/>
+              <a:ext cx="4277619" cy="3622431"/>
+            </a:xfrm>
+            <a:prstGeom prst="rect">
+              <a:avLst/>
+            </a:prstGeom>
+          </p:spPr>
+        </p:pic>
+        <p:pic>
+          <p:nvPicPr>
+            <p:cNvPr id="6" name="图片 5">
+              <a:extLst>
+                <a:ext uri="{FF2B5EF4-FFF2-40B4-BE49-F238E27FC236}">
+                  <a16:creationId xmlns:a16="http://schemas.microsoft.com/office/drawing/2014/main" id="{2614BE5B-03BD-4A10-B504-1476B3053EDC}"/>
+                </a:ext>
+              </a:extLst>
+            </p:cNvPr>
+            <p:cNvPicPr>
+              <a:picLocks noChangeAspect="1"/>
+            </p:cNvPicPr>
+            <p:nvPr/>
+          </p:nvPicPr>
+          <p:blipFill>
+            <a:blip r:embed="rId6"/>
+            <a:stretch>
+              <a:fillRect/>
+            </a:stretch>
+          </p:blipFill>
+          <p:spPr>
+            <a:xfrm>
+              <a:off x="-428798" y="3354608"/>
+              <a:ext cx="4148157" cy="3455767"/>
+            </a:xfrm>
+            <a:prstGeom prst="rect">
+              <a:avLst/>
+            </a:prstGeom>
+          </p:spPr>
+        </p:pic>
+        <p:cxnSp>
+          <p:nvCxnSpPr>
+            <p:cNvPr id="11" name="直接箭头连接符 10">
+              <a:extLst>
+                <a:ext uri="{FF2B5EF4-FFF2-40B4-BE49-F238E27FC236}">
+                  <a16:creationId xmlns:a16="http://schemas.microsoft.com/office/drawing/2014/main" id="{43A9E8E8-87AA-4171-B7D1-A20D28E91BAB}"/>
+                </a:ext>
+              </a:extLst>
+            </p:cNvPr>
+            <p:cNvCxnSpPr/>
+            <p:nvPr/>
+          </p:nvCxnSpPr>
+          <p:spPr>
+            <a:xfrm>
+              <a:off x="3860800" y="5189699"/>
+              <a:ext cx="1877482" cy="0"/>
+            </a:xfrm>
+            <a:prstGeom prst="straightConnector1">
+              <a:avLst/>
+            </a:prstGeom>
+            <a:ln w="50800">
+              <a:tailEnd type="triangle"/>
+            </a:ln>
+          </p:spPr>
+          <p:style>
+            <a:lnRef idx="1">
+              <a:schemeClr val="accent1"/>
+            </a:lnRef>
+            <a:fillRef idx="0">
+              <a:schemeClr val="accent1"/>
+            </a:fillRef>
+            <a:effectRef idx="0">
+              <a:schemeClr val="accent1"/>
+            </a:effectRef>
+            <a:fontRef idx="minor">
+              <a:schemeClr val="tx1"/>
+            </a:fontRef>
+          </p:style>
+        </p:cxnSp>
+        <p:graphicFrame>
+          <p:nvGraphicFramePr>
+            <p:cNvPr id="13" name="对象 12">
+              <a:extLst>
+                <a:ext uri="{FF2B5EF4-FFF2-40B4-BE49-F238E27FC236}">
+                  <a16:creationId xmlns:a16="http://schemas.microsoft.com/office/drawing/2014/main" id="{13A6F233-5C7A-4903-AAC7-0D2272A10185}"/>
+                </a:ext>
+              </a:extLst>
+            </p:cNvPr>
+            <p:cNvGraphicFramePr>
+              <a:graphicFrameLocks noChangeAspect="1"/>
+            </p:cNvGraphicFramePr>
+            <p:nvPr>
+              <p:extLst>
+                <p:ext uri="{D42A27DB-BD31-4B8C-83A1-F6EECF244321}">
+                  <p14:modId xmlns:p14="http://schemas.microsoft.com/office/powerpoint/2010/main" val="970838791"/>
+                </p:ext>
+              </p:extLst>
+            </p:nvPr>
+          </p:nvGraphicFramePr>
+          <p:xfrm>
+            <a:off x="3728334" y="4440720"/>
+            <a:ext cx="2531618" cy="588153"/>
+          </p:xfrm>
+          <a:graphic>
+            <a:graphicData uri="http://schemas.openxmlformats.org/presentationml/2006/ole">
+              <mc:AlternateContent xmlns:mc="http://schemas.openxmlformats.org/markup-compatibility/2006">
+                <mc:Choice xmlns:v="urn:schemas-microsoft-com:vml" Requires="v">
+                  <p:oleObj spid="_x0000_s4110" name="AxMath" r:id="rId7" imgW="942480" imgH="218520" progId="Equation.AxMath">
+                    <p:embed/>
+                  </p:oleObj>
+                </mc:Choice>
+                <mc:Fallback>
+                  <p:oleObj name="AxMath" r:id="rId7" imgW="942480" imgH="218520" progId="Equation.AxMath">
+                    <p:embed/>
+                    <p:pic>
+                      <p:nvPicPr>
+                        <p:cNvPr id="0" name=""/>
+                        <p:cNvPicPr/>
+                        <p:nvPr/>
+                      </p:nvPicPr>
+                      <p:blipFill>
+                        <a:blip r:embed="rId8"/>
+                        <a:stretch>
+                          <a:fillRect/>
+                        </a:stretch>
+                      </p:blipFill>
+                      <p:spPr>
+                        <a:xfrm>
+                          <a:off x="3728334" y="4440720"/>
+                          <a:ext cx="2531618" cy="588153"/>
+                        </a:xfrm>
+                        <a:prstGeom prst="rect">
+                          <a:avLst/>
+                        </a:prstGeom>
+                      </p:spPr>
+                    </p:pic>
+                  </p:oleObj>
+                </mc:Fallback>
+              </mc:AlternateContent>
+            </a:graphicData>
+          </a:graphic>
+        </p:graphicFrame>
       </p:grpSp>
     </p:spTree>
     <p:extLst>
@@ -6278,7 +6464,7 @@
             <a:graphicData uri="http://schemas.openxmlformats.org/presentationml/2006/ole">
               <mc:AlternateContent xmlns:mc="http://schemas.openxmlformats.org/markup-compatibility/2006">
                 <mc:Choice xmlns:v="urn:schemas-microsoft-com:vml" Requires="v">
-                  <p:oleObj spid="_x0000_s2109" name="AxMath" r:id="rId7" imgW="149040" imgH="207360" progId="Equation.AxMath">
+                  <p:oleObj spid="_x0000_s2187" name="AxMath" r:id="rId7" imgW="149040" imgH="207360" progId="Equation.AxMath">
                     <p:embed/>
                   </p:oleObj>
                 </mc:Choice>
@@ -6618,7 +6804,7 @@
             <a:graphicData uri="http://schemas.openxmlformats.org/presentationml/2006/ole">
               <mc:AlternateContent xmlns:mc="http://schemas.openxmlformats.org/markup-compatibility/2006">
                 <mc:Choice xmlns:v="urn:schemas-microsoft-com:vml" Requires="v">
-                  <p:oleObj spid="_x0000_s2110" name="AxMath" r:id="rId10" imgW="115200" imgH="207360" progId="Equation.AxMath">
+                  <p:oleObj spid="_x0000_s2188" name="AxMath" r:id="rId10" imgW="115200" imgH="207360" progId="Equation.AxMath">
                     <p:embed/>
                   </p:oleObj>
                 </mc:Choice>
@@ -6687,7 +6873,7 @@
             <a:graphicData uri="http://schemas.openxmlformats.org/presentationml/2006/ole">
               <mc:AlternateContent xmlns:mc="http://schemas.openxmlformats.org/markup-compatibility/2006">
                 <mc:Choice xmlns:v="urn:schemas-microsoft-com:vml" Requires="v">
-                  <p:oleObj spid="_x0000_s2111" name="AxMath" r:id="rId12" imgW="138960" imgH="208800" progId="Equation.AxMath">
+                  <p:oleObj spid="_x0000_s2189" name="AxMath" r:id="rId12" imgW="138960" imgH="208800" progId="Equation.AxMath">
                     <p:embed/>
                   </p:oleObj>
                 </mc:Choice>
@@ -6756,7 +6942,7 @@
             <a:graphicData uri="http://schemas.openxmlformats.org/presentationml/2006/ole">
               <mc:AlternateContent xmlns:mc="http://schemas.openxmlformats.org/markup-compatibility/2006">
                 <mc:Choice xmlns:v="urn:schemas-microsoft-com:vml" Requires="v">
-                  <p:oleObj spid="_x0000_s2112" name="AxMath" r:id="rId14" imgW="1573560" imgH="215640" progId="Equation.AxMath">
+                  <p:oleObj spid="_x0000_s2190" name="AxMath" r:id="rId14" imgW="1573560" imgH="215640" progId="Equation.AxMath">
                     <p:embed/>
                   </p:oleObj>
                 </mc:Choice>
@@ -6825,7 +7011,7 @@
             <a:graphicData uri="http://schemas.openxmlformats.org/presentationml/2006/ole">
               <mc:AlternateContent xmlns:mc="http://schemas.openxmlformats.org/markup-compatibility/2006">
                 <mc:Choice xmlns:v="urn:schemas-microsoft-com:vml" Requires="v">
-                  <p:oleObj spid="_x0000_s2113" name="AxMath" r:id="rId16" imgW="1728360" imgH="218880" progId="Equation.AxMath">
+                  <p:oleObj spid="_x0000_s2191" name="AxMath" r:id="rId16" imgW="1728360" imgH="218880" progId="Equation.AxMath">
                     <p:embed/>
                   </p:oleObj>
                 </mc:Choice>
@@ -6894,7 +7080,7 @@
             <a:graphicData uri="http://schemas.openxmlformats.org/presentationml/2006/ole">
               <mc:AlternateContent xmlns:mc="http://schemas.openxmlformats.org/markup-compatibility/2006">
                 <mc:Choice xmlns:v="urn:schemas-microsoft-com:vml" Requires="v">
-                  <p:oleObj spid="_x0000_s2114" name="AxMath" r:id="rId18" imgW="780120" imgH="246240" progId="Equation.AxMath">
+                  <p:oleObj spid="_x0000_s2192" name="AxMath" r:id="rId18" imgW="780120" imgH="246240" progId="Equation.AxMath">
                     <p:embed/>
                   </p:oleObj>
                 </mc:Choice>
@@ -7514,7 +7700,7 @@
             <a:graphicData uri="http://schemas.openxmlformats.org/presentationml/2006/ole">
               <mc:AlternateContent xmlns:mc="http://schemas.openxmlformats.org/markup-compatibility/2006">
                 <mc:Choice xmlns:v="urn:schemas-microsoft-com:vml" Requires="v">
-                  <p:oleObj spid="_x0000_s3104" name="AxMath" r:id="rId7" imgW="149040" imgH="207360" progId="Equation.AxMath">
+                  <p:oleObj spid="_x0000_s3208" name="AxMath" r:id="rId7" imgW="149040" imgH="207360" progId="Equation.AxMath">
                     <p:embed/>
                   </p:oleObj>
                 </mc:Choice>
@@ -7860,7 +8046,7 @@
             <a:graphicData uri="http://schemas.openxmlformats.org/presentationml/2006/ole">
               <mc:AlternateContent xmlns:mc="http://schemas.openxmlformats.org/markup-compatibility/2006">
                 <mc:Choice xmlns:v="urn:schemas-microsoft-com:vml" Requires="v">
-                  <p:oleObj spid="_x0000_s3105" name="AxMath" r:id="rId10" imgW="115200" imgH="207360" progId="Equation.AxMath">
+                  <p:oleObj spid="_x0000_s3209" name="AxMath" r:id="rId10" imgW="115200" imgH="207360" progId="Equation.AxMath">
                     <p:embed/>
                   </p:oleObj>
                 </mc:Choice>
@@ -7929,7 +8115,7 @@
             <a:graphicData uri="http://schemas.openxmlformats.org/presentationml/2006/ole">
               <mc:AlternateContent xmlns:mc="http://schemas.openxmlformats.org/markup-compatibility/2006">
                 <mc:Choice xmlns:v="urn:schemas-microsoft-com:vml" Requires="v">
-                  <p:oleObj spid="_x0000_s3106" name="AxMath" r:id="rId12" imgW="138960" imgH="208800" progId="Equation.AxMath">
+                  <p:oleObj spid="_x0000_s3210" name="AxMath" r:id="rId12" imgW="138960" imgH="208800" progId="Equation.AxMath">
                     <p:embed/>
                   </p:oleObj>
                 </mc:Choice>
@@ -7998,7 +8184,7 @@
             <a:graphicData uri="http://schemas.openxmlformats.org/presentationml/2006/ole">
               <mc:AlternateContent xmlns:mc="http://schemas.openxmlformats.org/markup-compatibility/2006">
                 <mc:Choice xmlns:v="urn:schemas-microsoft-com:vml" Requires="v">
-                  <p:oleObj spid="_x0000_s3107" name="AxMath" r:id="rId14" imgW="1573560" imgH="215640" progId="Equation.AxMath">
+                  <p:oleObj spid="_x0000_s3211" name="AxMath" r:id="rId14" imgW="1573560" imgH="215640" progId="Equation.AxMath">
                     <p:embed/>
                   </p:oleObj>
                 </mc:Choice>
@@ -8067,7 +8253,7 @@
             <a:graphicData uri="http://schemas.openxmlformats.org/presentationml/2006/ole">
               <mc:AlternateContent xmlns:mc="http://schemas.openxmlformats.org/markup-compatibility/2006">
                 <mc:Choice xmlns:v="urn:schemas-microsoft-com:vml" Requires="v">
-                  <p:oleObj spid="_x0000_s3108" name="AxMath" r:id="rId16" imgW="1728360" imgH="218880" progId="Equation.AxMath">
+                  <p:oleObj spid="_x0000_s3212" name="AxMath" r:id="rId16" imgW="1728360" imgH="218880" progId="Equation.AxMath">
                     <p:embed/>
                   </p:oleObj>
                 </mc:Choice>
@@ -8136,7 +8322,7 @@
             <a:graphicData uri="http://schemas.openxmlformats.org/presentationml/2006/ole">
               <mc:AlternateContent xmlns:mc="http://schemas.openxmlformats.org/markup-compatibility/2006">
                 <mc:Choice xmlns:v="urn:schemas-microsoft-com:vml" Requires="v">
-                  <p:oleObj spid="_x0000_s3109" name="AxMath" r:id="rId18" imgW="780120" imgH="246240" progId="Equation.AxMath">
+                  <p:oleObj spid="_x0000_s3213" name="AxMath" r:id="rId18" imgW="780120" imgH="246240" progId="Equation.AxMath">
                     <p:embed/>
                   </p:oleObj>
                 </mc:Choice>
@@ -8373,7 +8559,7 @@
             <a:graphicData uri="http://schemas.openxmlformats.org/presentationml/2006/ole">
               <mc:AlternateContent xmlns:mc="http://schemas.openxmlformats.org/markup-compatibility/2006">
                 <mc:Choice xmlns:v="urn:schemas-microsoft-com:vml" Requires="v">
-                  <p:oleObj spid="_x0000_s3110" name="AxMath" r:id="rId21" imgW="177840" imgH="207360" progId="Equation.AxMath">
+                  <p:oleObj spid="_x0000_s3214" name="AxMath" r:id="rId21" imgW="177840" imgH="207360" progId="Equation.AxMath">
                     <p:embed/>
                   </p:oleObj>
                 </mc:Choice>
@@ -8442,7 +8628,7 @@
             <a:graphicData uri="http://schemas.openxmlformats.org/presentationml/2006/ole">
               <mc:AlternateContent xmlns:mc="http://schemas.openxmlformats.org/markup-compatibility/2006">
                 <mc:Choice xmlns:v="urn:schemas-microsoft-com:vml" Requires="v">
-                  <p:oleObj spid="_x0000_s3111" name="AxMath" r:id="rId23" imgW="146880" imgH="218520" progId="Equation.AxMath">
+                  <p:oleObj spid="_x0000_s3215" name="AxMath" r:id="rId23" imgW="146880" imgH="218520" progId="Equation.AxMath">
                     <p:embed/>
                   </p:oleObj>
                 </mc:Choice>
@@ -8606,7 +8792,7 @@
             <a:graphicData uri="http://schemas.openxmlformats.org/presentationml/2006/ole">
               <mc:AlternateContent xmlns:mc="http://schemas.openxmlformats.org/markup-compatibility/2006">
                 <mc:Choice xmlns:v="urn:schemas-microsoft-com:vml" Requires="v">
-                  <p:oleObj spid="_x0000_s1069" name="AxMath" r:id="rId3" imgW="193680" imgH="208800" progId="Equation.AxMath">
+                  <p:oleObj spid="_x0000_s1108" name="AxMath" r:id="rId3" imgW="193680" imgH="208800" progId="Equation.AxMath">
                     <p:embed/>
                   </p:oleObj>
                 </mc:Choice>
@@ -9158,7 +9344,7 @@
             <a:graphicData uri="http://schemas.openxmlformats.org/presentationml/2006/ole">
               <mc:AlternateContent xmlns:mc="http://schemas.openxmlformats.org/markup-compatibility/2006">
                 <mc:Choice xmlns:v="urn:schemas-microsoft-com:vml" Requires="v">
-                  <p:oleObj spid="_x0000_s1070" name="AxMath" r:id="rId5" imgW="1057680" imgH="376560" progId="Equation.AxMath">
+                  <p:oleObj spid="_x0000_s1109" name="AxMath" r:id="rId5" imgW="1057680" imgH="376560" progId="Equation.AxMath">
                     <p:embed/>
                   </p:oleObj>
                 </mc:Choice>
@@ -9221,7 +9407,7 @@
             <a:graphicData uri="http://schemas.openxmlformats.org/presentationml/2006/ole">
               <mc:AlternateContent xmlns:mc="http://schemas.openxmlformats.org/markup-compatibility/2006">
                 <mc:Choice xmlns:v="urn:schemas-microsoft-com:vml" Requires="v">
-                  <p:oleObj spid="_x0000_s1071" name="AxMath" r:id="rId7" imgW="2243880" imgH="376560" progId="Equation.AxMath">
+                  <p:oleObj spid="_x0000_s1110" name="AxMath" r:id="rId7" imgW="2243880" imgH="376560" progId="Equation.AxMath">
                     <p:embed/>
                   </p:oleObj>
                 </mc:Choice>
@@ -9348,6 +9534,728 @@
     <p:extLst>
       <p:ext uri="{BB962C8B-B14F-4D97-AF65-F5344CB8AC3E}">
         <p14:creationId xmlns:p14="http://schemas.microsoft.com/office/powerpoint/2010/main" val="372262374"/>
+      </p:ext>
+    </p:extLst>
+  </p:cSld>
+  <p:clrMapOvr>
+    <a:masterClrMapping/>
+  </p:clrMapOvr>
+</p:sld>
+</file>
+
+<file path=ppt/slides/slide6.xml><?xml version="1.0" encoding="utf-8"?>
+<p:sld xmlns:a="http://schemas.openxmlformats.org/drawingml/2006/main" xmlns:r="http://schemas.openxmlformats.org/officeDocument/2006/relationships" xmlns:p="http://schemas.openxmlformats.org/presentationml/2006/main">
+  <p:cSld>
+    <p:spTree>
+      <p:nvGrpSpPr>
+        <p:cNvPr id="1" name=""/>
+        <p:cNvGrpSpPr/>
+        <p:nvPr/>
+      </p:nvGrpSpPr>
+      <p:grpSpPr>
+        <a:xfrm>
+          <a:off x="0" y="0"/>
+          <a:ext cx="0" cy="0"/>
+          <a:chOff x="0" y="0"/>
+          <a:chExt cx="0" cy="0"/>
+        </a:xfrm>
+      </p:grpSpPr>
+      <p:grpSp>
+        <p:nvGrpSpPr>
+          <p:cNvPr id="51" name="组合 50">
+            <a:extLst>
+              <a:ext uri="{FF2B5EF4-FFF2-40B4-BE49-F238E27FC236}">
+                <a16:creationId xmlns:a16="http://schemas.microsoft.com/office/drawing/2014/main" id="{C451AFCE-68A9-466D-8AA0-19D2E38F7AAE}"/>
+              </a:ext>
+            </a:extLst>
+          </p:cNvPr>
+          <p:cNvGrpSpPr/>
+          <p:nvPr/>
+        </p:nvGrpSpPr>
+        <p:grpSpPr>
+          <a:xfrm>
+            <a:off x="1385888" y="170968"/>
+            <a:ext cx="11574023" cy="7720495"/>
+            <a:chOff x="1385888" y="170968"/>
+            <a:chExt cx="11574023" cy="7720495"/>
+          </a:xfrm>
+        </p:grpSpPr>
+        <p:pic>
+          <p:nvPicPr>
+            <p:cNvPr id="6" name="图片 5">
+              <a:extLst>
+                <a:ext uri="{FF2B5EF4-FFF2-40B4-BE49-F238E27FC236}">
+                  <a16:creationId xmlns:a16="http://schemas.microsoft.com/office/drawing/2014/main" id="{429B6FCE-E037-4709-8ABB-E01A9E61C0BE}"/>
+                </a:ext>
+              </a:extLst>
+            </p:cNvPr>
+            <p:cNvPicPr>
+              <a:picLocks noChangeAspect="1"/>
+            </p:cNvPicPr>
+            <p:nvPr/>
+          </p:nvPicPr>
+          <p:blipFill>
+            <a:blip r:embed="rId3">
+              <a:extLst>
+                <a:ext uri="{28A0092B-C50C-407E-A947-70E740481C1C}">
+                  <a14:useLocalDpi xmlns:a14="http://schemas.microsoft.com/office/drawing/2010/main" val="0"/>
+                </a:ext>
+              </a:extLst>
+            </a:blip>
+            <a:stretch>
+              <a:fillRect/>
+            </a:stretch>
+          </p:blipFill>
+          <p:spPr>
+            <a:xfrm>
+              <a:off x="1501596" y="4120589"/>
+              <a:ext cx="3492197" cy="3087305"/>
+            </a:xfrm>
+            <a:prstGeom prst="rect">
+              <a:avLst/>
+            </a:prstGeom>
+          </p:spPr>
+        </p:pic>
+        <p:pic>
+          <p:nvPicPr>
+            <p:cNvPr id="24" name="图片 23">
+              <a:extLst>
+                <a:ext uri="{FF2B5EF4-FFF2-40B4-BE49-F238E27FC236}">
+                  <a16:creationId xmlns:a16="http://schemas.microsoft.com/office/drawing/2014/main" id="{47B0AB9F-6A6F-4783-8B30-C44AF93E2821}"/>
+                </a:ext>
+              </a:extLst>
+            </p:cNvPr>
+            <p:cNvPicPr>
+              <a:picLocks noChangeAspect="1"/>
+            </p:cNvPicPr>
+            <p:nvPr/>
+          </p:nvPicPr>
+          <p:blipFill>
+            <a:blip r:embed="rId4"/>
+            <a:stretch>
+              <a:fillRect/>
+            </a:stretch>
+          </p:blipFill>
+          <p:spPr>
+            <a:xfrm>
+              <a:off x="1501598" y="170968"/>
+              <a:ext cx="3583682" cy="2904762"/>
+            </a:xfrm>
+            <a:prstGeom prst="rect">
+              <a:avLst/>
+            </a:prstGeom>
+          </p:spPr>
+        </p:pic>
+        <p:graphicFrame>
+          <p:nvGraphicFramePr>
+            <p:cNvPr id="9" name="对象 8">
+              <a:extLst>
+                <a:ext uri="{FF2B5EF4-FFF2-40B4-BE49-F238E27FC236}">
+                  <a16:creationId xmlns:a16="http://schemas.microsoft.com/office/drawing/2014/main" id="{A097A674-24D7-41CE-BDE3-8F7497956ABE}"/>
+                </a:ext>
+              </a:extLst>
+            </p:cNvPr>
+            <p:cNvGraphicFramePr>
+              <a:graphicFrameLocks noChangeAspect="1"/>
+            </p:cNvGraphicFramePr>
+            <p:nvPr>
+              <p:extLst>
+                <p:ext uri="{D42A27DB-BD31-4B8C-83A1-F6EECF244321}">
+                  <p14:modId xmlns:p14="http://schemas.microsoft.com/office/powerpoint/2010/main" val="704859406"/>
+                </p:ext>
+              </p:extLst>
+            </p:nvPr>
+          </p:nvGraphicFramePr>
+          <p:xfrm>
+            <a:off x="1385888" y="3201988"/>
+            <a:ext cx="3724275" cy="454025"/>
+          </p:xfrm>
+          <a:graphic>
+            <a:graphicData uri="http://schemas.openxmlformats.org/presentationml/2006/ole">
+              <mc:AlternateContent xmlns:mc="http://schemas.openxmlformats.org/markup-compatibility/2006">
+                <mc:Choice xmlns:v="urn:schemas-microsoft-com:vml" Requires="v">
+                  <p:oleObj spid="_x0000_s5144" name="AxMath" r:id="rId5" imgW="1862640" imgH="227160" progId="Equation.AxMath">
+                    <p:embed/>
+                  </p:oleObj>
+                </mc:Choice>
+                <mc:Fallback>
+                  <p:oleObj name="AxMath" r:id="rId5" imgW="1862640" imgH="227160" progId="Equation.AxMath">
+                    <p:embed/>
+                    <p:pic>
+                      <p:nvPicPr>
+                        <p:cNvPr id="0" name=""/>
+                        <p:cNvPicPr/>
+                        <p:nvPr/>
+                      </p:nvPicPr>
+                      <p:blipFill>
+                        <a:blip r:embed="rId6"/>
+                        <a:stretch>
+                          <a:fillRect/>
+                        </a:stretch>
+                      </p:blipFill>
+                      <p:spPr>
+                        <a:xfrm>
+                          <a:off x="1385888" y="3201988"/>
+                          <a:ext cx="3724275" cy="454025"/>
+                        </a:xfrm>
+                        <a:prstGeom prst="rect">
+                          <a:avLst/>
+                        </a:prstGeom>
+                      </p:spPr>
+                    </p:pic>
+                  </p:oleObj>
+                </mc:Fallback>
+              </mc:AlternateContent>
+            </a:graphicData>
+          </a:graphic>
+        </p:graphicFrame>
+        <p:graphicFrame>
+          <p:nvGraphicFramePr>
+            <p:cNvPr id="15" name="对象 14">
+              <a:extLst>
+                <a:ext uri="{FF2B5EF4-FFF2-40B4-BE49-F238E27FC236}">
+                  <a16:creationId xmlns:a16="http://schemas.microsoft.com/office/drawing/2014/main" id="{5E0E1B3B-F64F-489E-A328-B6F48A6BAD74}"/>
+                </a:ext>
+              </a:extLst>
+            </p:cNvPr>
+            <p:cNvGraphicFramePr>
+              <a:graphicFrameLocks noChangeAspect="1"/>
+            </p:cNvGraphicFramePr>
+            <p:nvPr>
+              <p:extLst>
+                <p:ext uri="{D42A27DB-BD31-4B8C-83A1-F6EECF244321}">
+                  <p14:modId xmlns:p14="http://schemas.microsoft.com/office/powerpoint/2010/main" val="2899226202"/>
+                </p:ext>
+              </p:extLst>
+            </p:nvPr>
+          </p:nvGraphicFramePr>
+          <p:xfrm>
+            <a:off x="1833563" y="7453313"/>
+            <a:ext cx="2828925" cy="438150"/>
+          </p:xfrm>
+          <a:graphic>
+            <a:graphicData uri="http://schemas.openxmlformats.org/presentationml/2006/ole">
+              <mc:AlternateContent xmlns:mc="http://schemas.openxmlformats.org/markup-compatibility/2006">
+                <mc:Choice xmlns:v="urn:schemas-microsoft-com:vml" Requires="v">
+                  <p:oleObj spid="_x0000_s5145" name="AxMath" r:id="rId7" imgW="1413720" imgH="218880" progId="Equation.AxMath">
+                    <p:embed/>
+                  </p:oleObj>
+                </mc:Choice>
+                <mc:Fallback>
+                  <p:oleObj name="AxMath" r:id="rId7" imgW="1413720" imgH="218880" progId="Equation.AxMath">
+                    <p:embed/>
+                    <p:pic>
+                      <p:nvPicPr>
+                        <p:cNvPr id="9" name="对象 8">
+                          <a:extLst>
+                            <a:ext uri="{FF2B5EF4-FFF2-40B4-BE49-F238E27FC236}">
+                              <a16:creationId xmlns:a16="http://schemas.microsoft.com/office/drawing/2014/main" id="{A097A674-24D7-41CE-BDE3-8F7497956ABE}"/>
+                            </a:ext>
+                          </a:extLst>
+                        </p:cNvPr>
+                        <p:cNvPicPr/>
+                        <p:nvPr/>
+                      </p:nvPicPr>
+                      <p:blipFill>
+                        <a:blip r:embed="rId8"/>
+                        <a:stretch>
+                          <a:fillRect/>
+                        </a:stretch>
+                      </p:blipFill>
+                      <p:spPr>
+                        <a:xfrm>
+                          <a:off x="1833563" y="7453313"/>
+                          <a:ext cx="2828925" cy="438150"/>
+                        </a:xfrm>
+                        <a:prstGeom prst="rect">
+                          <a:avLst/>
+                        </a:prstGeom>
+                      </p:spPr>
+                    </p:pic>
+                  </p:oleObj>
+                </mc:Fallback>
+              </mc:AlternateContent>
+            </a:graphicData>
+          </a:graphic>
+        </p:graphicFrame>
+        <p:grpSp>
+          <p:nvGrpSpPr>
+            <p:cNvPr id="19" name="组合 18">
+              <a:extLst>
+                <a:ext uri="{FF2B5EF4-FFF2-40B4-BE49-F238E27FC236}">
+                  <a16:creationId xmlns:a16="http://schemas.microsoft.com/office/drawing/2014/main" id="{1347CFC7-2380-41C3-A207-4DDA622F5349}"/>
+                </a:ext>
+              </a:extLst>
+            </p:cNvPr>
+            <p:cNvGrpSpPr/>
+            <p:nvPr/>
+          </p:nvGrpSpPr>
+          <p:grpSpPr>
+            <a:xfrm>
+              <a:off x="6999455" y="3201987"/>
+              <a:ext cx="1114032" cy="1081170"/>
+              <a:chOff x="7231684" y="3039419"/>
+              <a:chExt cx="1114032" cy="1081170"/>
+            </a:xfrm>
+          </p:grpSpPr>
+          <p:sp>
+            <p:nvSpPr>
+              <p:cNvPr id="16" name="乘号 15">
+                <a:extLst>
+                  <a:ext uri="{FF2B5EF4-FFF2-40B4-BE49-F238E27FC236}">
+                    <a16:creationId xmlns:a16="http://schemas.microsoft.com/office/drawing/2014/main" id="{C0A1F3E2-5381-43C3-94C5-DAD0A7B7CE5A}"/>
+                  </a:ext>
+                </a:extLst>
+              </p:cNvPr>
+              <p:cNvSpPr/>
+              <p:nvPr/>
+            </p:nvSpPr>
+            <p:spPr>
+              <a:xfrm>
+                <a:off x="7360528" y="3143926"/>
+                <a:ext cx="856343" cy="872156"/>
+              </a:xfrm>
+              <a:prstGeom prst="mathMultiply">
+                <a:avLst/>
+              </a:prstGeom>
+            </p:spPr>
+            <p:style>
+              <a:lnRef idx="2">
+                <a:schemeClr val="accent1">
+                  <a:shade val="50000"/>
+                </a:schemeClr>
+              </a:lnRef>
+              <a:fillRef idx="1">
+                <a:schemeClr val="accent1"/>
+              </a:fillRef>
+              <a:effectRef idx="0">
+                <a:schemeClr val="accent1"/>
+              </a:effectRef>
+              <a:fontRef idx="minor">
+                <a:schemeClr val="lt1"/>
+              </a:fontRef>
+            </p:style>
+            <p:txBody>
+              <a:bodyPr rtlCol="0" anchor="ctr"/>
+              <a:lstStyle/>
+              <a:p>
+                <a:pPr algn="ctr"/>
+                <a:endParaRPr lang="zh-CN" altLang="en-US"/>
+              </a:p>
+            </p:txBody>
+          </p:sp>
+          <p:sp>
+            <p:nvSpPr>
+              <p:cNvPr id="18" name="椭圆 17">
+                <a:extLst>
+                  <a:ext uri="{FF2B5EF4-FFF2-40B4-BE49-F238E27FC236}">
+                    <a16:creationId xmlns:a16="http://schemas.microsoft.com/office/drawing/2014/main" id="{2BD8176F-24E0-4793-904F-FA3FC9CD5D02}"/>
+                  </a:ext>
+                </a:extLst>
+              </p:cNvPr>
+              <p:cNvSpPr/>
+              <p:nvPr/>
+            </p:nvSpPr>
+            <p:spPr>
+              <a:xfrm>
+                <a:off x="7231684" y="3039419"/>
+                <a:ext cx="1114032" cy="1081170"/>
+              </a:xfrm>
+              <a:prstGeom prst="ellipse">
+                <a:avLst/>
+              </a:prstGeom>
+              <a:noFill/>
+            </p:spPr>
+            <p:style>
+              <a:lnRef idx="2">
+                <a:schemeClr val="accent1">
+                  <a:shade val="50000"/>
+                </a:schemeClr>
+              </a:lnRef>
+              <a:fillRef idx="1">
+                <a:schemeClr val="accent1"/>
+              </a:fillRef>
+              <a:effectRef idx="0">
+                <a:schemeClr val="accent1"/>
+              </a:effectRef>
+              <a:fontRef idx="minor">
+                <a:schemeClr val="lt1"/>
+              </a:fontRef>
+            </p:style>
+            <p:txBody>
+              <a:bodyPr rtlCol="0" anchor="ctr"/>
+              <a:lstStyle/>
+              <a:p>
+                <a:pPr algn="ctr"/>
+                <a:endParaRPr lang="zh-CN" altLang="en-US"/>
+              </a:p>
+            </p:txBody>
+          </p:sp>
+        </p:grpSp>
+        <p:cxnSp>
+          <p:nvCxnSpPr>
+            <p:cNvPr id="21" name="连接符: 肘形 20">
+              <a:extLst>
+                <a:ext uri="{FF2B5EF4-FFF2-40B4-BE49-F238E27FC236}">
+                  <a16:creationId xmlns:a16="http://schemas.microsoft.com/office/drawing/2014/main" id="{D6C7874B-42E6-4B7C-B2BB-60E99E31EE5C}"/>
+                </a:ext>
+              </a:extLst>
+            </p:cNvPr>
+            <p:cNvCxnSpPr>
+              <a:stCxn id="24" idx="3"/>
+              <a:endCxn id="18" idx="0"/>
+            </p:cNvCxnSpPr>
+            <p:nvPr/>
+          </p:nvCxnSpPr>
+          <p:spPr>
+            <a:xfrm>
+              <a:off x="5085280" y="1623349"/>
+              <a:ext cx="2471191" cy="1578638"/>
+            </a:xfrm>
+            <a:prstGeom prst="bentConnector2">
+              <a:avLst/>
+            </a:prstGeom>
+            <a:ln w="50800"/>
+          </p:spPr>
+          <p:style>
+            <a:lnRef idx="1">
+              <a:schemeClr val="accent1"/>
+            </a:lnRef>
+            <a:fillRef idx="0">
+              <a:schemeClr val="accent1"/>
+            </a:fillRef>
+            <a:effectRef idx="0">
+              <a:schemeClr val="accent1"/>
+            </a:effectRef>
+            <a:fontRef idx="minor">
+              <a:schemeClr val="tx1"/>
+            </a:fontRef>
+          </p:style>
+        </p:cxnSp>
+        <p:cxnSp>
+          <p:nvCxnSpPr>
+            <p:cNvPr id="34" name="连接符: 肘形 33">
+              <a:extLst>
+                <a:ext uri="{FF2B5EF4-FFF2-40B4-BE49-F238E27FC236}">
+                  <a16:creationId xmlns:a16="http://schemas.microsoft.com/office/drawing/2014/main" id="{0AEAD48A-A5B3-43A0-8F75-2748F98CC4CD}"/>
+                </a:ext>
+              </a:extLst>
+            </p:cNvPr>
+            <p:cNvCxnSpPr>
+              <a:stCxn id="6" idx="3"/>
+              <a:endCxn id="18" idx="4"/>
+            </p:cNvCxnSpPr>
+            <p:nvPr/>
+          </p:nvCxnSpPr>
+          <p:spPr>
+            <a:xfrm flipV="1">
+              <a:off x="4993793" y="4283157"/>
+              <a:ext cx="2562678" cy="1381085"/>
+            </a:xfrm>
+            <a:prstGeom prst="bentConnector2">
+              <a:avLst/>
+            </a:prstGeom>
+            <a:ln w="50800"/>
+          </p:spPr>
+          <p:style>
+            <a:lnRef idx="1">
+              <a:schemeClr val="accent1"/>
+            </a:lnRef>
+            <a:fillRef idx="0">
+              <a:schemeClr val="accent1"/>
+            </a:fillRef>
+            <a:effectRef idx="0">
+              <a:schemeClr val="accent1"/>
+            </a:effectRef>
+            <a:fontRef idx="minor">
+              <a:schemeClr val="tx1"/>
+            </a:fontRef>
+          </p:style>
+        </p:cxnSp>
+        <p:cxnSp>
+          <p:nvCxnSpPr>
+            <p:cNvPr id="44" name="直接箭头连接符 43">
+              <a:extLst>
+                <a:ext uri="{FF2B5EF4-FFF2-40B4-BE49-F238E27FC236}">
+                  <a16:creationId xmlns:a16="http://schemas.microsoft.com/office/drawing/2014/main" id="{12FAAA7D-D9A6-4C59-9270-02E5AC096C10}"/>
+                </a:ext>
+              </a:extLst>
+            </p:cNvPr>
+            <p:cNvCxnSpPr>
+              <a:stCxn id="18" idx="6"/>
+            </p:cNvCxnSpPr>
+            <p:nvPr/>
+          </p:nvCxnSpPr>
+          <p:spPr>
+            <a:xfrm>
+              <a:off x="8113487" y="3742572"/>
+              <a:ext cx="1262742" cy="0"/>
+            </a:xfrm>
+            <a:prstGeom prst="straightConnector1">
+              <a:avLst/>
+            </a:prstGeom>
+            <a:ln w="50800">
+              <a:tailEnd type="triangle"/>
+            </a:ln>
+          </p:spPr>
+          <p:style>
+            <a:lnRef idx="1">
+              <a:schemeClr val="accent1"/>
+            </a:lnRef>
+            <a:fillRef idx="0">
+              <a:schemeClr val="accent1"/>
+            </a:fillRef>
+            <a:effectRef idx="0">
+              <a:schemeClr val="accent1"/>
+            </a:effectRef>
+            <a:fontRef idx="minor">
+              <a:schemeClr val="tx1"/>
+            </a:fontRef>
+          </p:style>
+        </p:cxnSp>
+        <p:grpSp>
+          <p:nvGrpSpPr>
+            <p:cNvPr id="48" name="组合 47">
+              <a:extLst>
+                <a:ext uri="{FF2B5EF4-FFF2-40B4-BE49-F238E27FC236}">
+                  <a16:creationId xmlns:a16="http://schemas.microsoft.com/office/drawing/2014/main" id="{BF06E81C-8334-4593-8423-B165C2E680FB}"/>
+                </a:ext>
+              </a:extLst>
+            </p:cNvPr>
+            <p:cNvGrpSpPr/>
+            <p:nvPr/>
+          </p:nvGrpSpPr>
+          <p:grpSpPr>
+            <a:xfrm>
+              <a:off x="9376229" y="1999886"/>
+              <a:ext cx="3583682" cy="2904762"/>
+              <a:chOff x="9304138" y="297225"/>
+              <a:chExt cx="3583682" cy="2904762"/>
+            </a:xfrm>
+          </p:grpSpPr>
+          <p:pic>
+            <p:nvPicPr>
+              <p:cNvPr id="46" name="图片 45">
+                <a:extLst>
+                  <a:ext uri="{FF2B5EF4-FFF2-40B4-BE49-F238E27FC236}">
+                    <a16:creationId xmlns:a16="http://schemas.microsoft.com/office/drawing/2014/main" id="{1777BE03-A7E8-4033-B299-920AF9DEA17F}"/>
+                  </a:ext>
+                </a:extLst>
+              </p:cNvPr>
+              <p:cNvPicPr>
+                <a:picLocks noChangeAspect="1"/>
+              </p:cNvPicPr>
+              <p:nvPr/>
+            </p:nvPicPr>
+            <p:blipFill>
+              <a:blip r:embed="rId4"/>
+              <a:stretch>
+                <a:fillRect/>
+              </a:stretch>
+            </p:blipFill>
+            <p:spPr>
+              <a:xfrm>
+                <a:off x="9304138" y="297225"/>
+                <a:ext cx="3583682" cy="2904762"/>
+              </a:xfrm>
+              <a:prstGeom prst="rect">
+                <a:avLst/>
+              </a:prstGeom>
+            </p:spPr>
+          </p:pic>
+          <p:sp>
+            <p:nvSpPr>
+              <p:cNvPr id="47" name="矩形 46">
+                <a:extLst>
+                  <a:ext uri="{FF2B5EF4-FFF2-40B4-BE49-F238E27FC236}">
+                    <a16:creationId xmlns:a16="http://schemas.microsoft.com/office/drawing/2014/main" id="{D0E66184-B343-4D09-8A3F-500EA9FEB61A}"/>
+                  </a:ext>
+                </a:extLst>
+              </p:cNvPr>
+              <p:cNvSpPr/>
+              <p:nvPr/>
+            </p:nvSpPr>
+            <p:spPr>
+              <a:xfrm>
+                <a:off x="9376229" y="812800"/>
+                <a:ext cx="2471191" cy="2389183"/>
+              </a:xfrm>
+              <a:prstGeom prst="rect">
+                <a:avLst/>
+              </a:prstGeom>
+              <a:blipFill dpi="0" rotWithShape="1">
+                <a:blip r:embed="rId9">
+                  <a:alphaModFix amt="60000"/>
+                </a:blip>
+                <a:srcRect/>
+                <a:stretch>
+                  <a:fillRect/>
+                </a:stretch>
+              </a:blipFill>
+              <a:ln>
+                <a:noFill/>
+              </a:ln>
+            </p:spPr>
+            <p:style>
+              <a:lnRef idx="2">
+                <a:schemeClr val="accent1">
+                  <a:shade val="50000"/>
+                </a:schemeClr>
+              </a:lnRef>
+              <a:fillRef idx="1">
+                <a:schemeClr val="accent1"/>
+              </a:fillRef>
+              <a:effectRef idx="0">
+                <a:schemeClr val="accent1"/>
+              </a:effectRef>
+              <a:fontRef idx="minor">
+                <a:schemeClr val="lt1"/>
+              </a:fontRef>
+            </p:style>
+            <p:txBody>
+              <a:bodyPr rtlCol="0" anchor="ctr"/>
+              <a:lstStyle/>
+              <a:p>
+                <a:pPr algn="ctr"/>
+                <a:endParaRPr lang="zh-CN" altLang="en-US"/>
+              </a:p>
+            </p:txBody>
+          </p:sp>
+        </p:grpSp>
+        <p:graphicFrame>
+          <p:nvGraphicFramePr>
+            <p:cNvPr id="50" name="对象 49">
+              <a:extLst>
+                <a:ext uri="{FF2B5EF4-FFF2-40B4-BE49-F238E27FC236}">
+                  <a16:creationId xmlns:a16="http://schemas.microsoft.com/office/drawing/2014/main" id="{6DE8EA2C-E152-4A26-87A2-A3A138286652}"/>
+                </a:ext>
+              </a:extLst>
+            </p:cNvPr>
+            <p:cNvGraphicFramePr>
+              <a:graphicFrameLocks noChangeAspect="1"/>
+            </p:cNvGraphicFramePr>
+            <p:nvPr>
+              <p:extLst>
+                <p:ext uri="{D42A27DB-BD31-4B8C-83A1-F6EECF244321}">
+                  <p14:modId xmlns:p14="http://schemas.microsoft.com/office/powerpoint/2010/main" val="3092731656"/>
+                </p:ext>
+              </p:extLst>
+            </p:nvPr>
+          </p:nvGraphicFramePr>
+          <p:xfrm>
+            <a:off x="9485320" y="4977306"/>
+            <a:ext cx="3365500" cy="885825"/>
+          </p:xfrm>
+          <a:graphic>
+            <a:graphicData uri="http://schemas.openxmlformats.org/presentationml/2006/ole">
+              <mc:AlternateContent xmlns:mc="http://schemas.openxmlformats.org/markup-compatibility/2006">
+                <mc:Choice xmlns:v="urn:schemas-microsoft-com:vml" Requires="v">
+                  <p:oleObj spid="_x0000_s5146" name="AxMath" r:id="rId10" imgW="1682640" imgH="442440" progId="Equation.AxMath">
+                    <p:embed/>
+                  </p:oleObj>
+                </mc:Choice>
+                <mc:Fallback>
+                  <p:oleObj name="AxMath" r:id="rId10" imgW="1682640" imgH="442440" progId="Equation.AxMath">
+                    <p:embed/>
+                    <p:pic>
+                      <p:nvPicPr>
+                        <p:cNvPr id="15" name="对象 14">
+                          <a:extLst>
+                            <a:ext uri="{FF2B5EF4-FFF2-40B4-BE49-F238E27FC236}">
+                              <a16:creationId xmlns:a16="http://schemas.microsoft.com/office/drawing/2014/main" id="{5E0E1B3B-F64F-489E-A328-B6F48A6BAD74}"/>
+                            </a:ext>
+                          </a:extLst>
+                        </p:cNvPr>
+                        <p:cNvPicPr/>
+                        <p:nvPr/>
+                      </p:nvPicPr>
+                      <p:blipFill>
+                        <a:blip r:embed="rId11"/>
+                        <a:stretch>
+                          <a:fillRect/>
+                        </a:stretch>
+                      </p:blipFill>
+                      <p:spPr>
+                        <a:xfrm>
+                          <a:off x="9485320" y="4977306"/>
+                          <a:ext cx="3365500" cy="885825"/>
+                        </a:xfrm>
+                        <a:prstGeom prst="rect">
+                          <a:avLst/>
+                        </a:prstGeom>
+                      </p:spPr>
+                    </p:pic>
+                  </p:oleObj>
+                </mc:Fallback>
+              </mc:AlternateContent>
+            </a:graphicData>
+          </a:graphic>
+        </p:graphicFrame>
+      </p:grpSp>
+    </p:spTree>
+    <p:extLst>
+      <p:ext uri="{BB962C8B-B14F-4D97-AF65-F5344CB8AC3E}">
+        <p14:creationId xmlns:p14="http://schemas.microsoft.com/office/powerpoint/2010/main" val="4278057678"/>
+      </p:ext>
+    </p:extLst>
+  </p:cSld>
+  <p:clrMapOvr>
+    <a:masterClrMapping/>
+  </p:clrMapOvr>
+</p:sld>
+</file>
+
+<file path=ppt/slides/slide7.xml><?xml version="1.0" encoding="utf-8"?>
+<p:sld xmlns:a="http://schemas.openxmlformats.org/drawingml/2006/main" xmlns:r="http://schemas.openxmlformats.org/officeDocument/2006/relationships" xmlns:p="http://schemas.openxmlformats.org/presentationml/2006/main">
+  <p:cSld>
+    <p:spTree>
+      <p:nvGrpSpPr>
+        <p:cNvPr id="1" name=""/>
+        <p:cNvGrpSpPr/>
+        <p:nvPr/>
+      </p:nvGrpSpPr>
+      <p:grpSpPr>
+        <a:xfrm>
+          <a:off x="0" y="0"/>
+          <a:ext cx="0" cy="0"/>
+          <a:chOff x="0" y="0"/>
+          <a:chExt cx="0" cy="0"/>
+        </a:xfrm>
+      </p:grpSpPr>
+    </p:spTree>
+    <p:extLst>
+      <p:ext uri="{BB962C8B-B14F-4D97-AF65-F5344CB8AC3E}">
+        <p14:creationId xmlns:p14="http://schemas.microsoft.com/office/powerpoint/2010/main" val="2239351910"/>
+      </p:ext>
+    </p:extLst>
+  </p:cSld>
+  <p:clrMapOvr>
+    <a:masterClrMapping/>
+  </p:clrMapOvr>
+</p:sld>
+</file>
+
+<file path=ppt/slides/slide8.xml><?xml version="1.0" encoding="utf-8"?>
+<p:sld xmlns:a="http://schemas.openxmlformats.org/drawingml/2006/main" xmlns:r="http://schemas.openxmlformats.org/officeDocument/2006/relationships" xmlns:p="http://schemas.openxmlformats.org/presentationml/2006/main">
+  <p:cSld>
+    <p:spTree>
+      <p:nvGrpSpPr>
+        <p:cNvPr id="1" name=""/>
+        <p:cNvGrpSpPr/>
+        <p:nvPr/>
+      </p:nvGrpSpPr>
+      <p:grpSpPr>
+        <a:xfrm>
+          <a:off x="0" y="0"/>
+          <a:ext cx="0" cy="0"/>
+          <a:chOff x="0" y="0"/>
+          <a:chExt cx="0" cy="0"/>
+        </a:xfrm>
+      </p:grpSpPr>
+    </p:spTree>
+    <p:extLst>
+      <p:ext uri="{BB962C8B-B14F-4D97-AF65-F5344CB8AC3E}">
+        <p14:creationId xmlns:p14="http://schemas.microsoft.com/office/powerpoint/2010/main" val="2232559485"/>
       </p:ext>
     </p:extLst>
   </p:cSld>

--- a/0阶运动与1阶运动在图片动画化中的应用/imgs/素材.pptx
+++ b/0阶运动与1阶运动在图片动画化中的应用/imgs/素材.pptx
@@ -266,7 +266,7 @@
           <a:p>
             <a:fld id="{494465B1-8FFF-4C01-B0B6-3B81A6682E51}" type="datetimeFigureOut">
               <a:rPr lang="zh-CN" altLang="en-US" smtClean="0"/>
-              <a:t>2020/9/20 Sunday</a:t>
+              <a:t>2020/9/21 Monday</a:t>
             </a:fld>
             <a:endParaRPr lang="zh-CN" altLang="en-US"/>
           </a:p>
@@ -464,7 +464,7 @@
           <a:p>
             <a:fld id="{494465B1-8FFF-4C01-B0B6-3B81A6682E51}" type="datetimeFigureOut">
               <a:rPr lang="zh-CN" altLang="en-US" smtClean="0"/>
-              <a:t>2020/9/20 Sunday</a:t>
+              <a:t>2020/9/21 Monday</a:t>
             </a:fld>
             <a:endParaRPr lang="zh-CN" altLang="en-US"/>
           </a:p>
@@ -672,7 +672,7 @@
           <a:p>
             <a:fld id="{494465B1-8FFF-4C01-B0B6-3B81A6682E51}" type="datetimeFigureOut">
               <a:rPr lang="zh-CN" altLang="en-US" smtClean="0"/>
-              <a:t>2020/9/20 Sunday</a:t>
+              <a:t>2020/9/21 Monday</a:t>
             </a:fld>
             <a:endParaRPr lang="zh-CN" altLang="en-US"/>
           </a:p>
@@ -870,7 +870,7 @@
           <a:p>
             <a:fld id="{494465B1-8FFF-4C01-B0B6-3B81A6682E51}" type="datetimeFigureOut">
               <a:rPr lang="zh-CN" altLang="en-US" smtClean="0"/>
-              <a:t>2020/9/20 Sunday</a:t>
+              <a:t>2020/9/21 Monday</a:t>
             </a:fld>
             <a:endParaRPr lang="zh-CN" altLang="en-US"/>
           </a:p>
@@ -1145,7 +1145,7 @@
           <a:p>
             <a:fld id="{494465B1-8FFF-4C01-B0B6-3B81A6682E51}" type="datetimeFigureOut">
               <a:rPr lang="zh-CN" altLang="en-US" smtClean="0"/>
-              <a:t>2020/9/20 Sunday</a:t>
+              <a:t>2020/9/21 Monday</a:t>
             </a:fld>
             <a:endParaRPr lang="zh-CN" altLang="en-US"/>
           </a:p>
@@ -1410,7 +1410,7 @@
           <a:p>
             <a:fld id="{494465B1-8FFF-4C01-B0B6-3B81A6682E51}" type="datetimeFigureOut">
               <a:rPr lang="zh-CN" altLang="en-US" smtClean="0"/>
-              <a:t>2020/9/20 Sunday</a:t>
+              <a:t>2020/9/21 Monday</a:t>
             </a:fld>
             <a:endParaRPr lang="zh-CN" altLang="en-US"/>
           </a:p>
@@ -1822,7 +1822,7 @@
           <a:p>
             <a:fld id="{494465B1-8FFF-4C01-B0B6-3B81A6682E51}" type="datetimeFigureOut">
               <a:rPr lang="zh-CN" altLang="en-US" smtClean="0"/>
-              <a:t>2020/9/20 Sunday</a:t>
+              <a:t>2020/9/21 Monday</a:t>
             </a:fld>
             <a:endParaRPr lang="zh-CN" altLang="en-US"/>
           </a:p>
@@ -1963,7 +1963,7 @@
           <a:p>
             <a:fld id="{494465B1-8FFF-4C01-B0B6-3B81A6682E51}" type="datetimeFigureOut">
               <a:rPr lang="zh-CN" altLang="en-US" smtClean="0"/>
-              <a:t>2020/9/20 Sunday</a:t>
+              <a:t>2020/9/21 Monday</a:t>
             </a:fld>
             <a:endParaRPr lang="zh-CN" altLang="en-US"/>
           </a:p>
@@ -2076,7 +2076,7 @@
           <a:p>
             <a:fld id="{494465B1-8FFF-4C01-B0B6-3B81A6682E51}" type="datetimeFigureOut">
               <a:rPr lang="zh-CN" altLang="en-US" smtClean="0"/>
-              <a:t>2020/9/20 Sunday</a:t>
+              <a:t>2020/9/21 Monday</a:t>
             </a:fld>
             <a:endParaRPr lang="zh-CN" altLang="en-US"/>
           </a:p>
@@ -2387,7 +2387,7 @@
           <a:p>
             <a:fld id="{494465B1-8FFF-4C01-B0B6-3B81A6682E51}" type="datetimeFigureOut">
               <a:rPr lang="zh-CN" altLang="en-US" smtClean="0"/>
-              <a:t>2020/9/20 Sunday</a:t>
+              <a:t>2020/9/21 Monday</a:t>
             </a:fld>
             <a:endParaRPr lang="zh-CN" altLang="en-US"/>
           </a:p>
@@ -2675,7 +2675,7 @@
           <a:p>
             <a:fld id="{494465B1-8FFF-4C01-B0B6-3B81A6682E51}" type="datetimeFigureOut">
               <a:rPr lang="zh-CN" altLang="en-US" smtClean="0"/>
-              <a:t>2020/9/20 Sunday</a:t>
+              <a:t>2020/9/21 Monday</a:t>
             </a:fld>
             <a:endParaRPr lang="zh-CN" altLang="en-US"/>
           </a:p>
@@ -2916,7 +2916,7 @@
           <a:p>
             <a:fld id="{494465B1-8FFF-4C01-B0B6-3B81A6682E51}" type="datetimeFigureOut">
               <a:rPr lang="zh-CN" altLang="en-US" smtClean="0"/>
-              <a:t>2020/9/20 Sunday</a:t>
+              <a:t>2020/9/21 Monday</a:t>
             </a:fld>
             <a:endParaRPr lang="zh-CN" altLang="en-US"/>
           </a:p>
@@ -4545,7 +4545,7 @@
             <a:graphicData uri="http://schemas.openxmlformats.org/presentationml/2006/ole">
               <mc:AlternateContent xmlns:mc="http://schemas.openxmlformats.org/markup-compatibility/2006">
                 <mc:Choice xmlns:v="urn:schemas-microsoft-com:vml" Requires="v">
-                  <p:oleObj spid="_x0000_s4110" name="AxMath" r:id="rId7" imgW="942480" imgH="218520" progId="Equation.AxMath">
+                  <p:oleObj spid="_x0000_s4115" name="AxMath" r:id="rId7" imgW="942480" imgH="218520" progId="Equation.AxMath">
                     <p:embed/>
                   </p:oleObj>
                 </mc:Choice>
@@ -6464,7 +6464,7 @@
             <a:graphicData uri="http://schemas.openxmlformats.org/presentationml/2006/ole">
               <mc:AlternateContent xmlns:mc="http://schemas.openxmlformats.org/markup-compatibility/2006">
                 <mc:Choice xmlns:v="urn:schemas-microsoft-com:vml" Requires="v">
-                  <p:oleObj spid="_x0000_s2187" name="AxMath" r:id="rId7" imgW="149040" imgH="207360" progId="Equation.AxMath">
+                  <p:oleObj spid="_x0000_s2217" name="AxMath" r:id="rId7" imgW="149040" imgH="207360" progId="Equation.AxMath">
                     <p:embed/>
                   </p:oleObj>
                 </mc:Choice>
@@ -6804,7 +6804,7 @@
             <a:graphicData uri="http://schemas.openxmlformats.org/presentationml/2006/ole">
               <mc:AlternateContent xmlns:mc="http://schemas.openxmlformats.org/markup-compatibility/2006">
                 <mc:Choice xmlns:v="urn:schemas-microsoft-com:vml" Requires="v">
-                  <p:oleObj spid="_x0000_s2188" name="AxMath" r:id="rId10" imgW="115200" imgH="207360" progId="Equation.AxMath">
+                  <p:oleObj spid="_x0000_s2218" name="AxMath" r:id="rId10" imgW="115200" imgH="207360" progId="Equation.AxMath">
                     <p:embed/>
                   </p:oleObj>
                 </mc:Choice>
@@ -6873,7 +6873,7 @@
             <a:graphicData uri="http://schemas.openxmlformats.org/presentationml/2006/ole">
               <mc:AlternateContent xmlns:mc="http://schemas.openxmlformats.org/markup-compatibility/2006">
                 <mc:Choice xmlns:v="urn:schemas-microsoft-com:vml" Requires="v">
-                  <p:oleObj spid="_x0000_s2189" name="AxMath" r:id="rId12" imgW="138960" imgH="208800" progId="Equation.AxMath">
+                  <p:oleObj spid="_x0000_s2219" name="AxMath" r:id="rId12" imgW="138960" imgH="208800" progId="Equation.AxMath">
                     <p:embed/>
                   </p:oleObj>
                 </mc:Choice>
@@ -6942,7 +6942,7 @@
             <a:graphicData uri="http://schemas.openxmlformats.org/presentationml/2006/ole">
               <mc:AlternateContent xmlns:mc="http://schemas.openxmlformats.org/markup-compatibility/2006">
                 <mc:Choice xmlns:v="urn:schemas-microsoft-com:vml" Requires="v">
-                  <p:oleObj spid="_x0000_s2190" name="AxMath" r:id="rId14" imgW="1573560" imgH="215640" progId="Equation.AxMath">
+                  <p:oleObj spid="_x0000_s2220" name="AxMath" r:id="rId14" imgW="1573560" imgH="215640" progId="Equation.AxMath">
                     <p:embed/>
                   </p:oleObj>
                 </mc:Choice>
@@ -7011,7 +7011,7 @@
             <a:graphicData uri="http://schemas.openxmlformats.org/presentationml/2006/ole">
               <mc:AlternateContent xmlns:mc="http://schemas.openxmlformats.org/markup-compatibility/2006">
                 <mc:Choice xmlns:v="urn:schemas-microsoft-com:vml" Requires="v">
-                  <p:oleObj spid="_x0000_s2191" name="AxMath" r:id="rId16" imgW="1728360" imgH="218880" progId="Equation.AxMath">
+                  <p:oleObj spid="_x0000_s2221" name="AxMath" r:id="rId16" imgW="1728360" imgH="218880" progId="Equation.AxMath">
                     <p:embed/>
                   </p:oleObj>
                 </mc:Choice>
@@ -7080,7 +7080,7 @@
             <a:graphicData uri="http://schemas.openxmlformats.org/presentationml/2006/ole">
               <mc:AlternateContent xmlns:mc="http://schemas.openxmlformats.org/markup-compatibility/2006">
                 <mc:Choice xmlns:v="urn:schemas-microsoft-com:vml" Requires="v">
-                  <p:oleObj spid="_x0000_s2192" name="AxMath" r:id="rId18" imgW="780120" imgH="246240" progId="Equation.AxMath">
+                  <p:oleObj spid="_x0000_s2222" name="AxMath" r:id="rId18" imgW="780120" imgH="246240" progId="Equation.AxMath">
                     <p:embed/>
                   </p:oleObj>
                 </mc:Choice>
@@ -7700,7 +7700,7 @@
             <a:graphicData uri="http://schemas.openxmlformats.org/presentationml/2006/ole">
               <mc:AlternateContent xmlns:mc="http://schemas.openxmlformats.org/markup-compatibility/2006">
                 <mc:Choice xmlns:v="urn:schemas-microsoft-com:vml" Requires="v">
-                  <p:oleObj spid="_x0000_s3208" name="AxMath" r:id="rId7" imgW="149040" imgH="207360" progId="Equation.AxMath">
+                  <p:oleObj spid="_x0000_s3248" name="AxMath" r:id="rId7" imgW="149040" imgH="207360" progId="Equation.AxMath">
                     <p:embed/>
                   </p:oleObj>
                 </mc:Choice>
@@ -8046,7 +8046,7 @@
             <a:graphicData uri="http://schemas.openxmlformats.org/presentationml/2006/ole">
               <mc:AlternateContent xmlns:mc="http://schemas.openxmlformats.org/markup-compatibility/2006">
                 <mc:Choice xmlns:v="urn:schemas-microsoft-com:vml" Requires="v">
-                  <p:oleObj spid="_x0000_s3209" name="AxMath" r:id="rId10" imgW="115200" imgH="207360" progId="Equation.AxMath">
+                  <p:oleObj spid="_x0000_s3249" name="AxMath" r:id="rId10" imgW="115200" imgH="207360" progId="Equation.AxMath">
                     <p:embed/>
                   </p:oleObj>
                 </mc:Choice>
@@ -8115,7 +8115,7 @@
             <a:graphicData uri="http://schemas.openxmlformats.org/presentationml/2006/ole">
               <mc:AlternateContent xmlns:mc="http://schemas.openxmlformats.org/markup-compatibility/2006">
                 <mc:Choice xmlns:v="urn:schemas-microsoft-com:vml" Requires="v">
-                  <p:oleObj spid="_x0000_s3210" name="AxMath" r:id="rId12" imgW="138960" imgH="208800" progId="Equation.AxMath">
+                  <p:oleObj spid="_x0000_s3250" name="AxMath" r:id="rId12" imgW="138960" imgH="208800" progId="Equation.AxMath">
                     <p:embed/>
                   </p:oleObj>
                 </mc:Choice>
@@ -8184,7 +8184,7 @@
             <a:graphicData uri="http://schemas.openxmlformats.org/presentationml/2006/ole">
               <mc:AlternateContent xmlns:mc="http://schemas.openxmlformats.org/markup-compatibility/2006">
                 <mc:Choice xmlns:v="urn:schemas-microsoft-com:vml" Requires="v">
-                  <p:oleObj spid="_x0000_s3211" name="AxMath" r:id="rId14" imgW="1573560" imgH="215640" progId="Equation.AxMath">
+                  <p:oleObj spid="_x0000_s3251" name="AxMath" r:id="rId14" imgW="1573560" imgH="215640" progId="Equation.AxMath">
                     <p:embed/>
                   </p:oleObj>
                 </mc:Choice>
@@ -8253,7 +8253,7 @@
             <a:graphicData uri="http://schemas.openxmlformats.org/presentationml/2006/ole">
               <mc:AlternateContent xmlns:mc="http://schemas.openxmlformats.org/markup-compatibility/2006">
                 <mc:Choice xmlns:v="urn:schemas-microsoft-com:vml" Requires="v">
-                  <p:oleObj spid="_x0000_s3212" name="AxMath" r:id="rId16" imgW="1728360" imgH="218880" progId="Equation.AxMath">
+                  <p:oleObj spid="_x0000_s3252" name="AxMath" r:id="rId16" imgW="1728360" imgH="218880" progId="Equation.AxMath">
                     <p:embed/>
                   </p:oleObj>
                 </mc:Choice>
@@ -8322,7 +8322,7 @@
             <a:graphicData uri="http://schemas.openxmlformats.org/presentationml/2006/ole">
               <mc:AlternateContent xmlns:mc="http://schemas.openxmlformats.org/markup-compatibility/2006">
                 <mc:Choice xmlns:v="urn:schemas-microsoft-com:vml" Requires="v">
-                  <p:oleObj spid="_x0000_s3213" name="AxMath" r:id="rId18" imgW="780120" imgH="246240" progId="Equation.AxMath">
+                  <p:oleObj spid="_x0000_s3253" name="AxMath" r:id="rId18" imgW="780120" imgH="246240" progId="Equation.AxMath">
                     <p:embed/>
                   </p:oleObj>
                 </mc:Choice>
@@ -8559,7 +8559,7 @@
             <a:graphicData uri="http://schemas.openxmlformats.org/presentationml/2006/ole">
               <mc:AlternateContent xmlns:mc="http://schemas.openxmlformats.org/markup-compatibility/2006">
                 <mc:Choice xmlns:v="urn:schemas-microsoft-com:vml" Requires="v">
-                  <p:oleObj spid="_x0000_s3214" name="AxMath" r:id="rId21" imgW="177840" imgH="207360" progId="Equation.AxMath">
+                  <p:oleObj spid="_x0000_s3254" name="AxMath" r:id="rId21" imgW="177840" imgH="207360" progId="Equation.AxMath">
                     <p:embed/>
                   </p:oleObj>
                 </mc:Choice>
@@ -8628,7 +8628,7 @@
             <a:graphicData uri="http://schemas.openxmlformats.org/presentationml/2006/ole">
               <mc:AlternateContent xmlns:mc="http://schemas.openxmlformats.org/markup-compatibility/2006">
                 <mc:Choice xmlns:v="urn:schemas-microsoft-com:vml" Requires="v">
-                  <p:oleObj spid="_x0000_s3215" name="AxMath" r:id="rId23" imgW="146880" imgH="218520" progId="Equation.AxMath">
+                  <p:oleObj spid="_x0000_s3255" name="AxMath" r:id="rId23" imgW="146880" imgH="218520" progId="Equation.AxMath">
                     <p:embed/>
                   </p:oleObj>
                 </mc:Choice>
@@ -8792,7 +8792,7 @@
             <a:graphicData uri="http://schemas.openxmlformats.org/presentationml/2006/ole">
               <mc:AlternateContent xmlns:mc="http://schemas.openxmlformats.org/markup-compatibility/2006">
                 <mc:Choice xmlns:v="urn:schemas-microsoft-com:vml" Requires="v">
-                  <p:oleObj spid="_x0000_s1108" name="AxMath" r:id="rId3" imgW="193680" imgH="208800" progId="Equation.AxMath">
+                  <p:oleObj spid="_x0000_s1123" name="AxMath" r:id="rId3" imgW="193680" imgH="208800" progId="Equation.AxMath">
                     <p:embed/>
                   </p:oleObj>
                 </mc:Choice>
@@ -9344,7 +9344,7 @@
             <a:graphicData uri="http://schemas.openxmlformats.org/presentationml/2006/ole">
               <mc:AlternateContent xmlns:mc="http://schemas.openxmlformats.org/markup-compatibility/2006">
                 <mc:Choice xmlns:v="urn:schemas-microsoft-com:vml" Requires="v">
-                  <p:oleObj spid="_x0000_s1109" name="AxMath" r:id="rId5" imgW="1057680" imgH="376560" progId="Equation.AxMath">
+                  <p:oleObj spid="_x0000_s1124" name="AxMath" r:id="rId5" imgW="1057680" imgH="376560" progId="Equation.AxMath">
                     <p:embed/>
                   </p:oleObj>
                 </mc:Choice>
@@ -9407,7 +9407,7 @@
             <a:graphicData uri="http://schemas.openxmlformats.org/presentationml/2006/ole">
               <mc:AlternateContent xmlns:mc="http://schemas.openxmlformats.org/markup-compatibility/2006">
                 <mc:Choice xmlns:v="urn:schemas-microsoft-com:vml" Requires="v">
-                  <p:oleObj spid="_x0000_s1110" name="AxMath" r:id="rId7" imgW="2243880" imgH="376560" progId="Equation.AxMath">
+                  <p:oleObj spid="_x0000_s1125" name="AxMath" r:id="rId7" imgW="2243880" imgH="376560" progId="Equation.AxMath">
                     <p:embed/>
                   </p:oleObj>
                 </mc:Choice>
@@ -9674,7 +9674,7 @@
             <a:graphicData uri="http://schemas.openxmlformats.org/presentationml/2006/ole">
               <mc:AlternateContent xmlns:mc="http://schemas.openxmlformats.org/markup-compatibility/2006">
                 <mc:Choice xmlns:v="urn:schemas-microsoft-com:vml" Requires="v">
-                  <p:oleObj spid="_x0000_s5144" name="AxMath" r:id="rId5" imgW="1862640" imgH="227160" progId="Equation.AxMath">
+                  <p:oleObj spid="_x0000_s5159" name="AxMath" r:id="rId5" imgW="1862640" imgH="227160" progId="Equation.AxMath">
                     <p:embed/>
                   </p:oleObj>
                 </mc:Choice>
@@ -9737,7 +9737,7 @@
             <a:graphicData uri="http://schemas.openxmlformats.org/presentationml/2006/ole">
               <mc:AlternateContent xmlns:mc="http://schemas.openxmlformats.org/markup-compatibility/2006">
                 <mc:Choice xmlns:v="urn:schemas-microsoft-com:vml" Requires="v">
-                  <p:oleObj spid="_x0000_s5145" name="AxMath" r:id="rId7" imgW="1413720" imgH="218880" progId="Equation.AxMath">
+                  <p:oleObj spid="_x0000_s5160" name="AxMath" r:id="rId7" imgW="1413720" imgH="218880" progId="Equation.AxMath">
                     <p:embed/>
                   </p:oleObj>
                 </mc:Choice>
@@ -10150,7 +10150,7 @@
             <a:graphicData uri="http://schemas.openxmlformats.org/presentationml/2006/ole">
               <mc:AlternateContent xmlns:mc="http://schemas.openxmlformats.org/markup-compatibility/2006">
                 <mc:Choice xmlns:v="urn:schemas-microsoft-com:vml" Requires="v">
-                  <p:oleObj spid="_x0000_s5146" name="AxMath" r:id="rId10" imgW="1682640" imgH="442440" progId="Equation.AxMath">
+                  <p:oleObj spid="_x0000_s5161" name="AxMath" r:id="rId10" imgW="1682640" imgH="442440" progId="Equation.AxMath">
                     <p:embed/>
                   </p:oleObj>
                 </mc:Choice>
@@ -10222,6 +10222,935 @@
           <a:chExt cx="0" cy="0"/>
         </a:xfrm>
       </p:grpSpPr>
+      <p:grpSp>
+        <p:nvGrpSpPr>
+          <p:cNvPr id="28" name="组合 27">
+            <a:extLst>
+              <a:ext uri="{FF2B5EF4-FFF2-40B4-BE49-F238E27FC236}">
+                <a16:creationId xmlns:a16="http://schemas.microsoft.com/office/drawing/2014/main" id="{7C5E1FD3-E4EB-4F9E-AC05-C18CF0BD7433}"/>
+              </a:ext>
+            </a:extLst>
+          </p:cNvPr>
+          <p:cNvGrpSpPr/>
+          <p:nvPr/>
+        </p:nvGrpSpPr>
+        <p:grpSpPr>
+          <a:xfrm>
+            <a:off x="567159" y="1787525"/>
+            <a:ext cx="11928069" cy="2982031"/>
+            <a:chOff x="567159" y="1787525"/>
+            <a:chExt cx="11928069" cy="2982031"/>
+          </a:xfrm>
+        </p:grpSpPr>
+        <p:sp>
+          <p:nvSpPr>
+            <p:cNvPr id="2" name="椭圆 1">
+              <a:extLst>
+                <a:ext uri="{FF2B5EF4-FFF2-40B4-BE49-F238E27FC236}">
+                  <a16:creationId xmlns:a16="http://schemas.microsoft.com/office/drawing/2014/main" id="{06847CBD-F605-44BC-9D1A-165776754354}"/>
+                </a:ext>
+              </a:extLst>
+            </p:cNvPr>
+            <p:cNvSpPr/>
+            <p:nvPr/>
+          </p:nvSpPr>
+          <p:spPr>
+            <a:xfrm>
+              <a:off x="567159" y="2733055"/>
+              <a:ext cx="3567289" cy="1930400"/>
+            </a:xfrm>
+            <a:prstGeom prst="ellipse">
+              <a:avLst/>
+            </a:prstGeom>
+            <a:solidFill>
+              <a:schemeClr val="accent1">
+                <a:alpha val="60000"/>
+              </a:schemeClr>
+            </a:solidFill>
+            <a:ln>
+              <a:noFill/>
+            </a:ln>
+          </p:spPr>
+          <p:style>
+            <a:lnRef idx="2">
+              <a:schemeClr val="accent1">
+                <a:shade val="50000"/>
+              </a:schemeClr>
+            </a:lnRef>
+            <a:fillRef idx="1">
+              <a:schemeClr val="accent1"/>
+            </a:fillRef>
+            <a:effectRef idx="0">
+              <a:schemeClr val="accent1"/>
+            </a:effectRef>
+            <a:fontRef idx="minor">
+              <a:schemeClr val="lt1"/>
+            </a:fontRef>
+          </p:style>
+          <p:txBody>
+            <a:bodyPr rtlCol="0" anchor="ctr"/>
+            <a:lstStyle/>
+            <a:p>
+              <a:pPr algn="ctr"/>
+              <a:endParaRPr lang="zh-CN" altLang="en-US"/>
+            </a:p>
+          </p:txBody>
+        </p:sp>
+        <p:sp>
+          <p:nvSpPr>
+            <p:cNvPr id="4" name="椭圆 3">
+              <a:extLst>
+                <a:ext uri="{FF2B5EF4-FFF2-40B4-BE49-F238E27FC236}">
+                  <a16:creationId xmlns:a16="http://schemas.microsoft.com/office/drawing/2014/main" id="{9423422B-15C8-4874-9C0B-F96C5ABC54B4}"/>
+                </a:ext>
+              </a:extLst>
+            </p:cNvPr>
+            <p:cNvSpPr/>
+            <p:nvPr/>
+          </p:nvSpPr>
+          <p:spPr>
+            <a:xfrm>
+              <a:off x="4747549" y="2839156"/>
+              <a:ext cx="3567289" cy="1930400"/>
+            </a:xfrm>
+            <a:prstGeom prst="ellipse">
+              <a:avLst/>
+            </a:prstGeom>
+            <a:solidFill>
+              <a:schemeClr val="accent6">
+                <a:lumMod val="60000"/>
+                <a:lumOff val="40000"/>
+                <a:alpha val="60000"/>
+              </a:schemeClr>
+            </a:solidFill>
+            <a:ln>
+              <a:noFill/>
+            </a:ln>
+          </p:spPr>
+          <p:style>
+            <a:lnRef idx="2">
+              <a:schemeClr val="accent1">
+                <a:shade val="50000"/>
+              </a:schemeClr>
+            </a:lnRef>
+            <a:fillRef idx="1">
+              <a:schemeClr val="accent1"/>
+            </a:fillRef>
+            <a:effectRef idx="0">
+              <a:schemeClr val="accent1"/>
+            </a:effectRef>
+            <a:fontRef idx="minor">
+              <a:schemeClr val="lt1"/>
+            </a:fontRef>
+          </p:style>
+          <p:txBody>
+            <a:bodyPr rtlCol="0" anchor="ctr"/>
+            <a:lstStyle/>
+            <a:p>
+              <a:pPr algn="ctr"/>
+              <a:endParaRPr lang="zh-CN" altLang="en-US"/>
+            </a:p>
+          </p:txBody>
+        </p:sp>
+        <p:sp>
+          <p:nvSpPr>
+            <p:cNvPr id="6" name="椭圆 5">
+              <a:extLst>
+                <a:ext uri="{FF2B5EF4-FFF2-40B4-BE49-F238E27FC236}">
+                  <a16:creationId xmlns:a16="http://schemas.microsoft.com/office/drawing/2014/main" id="{94B29F0C-352A-4B41-A772-ABF3AFE22220}"/>
+                </a:ext>
+              </a:extLst>
+            </p:cNvPr>
+            <p:cNvSpPr/>
+            <p:nvPr/>
+          </p:nvSpPr>
+          <p:spPr>
+            <a:xfrm>
+              <a:off x="8927939" y="2733055"/>
+              <a:ext cx="3567289" cy="1930400"/>
+            </a:xfrm>
+            <a:prstGeom prst="ellipse">
+              <a:avLst/>
+            </a:prstGeom>
+            <a:solidFill>
+              <a:schemeClr val="accent4">
+                <a:lumMod val="60000"/>
+                <a:lumOff val="40000"/>
+                <a:alpha val="60000"/>
+              </a:schemeClr>
+            </a:solidFill>
+            <a:ln>
+              <a:noFill/>
+            </a:ln>
+          </p:spPr>
+          <p:style>
+            <a:lnRef idx="2">
+              <a:schemeClr val="accent1">
+                <a:shade val="50000"/>
+              </a:schemeClr>
+            </a:lnRef>
+            <a:fillRef idx="1">
+              <a:schemeClr val="accent1"/>
+            </a:fillRef>
+            <a:effectRef idx="0">
+              <a:schemeClr val="accent1"/>
+            </a:effectRef>
+            <a:fontRef idx="minor">
+              <a:schemeClr val="lt1"/>
+            </a:fontRef>
+          </p:style>
+          <p:txBody>
+            <a:bodyPr rtlCol="0" anchor="ctr"/>
+            <a:lstStyle/>
+            <a:p>
+              <a:pPr algn="ctr"/>
+              <a:endParaRPr lang="zh-CN" altLang="en-US"/>
+            </a:p>
+          </p:txBody>
+        </p:sp>
+        <p:sp>
+          <p:nvSpPr>
+            <p:cNvPr id="7" name="椭圆 6">
+              <a:extLst>
+                <a:ext uri="{FF2B5EF4-FFF2-40B4-BE49-F238E27FC236}">
+                  <a16:creationId xmlns:a16="http://schemas.microsoft.com/office/drawing/2014/main" id="{8EC509F4-83B8-4C11-9133-DB5D488F133B}"/>
+                </a:ext>
+              </a:extLst>
+            </p:cNvPr>
+            <p:cNvSpPr/>
+            <p:nvPr/>
+          </p:nvSpPr>
+          <p:spPr>
+            <a:xfrm>
+              <a:off x="1944548" y="3611445"/>
+              <a:ext cx="196769" cy="173620"/>
+            </a:xfrm>
+            <a:prstGeom prst="ellipse">
+              <a:avLst/>
+            </a:prstGeom>
+            <a:solidFill>
+              <a:srgbClr val="FF0000"/>
+            </a:solidFill>
+            <a:ln>
+              <a:noFill/>
+            </a:ln>
+          </p:spPr>
+          <p:style>
+            <a:lnRef idx="2">
+              <a:schemeClr val="accent1">
+                <a:shade val="50000"/>
+              </a:schemeClr>
+            </a:lnRef>
+            <a:fillRef idx="1">
+              <a:schemeClr val="accent1"/>
+            </a:fillRef>
+            <a:effectRef idx="0">
+              <a:schemeClr val="accent1"/>
+            </a:effectRef>
+            <a:fontRef idx="minor">
+              <a:schemeClr val="lt1"/>
+            </a:fontRef>
+          </p:style>
+          <p:txBody>
+            <a:bodyPr rtlCol="0" anchor="ctr"/>
+            <a:lstStyle/>
+            <a:p>
+              <a:pPr algn="ctr"/>
+              <a:endParaRPr lang="zh-CN" altLang="en-US"/>
+            </a:p>
+          </p:txBody>
+        </p:sp>
+        <p:sp>
+          <p:nvSpPr>
+            <p:cNvPr id="9" name="椭圆 8">
+              <a:extLst>
+                <a:ext uri="{FF2B5EF4-FFF2-40B4-BE49-F238E27FC236}">
+                  <a16:creationId xmlns:a16="http://schemas.microsoft.com/office/drawing/2014/main" id="{F821F839-96D6-4CE0-8E7E-AA19594EABAD}"/>
+                </a:ext>
+              </a:extLst>
+            </p:cNvPr>
+            <p:cNvSpPr/>
+            <p:nvPr/>
+          </p:nvSpPr>
+          <p:spPr>
+            <a:xfrm>
+              <a:off x="6096001" y="3630736"/>
+              <a:ext cx="196769" cy="173620"/>
+            </a:xfrm>
+            <a:prstGeom prst="ellipse">
+              <a:avLst/>
+            </a:prstGeom>
+            <a:solidFill>
+              <a:srgbClr val="FF0000"/>
+            </a:solidFill>
+            <a:ln>
+              <a:noFill/>
+            </a:ln>
+          </p:spPr>
+          <p:style>
+            <a:lnRef idx="2">
+              <a:schemeClr val="accent1">
+                <a:shade val="50000"/>
+              </a:schemeClr>
+            </a:lnRef>
+            <a:fillRef idx="1">
+              <a:schemeClr val="accent1"/>
+            </a:fillRef>
+            <a:effectRef idx="0">
+              <a:schemeClr val="accent1"/>
+            </a:effectRef>
+            <a:fontRef idx="minor">
+              <a:schemeClr val="lt1"/>
+            </a:fontRef>
+          </p:style>
+          <p:txBody>
+            <a:bodyPr rtlCol="0" anchor="ctr"/>
+            <a:lstStyle/>
+            <a:p>
+              <a:pPr algn="ctr"/>
+              <a:endParaRPr lang="zh-CN" altLang="en-US"/>
+            </a:p>
+          </p:txBody>
+        </p:sp>
+        <p:sp>
+          <p:nvSpPr>
+            <p:cNvPr id="11" name="椭圆 10">
+              <a:extLst>
+                <a:ext uri="{FF2B5EF4-FFF2-40B4-BE49-F238E27FC236}">
+                  <a16:creationId xmlns:a16="http://schemas.microsoft.com/office/drawing/2014/main" id="{FACD7FFF-2294-4CAD-967F-1AA1B4F0CEAD}"/>
+                </a:ext>
+              </a:extLst>
+            </p:cNvPr>
+            <p:cNvSpPr/>
+            <p:nvPr/>
+          </p:nvSpPr>
+          <p:spPr>
+            <a:xfrm>
+              <a:off x="10721229" y="3470764"/>
+              <a:ext cx="196769" cy="173620"/>
+            </a:xfrm>
+            <a:prstGeom prst="ellipse">
+              <a:avLst/>
+            </a:prstGeom>
+            <a:solidFill>
+              <a:srgbClr val="FF0000"/>
+            </a:solidFill>
+            <a:ln>
+              <a:noFill/>
+            </a:ln>
+          </p:spPr>
+          <p:style>
+            <a:lnRef idx="2">
+              <a:schemeClr val="accent1">
+                <a:shade val="50000"/>
+              </a:schemeClr>
+            </a:lnRef>
+            <a:fillRef idx="1">
+              <a:schemeClr val="accent1"/>
+            </a:fillRef>
+            <a:effectRef idx="0">
+              <a:schemeClr val="accent1"/>
+            </a:effectRef>
+            <a:fontRef idx="minor">
+              <a:schemeClr val="lt1"/>
+            </a:fontRef>
+          </p:style>
+          <p:txBody>
+            <a:bodyPr rtlCol="0" anchor="ctr"/>
+            <a:lstStyle/>
+            <a:p>
+              <a:pPr algn="ctr"/>
+              <a:endParaRPr lang="zh-CN" altLang="en-US"/>
+            </a:p>
+          </p:txBody>
+        </p:sp>
+        <p:sp>
+          <p:nvSpPr>
+            <p:cNvPr id="13" name="任意多边形: 形状 12">
+              <a:extLst>
+                <a:ext uri="{FF2B5EF4-FFF2-40B4-BE49-F238E27FC236}">
+                  <a16:creationId xmlns:a16="http://schemas.microsoft.com/office/drawing/2014/main" id="{7F5207C5-9454-4B67-928C-AC9F3493B648}"/>
+                </a:ext>
+              </a:extLst>
+            </p:cNvPr>
+            <p:cNvSpPr/>
+            <p:nvPr/>
+          </p:nvSpPr>
+          <p:spPr>
+            <a:xfrm>
+              <a:off x="2071868" y="2511706"/>
+              <a:ext cx="4051140" cy="1145894"/>
+            </a:xfrm>
+            <a:custGeom>
+              <a:avLst/>
+              <a:gdLst>
+                <a:gd name="connsiteX0" fmla="*/ 0 w 4051140"/>
+                <a:gd name="connsiteY0" fmla="*/ 1169045 h 1169045"/>
+                <a:gd name="connsiteX1" fmla="*/ 2233914 w 4051140"/>
+                <a:gd name="connsiteY1" fmla="*/ 2 h 1169045"/>
+                <a:gd name="connsiteX2" fmla="*/ 4051140 w 4051140"/>
+                <a:gd name="connsiteY2" fmla="*/ 1157470 h 1169045"/>
+              </a:gdLst>
+              <a:ahLst/>
+              <a:cxnLst>
+                <a:cxn ang="0">
+                  <a:pos x="connsiteX0" y="connsiteY0"/>
+                </a:cxn>
+                <a:cxn ang="0">
+                  <a:pos x="connsiteX1" y="connsiteY1"/>
+                </a:cxn>
+                <a:cxn ang="0">
+                  <a:pos x="connsiteX2" y="connsiteY2"/>
+                </a:cxn>
+              </a:cxnLst>
+              <a:rect l="l" t="t" r="r" b="b"/>
+              <a:pathLst>
+                <a:path w="4051140" h="1169045">
+                  <a:moveTo>
+                    <a:pt x="0" y="1169045"/>
+                  </a:moveTo>
+                  <a:cubicBezTo>
+                    <a:pt x="779362" y="585488"/>
+                    <a:pt x="1558724" y="1931"/>
+                    <a:pt x="2233914" y="2"/>
+                  </a:cubicBezTo>
+                  <a:cubicBezTo>
+                    <a:pt x="2909104" y="-1927"/>
+                    <a:pt x="3763702" y="989637"/>
+                    <a:pt x="4051140" y="1157470"/>
+                  </a:cubicBezTo>
+                </a:path>
+              </a:pathLst>
+            </a:custGeom>
+            <a:ln w="38100">
+              <a:tailEnd type="arrow"/>
+            </a:ln>
+          </p:spPr>
+          <p:style>
+            <a:lnRef idx="3">
+              <a:schemeClr val="accent2"/>
+            </a:lnRef>
+            <a:fillRef idx="0">
+              <a:schemeClr val="accent2"/>
+            </a:fillRef>
+            <a:effectRef idx="2">
+              <a:schemeClr val="accent2"/>
+            </a:effectRef>
+            <a:fontRef idx="minor">
+              <a:schemeClr val="tx1"/>
+            </a:fontRef>
+          </p:style>
+          <p:txBody>
+            <a:bodyPr rtlCol="0" anchor="ctr"/>
+            <a:lstStyle/>
+            <a:p>
+              <a:pPr algn="ctr"/>
+              <a:endParaRPr lang="zh-CN" altLang="en-US"/>
+            </a:p>
+          </p:txBody>
+        </p:sp>
+        <p:sp>
+          <p:nvSpPr>
+            <p:cNvPr id="16" name="任意多边形: 形状 15">
+              <a:extLst>
+                <a:ext uri="{FF2B5EF4-FFF2-40B4-BE49-F238E27FC236}">
+                  <a16:creationId xmlns:a16="http://schemas.microsoft.com/office/drawing/2014/main" id="{067F1053-5832-4AC7-BA5C-C291B36385C8}"/>
+                </a:ext>
+              </a:extLst>
+            </p:cNvPr>
+            <p:cNvSpPr/>
+            <p:nvPr/>
+          </p:nvSpPr>
+          <p:spPr>
+            <a:xfrm>
+              <a:off x="6204030" y="2222126"/>
+              <a:ext cx="4514127" cy="1389175"/>
+            </a:xfrm>
+            <a:custGeom>
+              <a:avLst/>
+              <a:gdLst>
+                <a:gd name="connsiteX0" fmla="*/ 0 w 4514127"/>
+                <a:gd name="connsiteY0" fmla="*/ 1389175 h 1389175"/>
+                <a:gd name="connsiteX1" fmla="*/ 2141317 w 4514127"/>
+                <a:gd name="connsiteY1" fmla="*/ 213 h 1389175"/>
+                <a:gd name="connsiteX2" fmla="*/ 4514127 w 4514127"/>
+                <a:gd name="connsiteY2" fmla="*/ 1273428 h 1389175"/>
+                <a:gd name="connsiteX3" fmla="*/ 4514127 w 4514127"/>
+                <a:gd name="connsiteY3" fmla="*/ 1273428 h 1389175"/>
+              </a:gdLst>
+              <a:ahLst/>
+              <a:cxnLst>
+                <a:cxn ang="0">
+                  <a:pos x="connsiteX0" y="connsiteY0"/>
+                </a:cxn>
+                <a:cxn ang="0">
+                  <a:pos x="connsiteX1" y="connsiteY1"/>
+                </a:cxn>
+                <a:cxn ang="0">
+                  <a:pos x="connsiteX2" y="connsiteY2"/>
+                </a:cxn>
+                <a:cxn ang="0">
+                  <a:pos x="connsiteX3" y="connsiteY3"/>
+                </a:cxn>
+              </a:cxnLst>
+              <a:rect l="l" t="t" r="r" b="b"/>
+              <a:pathLst>
+                <a:path w="4514127" h="1389175">
+                  <a:moveTo>
+                    <a:pt x="0" y="1389175"/>
+                  </a:moveTo>
+                  <a:cubicBezTo>
+                    <a:pt x="694481" y="704339"/>
+                    <a:pt x="1388963" y="19504"/>
+                    <a:pt x="2141317" y="213"/>
+                  </a:cubicBezTo>
+                  <a:cubicBezTo>
+                    <a:pt x="2893671" y="-19078"/>
+                    <a:pt x="4514127" y="1273428"/>
+                    <a:pt x="4514127" y="1273428"/>
+                  </a:cubicBezTo>
+                  <a:lnTo>
+                    <a:pt x="4514127" y="1273428"/>
+                  </a:lnTo>
+                </a:path>
+              </a:pathLst>
+            </a:custGeom>
+            <a:ln w="38100">
+              <a:tailEnd type="arrow"/>
+            </a:ln>
+          </p:spPr>
+          <p:style>
+            <a:lnRef idx="3">
+              <a:schemeClr val="accent2"/>
+            </a:lnRef>
+            <a:fillRef idx="0">
+              <a:schemeClr val="accent2"/>
+            </a:fillRef>
+            <a:effectRef idx="2">
+              <a:schemeClr val="accent2"/>
+            </a:effectRef>
+            <a:fontRef idx="minor">
+              <a:schemeClr val="tx1"/>
+            </a:fontRef>
+          </p:style>
+          <p:txBody>
+            <a:bodyPr rtlCol="0" anchor="ctr"/>
+            <a:lstStyle/>
+            <a:p>
+              <a:pPr algn="ctr"/>
+              <a:endParaRPr lang="zh-CN" altLang="en-US"/>
+            </a:p>
+          </p:txBody>
+        </p:sp>
+        <p:graphicFrame>
+          <p:nvGraphicFramePr>
+            <p:cNvPr id="17" name="对象 16">
+              <a:extLst>
+                <a:ext uri="{FF2B5EF4-FFF2-40B4-BE49-F238E27FC236}">
+                  <a16:creationId xmlns:a16="http://schemas.microsoft.com/office/drawing/2014/main" id="{2B1A9DA4-10ED-40E5-B5B3-D42ACC3776C0}"/>
+                </a:ext>
+              </a:extLst>
+            </p:cNvPr>
+            <p:cNvGraphicFramePr>
+              <a:graphicFrameLocks noChangeAspect="1"/>
+            </p:cNvGraphicFramePr>
+            <p:nvPr>
+              <p:extLst>
+                <p:ext uri="{D42A27DB-BD31-4B8C-83A1-F6EECF244321}">
+                  <p14:modId xmlns:p14="http://schemas.microsoft.com/office/powerpoint/2010/main" val="1709068622"/>
+                </p:ext>
+              </p:extLst>
+            </p:nvPr>
+          </p:nvGraphicFramePr>
+          <p:xfrm>
+            <a:off x="1902265" y="3789158"/>
+            <a:ext cx="478103" cy="693512"/>
+          </p:xfrm>
+          <a:graphic>
+            <a:graphicData uri="http://schemas.openxmlformats.org/presentationml/2006/ole">
+              <mc:AlternateContent xmlns:mc="http://schemas.openxmlformats.org/markup-compatibility/2006">
+                <mc:Choice xmlns:v="urn:schemas-microsoft-com:vml" Requires="v">
+                  <p:oleObj spid="_x0000_s6164" name="AxMath" r:id="rId3" imgW="144360" imgH="208800" progId="Equation.AxMath">
+                    <p:embed/>
+                  </p:oleObj>
+                </mc:Choice>
+                <mc:Fallback>
+                  <p:oleObj name="AxMath" r:id="rId3" imgW="144360" imgH="208800" progId="Equation.AxMath">
+                    <p:embed/>
+                    <p:pic>
+                      <p:nvPicPr>
+                        <p:cNvPr id="0" name=""/>
+                        <p:cNvPicPr/>
+                        <p:nvPr/>
+                      </p:nvPicPr>
+                      <p:blipFill>
+                        <a:blip r:embed="rId4"/>
+                        <a:stretch>
+                          <a:fillRect/>
+                        </a:stretch>
+                      </p:blipFill>
+                      <p:spPr>
+                        <a:xfrm>
+                          <a:off x="1902265" y="3789158"/>
+                          <a:ext cx="478103" cy="693512"/>
+                        </a:xfrm>
+                        <a:prstGeom prst="rect">
+                          <a:avLst/>
+                        </a:prstGeom>
+                      </p:spPr>
+                    </p:pic>
+                  </p:oleObj>
+                </mc:Fallback>
+              </mc:AlternateContent>
+            </a:graphicData>
+          </a:graphic>
+        </p:graphicFrame>
+        <p:graphicFrame>
+          <p:nvGraphicFramePr>
+            <p:cNvPr id="19" name="对象 18">
+              <a:extLst>
+                <a:ext uri="{FF2B5EF4-FFF2-40B4-BE49-F238E27FC236}">
+                  <a16:creationId xmlns:a16="http://schemas.microsoft.com/office/drawing/2014/main" id="{B2B1E950-B9B6-4FCB-81E6-04C5EAEAEEC5}"/>
+                </a:ext>
+              </a:extLst>
+            </p:cNvPr>
+            <p:cNvGraphicFramePr>
+              <a:graphicFrameLocks noChangeAspect="1"/>
+            </p:cNvGraphicFramePr>
+            <p:nvPr>
+              <p:extLst>
+                <p:ext uri="{D42A27DB-BD31-4B8C-83A1-F6EECF244321}">
+                  <p14:modId xmlns:p14="http://schemas.microsoft.com/office/powerpoint/2010/main" val="4151876482"/>
+                </p:ext>
+              </p:extLst>
+            </p:nvPr>
+          </p:nvGraphicFramePr>
+          <p:xfrm>
+            <a:off x="10510838" y="3557588"/>
+            <a:ext cx="579437" cy="693737"/>
+          </p:xfrm>
+          <a:graphic>
+            <a:graphicData uri="http://schemas.openxmlformats.org/presentationml/2006/ole">
+              <mc:AlternateContent xmlns:mc="http://schemas.openxmlformats.org/markup-compatibility/2006">
+                <mc:Choice xmlns:v="urn:schemas-microsoft-com:vml" Requires="v">
+                  <p:oleObj spid="_x0000_s6165" name="AxMath" r:id="rId5" imgW="174600" imgH="208800" progId="Equation.AxMath">
+                    <p:embed/>
+                  </p:oleObj>
+                </mc:Choice>
+                <mc:Fallback>
+                  <p:oleObj name="AxMath" r:id="rId5" imgW="174600" imgH="208800" progId="Equation.AxMath">
+                    <p:embed/>
+                    <p:pic>
+                      <p:nvPicPr>
+                        <p:cNvPr id="17" name="对象 16">
+                          <a:extLst>
+                            <a:ext uri="{FF2B5EF4-FFF2-40B4-BE49-F238E27FC236}">
+                              <a16:creationId xmlns:a16="http://schemas.microsoft.com/office/drawing/2014/main" id="{2B1A9DA4-10ED-40E5-B5B3-D42ACC3776C0}"/>
+                            </a:ext>
+                          </a:extLst>
+                        </p:cNvPr>
+                        <p:cNvPicPr/>
+                        <p:nvPr/>
+                      </p:nvPicPr>
+                      <p:blipFill>
+                        <a:blip r:embed="rId6"/>
+                        <a:stretch>
+                          <a:fillRect/>
+                        </a:stretch>
+                      </p:blipFill>
+                      <p:spPr>
+                        <a:xfrm>
+                          <a:off x="10510838" y="3557588"/>
+                          <a:ext cx="579437" cy="693737"/>
+                        </a:xfrm>
+                        <a:prstGeom prst="rect">
+                          <a:avLst/>
+                        </a:prstGeom>
+                      </p:spPr>
+                    </p:pic>
+                  </p:oleObj>
+                </mc:Fallback>
+              </mc:AlternateContent>
+            </a:graphicData>
+          </a:graphic>
+        </p:graphicFrame>
+        <p:graphicFrame>
+          <p:nvGraphicFramePr>
+            <p:cNvPr id="21" name="对象 20">
+              <a:extLst>
+                <a:ext uri="{FF2B5EF4-FFF2-40B4-BE49-F238E27FC236}">
+                  <a16:creationId xmlns:a16="http://schemas.microsoft.com/office/drawing/2014/main" id="{8E682470-042A-4BB7-A6C1-DEFC2B681D81}"/>
+                </a:ext>
+              </a:extLst>
+            </p:cNvPr>
+            <p:cNvGraphicFramePr>
+              <a:graphicFrameLocks noChangeAspect="1"/>
+            </p:cNvGraphicFramePr>
+            <p:nvPr>
+              <p:extLst>
+                <p:ext uri="{D42A27DB-BD31-4B8C-83A1-F6EECF244321}">
+                  <p14:modId xmlns:p14="http://schemas.microsoft.com/office/powerpoint/2010/main" val="2994164335"/>
+                </p:ext>
+              </p:extLst>
+            </p:nvPr>
+          </p:nvGraphicFramePr>
+          <p:xfrm>
+            <a:off x="5942013" y="3702050"/>
+            <a:ext cx="525462" cy="693738"/>
+          </p:xfrm>
+          <a:graphic>
+            <a:graphicData uri="http://schemas.openxmlformats.org/presentationml/2006/ole">
+              <mc:AlternateContent xmlns:mc="http://schemas.openxmlformats.org/markup-compatibility/2006">
+                <mc:Choice xmlns:v="urn:schemas-microsoft-com:vml" Requires="v">
+                  <p:oleObj spid="_x0000_s6166" name="AxMath" r:id="rId7" imgW="158040" imgH="208800" progId="Equation.AxMath">
+                    <p:embed/>
+                  </p:oleObj>
+                </mc:Choice>
+                <mc:Fallback>
+                  <p:oleObj name="AxMath" r:id="rId7" imgW="158040" imgH="208800" progId="Equation.AxMath">
+                    <p:embed/>
+                    <p:pic>
+                      <p:nvPicPr>
+                        <p:cNvPr id="17" name="对象 16">
+                          <a:extLst>
+                            <a:ext uri="{FF2B5EF4-FFF2-40B4-BE49-F238E27FC236}">
+                              <a16:creationId xmlns:a16="http://schemas.microsoft.com/office/drawing/2014/main" id="{2B1A9DA4-10ED-40E5-B5B3-D42ACC3776C0}"/>
+                            </a:ext>
+                          </a:extLst>
+                        </p:cNvPr>
+                        <p:cNvPicPr/>
+                        <p:nvPr/>
+                      </p:nvPicPr>
+                      <p:blipFill>
+                        <a:blip r:embed="rId8"/>
+                        <a:stretch>
+                          <a:fillRect/>
+                        </a:stretch>
+                      </p:blipFill>
+                      <p:spPr>
+                        <a:xfrm>
+                          <a:off x="5942013" y="3702050"/>
+                          <a:ext cx="525462" cy="693738"/>
+                        </a:xfrm>
+                        <a:prstGeom prst="rect">
+                          <a:avLst/>
+                        </a:prstGeom>
+                      </p:spPr>
+                    </p:pic>
+                  </p:oleObj>
+                </mc:Fallback>
+              </mc:AlternateContent>
+            </a:graphicData>
+          </a:graphic>
+        </p:graphicFrame>
+        <p:graphicFrame>
+          <p:nvGraphicFramePr>
+            <p:cNvPr id="23" name="对象 22">
+              <a:extLst>
+                <a:ext uri="{FF2B5EF4-FFF2-40B4-BE49-F238E27FC236}">
+                  <a16:creationId xmlns:a16="http://schemas.microsoft.com/office/drawing/2014/main" id="{978E586C-D4E0-4C76-913C-09486DB312AE}"/>
+                </a:ext>
+              </a:extLst>
+            </p:cNvPr>
+            <p:cNvGraphicFramePr>
+              <a:graphicFrameLocks noChangeAspect="1"/>
+            </p:cNvGraphicFramePr>
+            <p:nvPr>
+              <p:extLst>
+                <p:ext uri="{D42A27DB-BD31-4B8C-83A1-F6EECF244321}">
+                  <p14:modId xmlns:p14="http://schemas.microsoft.com/office/powerpoint/2010/main" val="1238926249"/>
+                </p:ext>
+              </p:extLst>
+            </p:nvPr>
+          </p:nvGraphicFramePr>
+          <p:xfrm>
+            <a:off x="2225675" y="1817688"/>
+            <a:ext cx="484188" cy="688975"/>
+          </p:xfrm>
+          <a:graphic>
+            <a:graphicData uri="http://schemas.openxmlformats.org/presentationml/2006/ole">
+              <mc:AlternateContent xmlns:mc="http://schemas.openxmlformats.org/markup-compatibility/2006">
+                <mc:Choice xmlns:v="urn:schemas-microsoft-com:vml" Requires="v">
+                  <p:oleObj spid="_x0000_s6167" name="AxMath" r:id="rId9" imgW="145440" imgH="207360" progId="Equation.AxMath">
+                    <p:embed/>
+                  </p:oleObj>
+                </mc:Choice>
+                <mc:Fallback>
+                  <p:oleObj name="AxMath" r:id="rId9" imgW="145440" imgH="207360" progId="Equation.AxMath">
+                    <p:embed/>
+                    <p:pic>
+                      <p:nvPicPr>
+                        <p:cNvPr id="17" name="对象 16">
+                          <a:extLst>
+                            <a:ext uri="{FF2B5EF4-FFF2-40B4-BE49-F238E27FC236}">
+                              <a16:creationId xmlns:a16="http://schemas.microsoft.com/office/drawing/2014/main" id="{2B1A9DA4-10ED-40E5-B5B3-D42ACC3776C0}"/>
+                            </a:ext>
+                          </a:extLst>
+                        </p:cNvPr>
+                        <p:cNvPicPr/>
+                        <p:nvPr/>
+                      </p:nvPicPr>
+                      <p:blipFill>
+                        <a:blip r:embed="rId10"/>
+                        <a:stretch>
+                          <a:fillRect/>
+                        </a:stretch>
+                      </p:blipFill>
+                      <p:spPr>
+                        <a:xfrm>
+                          <a:off x="2225675" y="1817688"/>
+                          <a:ext cx="484188" cy="688975"/>
+                        </a:xfrm>
+                        <a:prstGeom prst="rect">
+                          <a:avLst/>
+                        </a:prstGeom>
+                      </p:spPr>
+                    </p:pic>
+                  </p:oleObj>
+                </mc:Fallback>
+              </mc:AlternateContent>
+            </a:graphicData>
+          </a:graphic>
+        </p:graphicFrame>
+        <p:graphicFrame>
+          <p:nvGraphicFramePr>
+            <p:cNvPr id="25" name="对象 24">
+              <a:extLst>
+                <a:ext uri="{FF2B5EF4-FFF2-40B4-BE49-F238E27FC236}">
+                  <a16:creationId xmlns:a16="http://schemas.microsoft.com/office/drawing/2014/main" id="{5D65D305-F940-490A-93E7-7F571AED17FF}"/>
+                </a:ext>
+              </a:extLst>
+            </p:cNvPr>
+            <p:cNvGraphicFramePr>
+              <a:graphicFrameLocks noChangeAspect="1"/>
+            </p:cNvGraphicFramePr>
+            <p:nvPr>
+              <p:extLst>
+                <p:ext uri="{D42A27DB-BD31-4B8C-83A1-F6EECF244321}">
+                  <p14:modId xmlns:p14="http://schemas.microsoft.com/office/powerpoint/2010/main" val="3290818600"/>
+                </p:ext>
+              </p:extLst>
+            </p:nvPr>
+          </p:nvGraphicFramePr>
+          <p:xfrm>
+            <a:off x="10514013" y="1817688"/>
+            <a:ext cx="409575" cy="688975"/>
+          </p:xfrm>
+          <a:graphic>
+            <a:graphicData uri="http://schemas.openxmlformats.org/presentationml/2006/ole">
+              <mc:AlternateContent xmlns:mc="http://schemas.openxmlformats.org/markup-compatibility/2006">
+                <mc:Choice xmlns:v="urn:schemas-microsoft-com:vml" Requires="v">
+                  <p:oleObj spid="_x0000_s6168" name="AxMath" r:id="rId11" imgW="123480" imgH="207360" progId="Equation.AxMath">
+                    <p:embed/>
+                  </p:oleObj>
+                </mc:Choice>
+                <mc:Fallback>
+                  <p:oleObj name="AxMath" r:id="rId11" imgW="123480" imgH="207360" progId="Equation.AxMath">
+                    <p:embed/>
+                    <p:pic>
+                      <p:nvPicPr>
+                        <p:cNvPr id="23" name="对象 22">
+                          <a:extLst>
+                            <a:ext uri="{FF2B5EF4-FFF2-40B4-BE49-F238E27FC236}">
+                              <a16:creationId xmlns:a16="http://schemas.microsoft.com/office/drawing/2014/main" id="{978E586C-D4E0-4C76-913C-09486DB312AE}"/>
+                            </a:ext>
+                          </a:extLst>
+                        </p:cNvPr>
+                        <p:cNvPicPr/>
+                        <p:nvPr/>
+                      </p:nvPicPr>
+                      <p:blipFill>
+                        <a:blip r:embed="rId12"/>
+                        <a:stretch>
+                          <a:fillRect/>
+                        </a:stretch>
+                      </p:blipFill>
+                      <p:spPr>
+                        <a:xfrm>
+                          <a:off x="10514013" y="1817688"/>
+                          <a:ext cx="409575" cy="688975"/>
+                        </a:xfrm>
+                        <a:prstGeom prst="rect">
+                          <a:avLst/>
+                        </a:prstGeom>
+                      </p:spPr>
+                    </p:pic>
+                  </p:oleObj>
+                </mc:Fallback>
+              </mc:AlternateContent>
+            </a:graphicData>
+          </a:graphic>
+        </p:graphicFrame>
+        <p:graphicFrame>
+          <p:nvGraphicFramePr>
+            <p:cNvPr id="27" name="对象 26">
+              <a:extLst>
+                <a:ext uri="{FF2B5EF4-FFF2-40B4-BE49-F238E27FC236}">
+                  <a16:creationId xmlns:a16="http://schemas.microsoft.com/office/drawing/2014/main" id="{58A7BB97-9C6D-4CEC-8936-BFC37A30D23A}"/>
+                </a:ext>
+              </a:extLst>
+            </p:cNvPr>
+            <p:cNvGraphicFramePr>
+              <a:graphicFrameLocks noChangeAspect="1"/>
+            </p:cNvGraphicFramePr>
+            <p:nvPr>
+              <p:extLst>
+                <p:ext uri="{D42A27DB-BD31-4B8C-83A1-F6EECF244321}">
+                  <p14:modId xmlns:p14="http://schemas.microsoft.com/office/powerpoint/2010/main" val="1431574303"/>
+                </p:ext>
+              </p:extLst>
+            </p:nvPr>
+          </p:nvGraphicFramePr>
+          <p:xfrm>
+            <a:off x="6337300" y="1787525"/>
+            <a:ext cx="458788" cy="688975"/>
+          </p:xfrm>
+          <a:graphic>
+            <a:graphicData uri="http://schemas.openxmlformats.org/presentationml/2006/ole">
+              <mc:AlternateContent xmlns:mc="http://schemas.openxmlformats.org/markup-compatibility/2006">
+                <mc:Choice xmlns:v="urn:schemas-microsoft-com:vml" Requires="v">
+                  <p:oleObj spid="_x0000_s6169" name="AxMath" r:id="rId13" imgW="138240" imgH="207360" progId="Equation.AxMath">
+                    <p:embed/>
+                  </p:oleObj>
+                </mc:Choice>
+                <mc:Fallback>
+                  <p:oleObj name="AxMath" r:id="rId13" imgW="138240" imgH="207360" progId="Equation.AxMath">
+                    <p:embed/>
+                    <p:pic>
+                      <p:nvPicPr>
+                        <p:cNvPr id="23" name="对象 22">
+                          <a:extLst>
+                            <a:ext uri="{FF2B5EF4-FFF2-40B4-BE49-F238E27FC236}">
+                              <a16:creationId xmlns:a16="http://schemas.microsoft.com/office/drawing/2014/main" id="{978E586C-D4E0-4C76-913C-09486DB312AE}"/>
+                            </a:ext>
+                          </a:extLst>
+                        </p:cNvPr>
+                        <p:cNvPicPr/>
+                        <p:nvPr/>
+                      </p:nvPicPr>
+                      <p:blipFill>
+                        <a:blip r:embed="rId14"/>
+                        <a:stretch>
+                          <a:fillRect/>
+                        </a:stretch>
+                      </p:blipFill>
+                      <p:spPr>
+                        <a:xfrm>
+                          <a:off x="6337300" y="1787525"/>
+                          <a:ext cx="458788" cy="688975"/>
+                        </a:xfrm>
+                        <a:prstGeom prst="rect">
+                          <a:avLst/>
+                        </a:prstGeom>
+                      </p:spPr>
+                    </p:pic>
+                  </p:oleObj>
+                </mc:Fallback>
+              </mc:AlternateContent>
+            </a:graphicData>
+          </a:graphic>
+        </p:graphicFrame>
+      </p:grpSp>
     </p:spTree>
     <p:extLst>
       <p:ext uri="{BB962C8B-B14F-4D97-AF65-F5344CB8AC3E}">
